--- a/Projektdokumentation/ProjektarbeitJetstreamSkiserviceAPI.pptx
+++ b/Projektdokumentation/ProjektarbeitJetstreamSkiserviceAPI.pptx
@@ -9,12 +9,13 @@
     <p:sldId id="257" r:id="rId3"/>
     <p:sldId id="258" r:id="rId4"/>
     <p:sldId id="260" r:id="rId5"/>
-    <p:sldId id="261" r:id="rId6"/>
-    <p:sldId id="262" r:id="rId7"/>
-    <p:sldId id="265" r:id="rId8"/>
-    <p:sldId id="263" r:id="rId9"/>
-    <p:sldId id="264" r:id="rId10"/>
-    <p:sldId id="266" r:id="rId11"/>
+    <p:sldId id="267" r:id="rId6"/>
+    <p:sldId id="261" r:id="rId7"/>
+    <p:sldId id="262" r:id="rId8"/>
+    <p:sldId id="265" r:id="rId9"/>
+    <p:sldId id="263" r:id="rId10"/>
+    <p:sldId id="264" r:id="rId11"/>
+    <p:sldId id="266" r:id="rId12"/>
   </p:sldIdLst>
   <p:sldSz cx="12192000" cy="6858000"/>
   <p:notesSz cx="6858000" cy="9144000"/>
@@ -124,7 +125,7 @@
 <file path=ppt/revisionInfo.xml><?xml version="1.0" encoding="utf-8"?>
 <p1510:revInfo xmlns:a="http://schemas.openxmlformats.org/drawingml/2006/main" xmlns:r="http://schemas.openxmlformats.org/officeDocument/2006/relationships" xmlns:p1510="http://schemas.microsoft.com/office/powerpoint/2015/10/main">
   <p1510:revLst>
-    <p1510:client id="{06C3CAA2-E92A-479D-A1E5-EE69E56C2F2A}" v="313" dt="2022-12-19T12:58:37.993"/>
+    <p1510:client id="{06C3CAA2-E92A-479D-A1E5-EE69E56C2F2A}" v="314" dt="2022-12-20T09:23:25.585"/>
   </p1510:revLst>
 </p1510:revInfo>
 </file>
@@ -755,8 +756,8 @@
   </pc:docChgLst>
   <pc:docChgLst>
     <pc:chgData name="Alexander Ernst" userId="ee810684-0fc9-4535-8de0-16b687656ce9" providerId="ADAL" clId="{06C3CAA2-E92A-479D-A1E5-EE69E56C2F2A}"/>
-    <pc:docChg chg="custSel modSld">
-      <pc:chgData name="Alexander Ernst" userId="ee810684-0fc9-4535-8de0-16b687656ce9" providerId="ADAL" clId="{06C3CAA2-E92A-479D-A1E5-EE69E56C2F2A}" dt="2022-12-19T12:58:37.993" v="384" actId="20577"/>
+    <pc:docChg chg="custSel addSld modSld">
+      <pc:chgData name="Alexander Ernst" userId="ee810684-0fc9-4535-8de0-16b687656ce9" providerId="ADAL" clId="{06C3CAA2-E92A-479D-A1E5-EE69E56C2F2A}" dt="2022-12-20T09:24:18.863" v="494" actId="1076"/>
       <pc:docMkLst>
         <pc:docMk/>
       </pc:docMkLst>
@@ -780,6 +781,21 @@
             <pc:docMk/>
             <pc:sldMk cId="3698236930" sldId="256"/>
             <ac:spMk id="3" creationId="{E83BDC50-D8DF-9F02-C109-E233296F3E39}"/>
+          </ac:spMkLst>
+        </pc:spChg>
+      </pc:sldChg>
+      <pc:sldChg chg="modSp mod">
+        <pc:chgData name="Alexander Ernst" userId="ee810684-0fc9-4535-8de0-16b687656ce9" providerId="ADAL" clId="{06C3CAA2-E92A-479D-A1E5-EE69E56C2F2A}" dt="2022-12-20T09:23:00.587" v="464" actId="20577"/>
+        <pc:sldMkLst>
+          <pc:docMk/>
+          <pc:sldMk cId="2077081584" sldId="257"/>
+        </pc:sldMkLst>
+        <pc:spChg chg="mod">
+          <ac:chgData name="Alexander Ernst" userId="ee810684-0fc9-4535-8de0-16b687656ce9" providerId="ADAL" clId="{06C3CAA2-E92A-479D-A1E5-EE69E56C2F2A}" dt="2022-12-20T09:23:00.587" v="464" actId="20577"/>
+          <ac:spMkLst>
+            <pc:docMk/>
+            <pc:sldMk cId="2077081584" sldId="257"/>
+            <ac:spMk id="3" creationId="{4D6DA8E4-3716-FF00-F4A4-3CEF6C50D7CE}"/>
           </ac:spMkLst>
         </pc:spChg>
       </pc:sldChg>
@@ -868,13 +884,13 @@
         </pc:graphicFrameChg>
       </pc:sldChg>
       <pc:sldChg chg="modSp mod">
-        <pc:chgData name="Alexander Ernst" userId="ee810684-0fc9-4535-8de0-16b687656ce9" providerId="ADAL" clId="{06C3CAA2-E92A-479D-A1E5-EE69E56C2F2A}" dt="2022-12-19T12:55:14.482" v="364" actId="20577"/>
+        <pc:chgData name="Alexander Ernst" userId="ee810684-0fc9-4535-8de0-16b687656ce9" providerId="ADAL" clId="{06C3CAA2-E92A-479D-A1E5-EE69E56C2F2A}" dt="2022-12-20T08:39:03.336" v="426" actId="20577"/>
         <pc:sldMkLst>
           <pc:docMk/>
           <pc:sldMk cId="2574416453" sldId="264"/>
         </pc:sldMkLst>
         <pc:spChg chg="mod">
-          <ac:chgData name="Alexander Ernst" userId="ee810684-0fc9-4535-8de0-16b687656ce9" providerId="ADAL" clId="{06C3CAA2-E92A-479D-A1E5-EE69E56C2F2A}" dt="2022-12-19T12:55:14.482" v="364" actId="20577"/>
+          <ac:chgData name="Alexander Ernst" userId="ee810684-0fc9-4535-8de0-16b687656ce9" providerId="ADAL" clId="{06C3CAA2-E92A-479D-A1E5-EE69E56C2F2A}" dt="2022-12-20T08:39:03.336" v="426" actId="20577"/>
           <ac:spMkLst>
             <pc:docMk/>
             <pc:sldMk cId="2574416453" sldId="264"/>
@@ -883,7 +899,7 @@
         </pc:spChg>
       </pc:sldChg>
       <pc:sldChg chg="addSp delSp modSp mod">
-        <pc:chgData name="Alexander Ernst" userId="ee810684-0fc9-4535-8de0-16b687656ce9" providerId="ADAL" clId="{06C3CAA2-E92A-479D-A1E5-EE69E56C2F2A}" dt="2022-12-19T12:54:41.182" v="325" actId="1076"/>
+        <pc:chgData name="Alexander Ernst" userId="ee810684-0fc9-4535-8de0-16b687656ce9" providerId="ADAL" clId="{06C3CAA2-E92A-479D-A1E5-EE69E56C2F2A}" dt="2022-12-20T08:52:02.381" v="429" actId="1076"/>
         <pc:sldMkLst>
           <pc:docMk/>
           <pc:sldMk cId="2049013597" sldId="265"/>
@@ -897,7 +913,7 @@
           </ac:spMkLst>
         </pc:spChg>
         <pc:spChg chg="mod">
-          <ac:chgData name="Alexander Ernst" userId="ee810684-0fc9-4535-8de0-16b687656ce9" providerId="ADAL" clId="{06C3CAA2-E92A-479D-A1E5-EE69E56C2F2A}" dt="2022-12-19T12:54:41.182" v="325" actId="1076"/>
+          <ac:chgData name="Alexander Ernst" userId="ee810684-0fc9-4535-8de0-16b687656ce9" providerId="ADAL" clId="{06C3CAA2-E92A-479D-A1E5-EE69E56C2F2A}" dt="2022-12-20T08:52:02.381" v="429" actId="1076"/>
           <ac:spMkLst>
             <pc:docMk/>
             <pc:sldMk cId="2049013597" sldId="265"/>
@@ -913,7 +929,7 @@
           </ac:spMkLst>
         </pc:spChg>
         <pc:spChg chg="mod">
-          <ac:chgData name="Alexander Ernst" userId="ee810684-0fc9-4535-8de0-16b687656ce9" providerId="ADAL" clId="{06C3CAA2-E92A-479D-A1E5-EE69E56C2F2A}" dt="2022-12-19T12:54:33.250" v="324" actId="1076"/>
+          <ac:chgData name="Alexander Ernst" userId="ee810684-0fc9-4535-8de0-16b687656ce9" providerId="ADAL" clId="{06C3CAA2-E92A-479D-A1E5-EE69E56C2F2A}" dt="2022-12-20T08:51:58.431" v="428" actId="1076"/>
           <ac:spMkLst>
             <pc:docMk/>
             <pc:sldMk cId="2049013597" sldId="265"/>
@@ -921,7 +937,7 @@
           </ac:spMkLst>
         </pc:spChg>
         <pc:picChg chg="mod">
-          <ac:chgData name="Alexander Ernst" userId="ee810684-0fc9-4535-8de0-16b687656ce9" providerId="ADAL" clId="{06C3CAA2-E92A-479D-A1E5-EE69E56C2F2A}" dt="2022-12-19T12:54:29.341" v="323" actId="1076"/>
+          <ac:chgData name="Alexander Ernst" userId="ee810684-0fc9-4535-8de0-16b687656ce9" providerId="ADAL" clId="{06C3CAA2-E92A-479D-A1E5-EE69E56C2F2A}" dt="2022-12-20T08:51:55.169" v="427" actId="1076"/>
           <ac:picMkLst>
             <pc:docMk/>
             <pc:sldMk cId="2049013597" sldId="265"/>
@@ -942,6 +958,77 @@
             <pc:docMk/>
             <pc:sldMk cId="2049013597" sldId="265"/>
             <ac:picMk id="18" creationId="{25BADDD5-E827-BE28-FAFF-AE8FABE536CD}"/>
+          </ac:picMkLst>
+        </pc:picChg>
+      </pc:sldChg>
+      <pc:sldChg chg="addSp delSp modSp new mod setBg">
+        <pc:chgData name="Alexander Ernst" userId="ee810684-0fc9-4535-8de0-16b687656ce9" providerId="ADAL" clId="{06C3CAA2-E92A-479D-A1E5-EE69E56C2F2A}" dt="2022-12-20T09:24:18.863" v="494" actId="1076"/>
+        <pc:sldMkLst>
+          <pc:docMk/>
+          <pc:sldMk cId="3845958178" sldId="267"/>
+        </pc:sldMkLst>
+        <pc:spChg chg="mod">
+          <ac:chgData name="Alexander Ernst" userId="ee810684-0fc9-4535-8de0-16b687656ce9" providerId="ADAL" clId="{06C3CAA2-E92A-479D-A1E5-EE69E56C2F2A}" dt="2022-12-20T09:23:34.859" v="472" actId="26606"/>
+          <ac:spMkLst>
+            <pc:docMk/>
+            <pc:sldMk cId="3845958178" sldId="267"/>
+            <ac:spMk id="2" creationId="{C4055616-406A-0223-BFE0-817EDF9415BB}"/>
+          </ac:spMkLst>
+        </pc:spChg>
+        <pc:spChg chg="del">
+          <ac:chgData name="Alexander Ernst" userId="ee810684-0fc9-4535-8de0-16b687656ce9" providerId="ADAL" clId="{06C3CAA2-E92A-479D-A1E5-EE69E56C2F2A}" dt="2022-12-20T09:23:25.585" v="465"/>
+          <ac:spMkLst>
+            <pc:docMk/>
+            <pc:sldMk cId="3845958178" sldId="267"/>
+            <ac:spMk id="3" creationId="{788AFC6A-D7B2-4B45-7E4B-863A9FEBAEE8}"/>
+          </ac:spMkLst>
+        </pc:spChg>
+        <pc:spChg chg="add">
+          <ac:chgData name="Alexander Ernst" userId="ee810684-0fc9-4535-8de0-16b687656ce9" providerId="ADAL" clId="{06C3CAA2-E92A-479D-A1E5-EE69E56C2F2A}" dt="2022-12-20T09:23:34.859" v="472" actId="26606"/>
+          <ac:spMkLst>
+            <pc:docMk/>
+            <pc:sldMk cId="3845958178" sldId="267"/>
+            <ac:spMk id="11" creationId="{FAAFF503-6649-27C0-F91B-40EFDD06A828}"/>
+          </ac:spMkLst>
+        </pc:spChg>
+        <pc:spChg chg="add del">
+          <ac:chgData name="Alexander Ernst" userId="ee810684-0fc9-4535-8de0-16b687656ce9" providerId="ADAL" clId="{06C3CAA2-E92A-479D-A1E5-EE69E56C2F2A}" dt="2022-12-20T09:23:41.589" v="476" actId="26606"/>
+          <ac:spMkLst>
+            <pc:docMk/>
+            <pc:sldMk cId="3845958178" sldId="267"/>
+            <ac:spMk id="14" creationId="{E704FA00-F5B1-4BF3-BFB2-F832D367024B}"/>
+          </ac:spMkLst>
+        </pc:spChg>
+        <pc:spChg chg="add del">
+          <ac:chgData name="Alexander Ernst" userId="ee810684-0fc9-4535-8de0-16b687656ce9" providerId="ADAL" clId="{06C3CAA2-E92A-479D-A1E5-EE69E56C2F2A}" dt="2022-12-20T09:23:44.709" v="478" actId="26606"/>
+          <ac:spMkLst>
+            <pc:docMk/>
+            <pc:sldMk cId="3845958178" sldId="267"/>
+            <ac:spMk id="19" creationId="{E704FA00-F5B1-4BF3-BFB2-F832D367024B}"/>
+          </ac:spMkLst>
+        </pc:spChg>
+        <pc:spChg chg="add">
+          <ac:chgData name="Alexander Ernst" userId="ee810684-0fc9-4535-8de0-16b687656ce9" providerId="ADAL" clId="{06C3CAA2-E92A-479D-A1E5-EE69E56C2F2A}" dt="2022-12-20T09:23:44.709" v="478" actId="26606"/>
+          <ac:spMkLst>
+            <pc:docMk/>
+            <pc:sldMk cId="3845958178" sldId="267"/>
+            <ac:spMk id="24" creationId="{E704FA00-F5B1-4BF3-BFB2-F832D367024B}"/>
+          </ac:spMkLst>
+        </pc:spChg>
+        <pc:picChg chg="add mod ord">
+          <ac:chgData name="Alexander Ernst" userId="ee810684-0fc9-4535-8de0-16b687656ce9" providerId="ADAL" clId="{06C3CAA2-E92A-479D-A1E5-EE69E56C2F2A}" dt="2022-12-20T09:24:18.863" v="494" actId="1076"/>
+          <ac:picMkLst>
+            <pc:docMk/>
+            <pc:sldMk cId="3845958178" sldId="267"/>
+            <ac:picMk id="5" creationId="{2D6B5308-A131-9E9C-7895-64714C298263}"/>
+          </ac:picMkLst>
+        </pc:picChg>
+        <pc:picChg chg="add mod">
+          <ac:chgData name="Alexander Ernst" userId="ee810684-0fc9-4535-8de0-16b687656ce9" providerId="ADAL" clId="{06C3CAA2-E92A-479D-A1E5-EE69E56C2F2A}" dt="2022-12-20T09:24:15.753" v="492" actId="14100"/>
+          <ac:picMkLst>
+            <pc:docMk/>
+            <pc:sldMk cId="3845958178" sldId="267"/>
+            <ac:picMk id="7" creationId="{14DA6F07-55B4-0BA9-F3F8-F74E9247AA4E}"/>
           </ac:picMkLst>
         </pc:picChg>
       </pc:sldChg>
@@ -3625,15 +3712,7 @@
         <a:p>
           <a:r>
             <a:rPr lang="de-DE" dirty="0"/>
-            <a:t>Realisieren </a:t>
-          </a:r>
-          <a:r>
-            <a:rPr lang="de-DE"/>
-            <a:t>– WPF, Features </a:t>
-          </a:r>
-          <a:r>
-            <a:rPr lang="de-DE" dirty="0"/>
-            <a:t>realisieren</a:t>
+            <a:t>Realisieren – WPF, Features realisieren</a:t>
           </a:r>
           <a:endParaRPr lang="en-US" dirty="0"/>
         </a:p>
@@ -4673,15 +4752,7 @@
           </a:pPr>
           <a:r>
             <a:rPr lang="de-DE" sz="2500" kern="1200" dirty="0"/>
-            <a:t>Realisieren </a:t>
-          </a:r>
-          <a:r>
-            <a:rPr lang="de-DE" sz="2500" kern="1200"/>
-            <a:t>– WPF, Features </a:t>
-          </a:r>
-          <a:r>
-            <a:rPr lang="de-DE" sz="2500" kern="1200" dirty="0"/>
-            <a:t>realisieren</a:t>
+            <a:t>Realisieren – WPF, Features realisieren</a:t>
           </a:r>
           <a:endParaRPr lang="en-US" sz="2500" kern="1200" dirty="0"/>
         </a:p>
@@ -8877,7 +8948,7 @@
           <a:noFill/>
           <a:extLst>
             <a:ext uri="{909E8E84-426E-40dd-AFC4-6F175D3DCCD1}">
-              <a14:hiddenFill xmlns="" xmlns:a14="http://schemas.microsoft.com/office/drawing/2010/main">
+              <a14:hiddenFill xmlns:a14="http://schemas.microsoft.com/office/drawing/2010/main" xmlns="">
                 <a:solidFill>
                   <a:srgbClr val="FFFFFF"/>
                 </a:solidFill>
@@ -8937,7 +9008,7 @@
             </a:ln>
             <a:extLst>
               <a:ext uri="{91240B29-F687-4f45-9708-019B960494DF}">
-                <a14:hiddenLine xmlns="" xmlns:a14="http://schemas.microsoft.com/office/drawing/2010/main" w="9525">
+                <a14:hiddenLine xmlns:a14="http://schemas.microsoft.com/office/drawing/2010/main" xmlns="" w="9525">
                   <a:solidFill>
                     <a:srgbClr val="000000"/>
                   </a:solidFill>
@@ -9027,7 +9098,7 @@
             </a:ln>
             <a:extLst>
               <a:ext uri="{91240B29-F687-4f45-9708-019B960494DF}">
-                <a14:hiddenLine xmlns="" xmlns:a14="http://schemas.microsoft.com/office/drawing/2010/main" w="9525">
+                <a14:hiddenLine xmlns:a14="http://schemas.microsoft.com/office/drawing/2010/main" xmlns="" w="9525">
                   <a:solidFill>
                     <a:srgbClr val="000000"/>
                   </a:solidFill>
@@ -9117,7 +9188,7 @@
             </a:ln>
             <a:extLst>
               <a:ext uri="{91240B29-F687-4f45-9708-019B960494DF}">
-                <a14:hiddenLine xmlns="" xmlns:a14="http://schemas.microsoft.com/office/drawing/2010/main" w="9525">
+                <a14:hiddenLine xmlns:a14="http://schemas.microsoft.com/office/drawing/2010/main" xmlns="" w="9525">
                   <a:solidFill>
                     <a:srgbClr val="000000"/>
                   </a:solidFill>
@@ -9151,7 +9222,7 @@
             </a:ln>
             <a:extLst>
               <a:ext uri="{91240B29-F687-4f45-9708-019B960494DF}">
-                <a14:hiddenLine xmlns="" xmlns:a14="http://schemas.microsoft.com/office/drawing/2010/main" w="9525">
+                <a14:hiddenLine xmlns:a14="http://schemas.microsoft.com/office/drawing/2010/main" xmlns="" w="9525">
                   <a:solidFill>
                     <a:srgbClr val="000000"/>
                   </a:solidFill>
@@ -9241,7 +9312,7 @@
             </a:ln>
             <a:extLst>
               <a:ext uri="{91240B29-F687-4f45-9708-019B960494DF}">
-                <a14:hiddenLine xmlns="" xmlns:a14="http://schemas.microsoft.com/office/drawing/2010/main" w="9525">
+                <a14:hiddenLine xmlns:a14="http://schemas.microsoft.com/office/drawing/2010/main" xmlns="" w="9525">
                   <a:solidFill>
                     <a:srgbClr val="000000"/>
                   </a:solidFill>
@@ -9303,7 +9374,7 @@
             </a:ln>
             <a:extLst>
               <a:ext uri="{91240B29-F687-4f45-9708-019B960494DF}">
-                <a14:hiddenLine xmlns="" xmlns:a14="http://schemas.microsoft.com/office/drawing/2010/main" w="9525">
+                <a14:hiddenLine xmlns:a14="http://schemas.microsoft.com/office/drawing/2010/main" xmlns="" w="9525">
                   <a:solidFill>
                     <a:srgbClr val="000000"/>
                   </a:solidFill>
@@ -9365,7 +9436,7 @@
             </a:ln>
             <a:extLst>
               <a:ext uri="{91240B29-F687-4f45-9708-019B960494DF}">
-                <a14:hiddenLine xmlns="" xmlns:a14="http://schemas.microsoft.com/office/drawing/2010/main" w="9525">
+                <a14:hiddenLine xmlns:a14="http://schemas.microsoft.com/office/drawing/2010/main" xmlns="" w="9525">
                   <a:solidFill>
                     <a:srgbClr val="000000"/>
                   </a:solidFill>
@@ -9455,7 +9526,7 @@
             </a:ln>
             <a:extLst>
               <a:ext uri="{91240B29-F687-4f45-9708-019B960494DF}">
-                <a14:hiddenLine xmlns="" xmlns:a14="http://schemas.microsoft.com/office/drawing/2010/main" w="9525">
+                <a14:hiddenLine xmlns:a14="http://schemas.microsoft.com/office/drawing/2010/main" xmlns="" w="9525">
                   <a:solidFill>
                     <a:srgbClr val="000000"/>
                   </a:solidFill>
@@ -9517,7 +9588,7 @@
             </a:ln>
             <a:extLst>
               <a:ext uri="{91240B29-F687-4f45-9708-019B960494DF}">
-                <a14:hiddenLine xmlns="" xmlns:a14="http://schemas.microsoft.com/office/drawing/2010/main" w="9525">
+                <a14:hiddenLine xmlns:a14="http://schemas.microsoft.com/office/drawing/2010/main" xmlns="" w="9525">
                   <a:solidFill>
                     <a:srgbClr val="000000"/>
                   </a:solidFill>
@@ -9579,7 +9650,7 @@
             </a:ln>
             <a:extLst>
               <a:ext uri="{91240B29-F687-4f45-9708-019B960494DF}">
-                <a14:hiddenLine xmlns="" xmlns:a14="http://schemas.microsoft.com/office/drawing/2010/main" w="9525">
+                <a14:hiddenLine xmlns:a14="http://schemas.microsoft.com/office/drawing/2010/main" xmlns="" w="9525">
                   <a:solidFill>
                     <a:srgbClr val="000000"/>
                   </a:solidFill>
@@ -9669,7 +9740,7 @@
             </a:ln>
             <a:extLst>
               <a:ext uri="{91240B29-F687-4f45-9708-019B960494DF}">
-                <a14:hiddenLine xmlns="" xmlns:a14="http://schemas.microsoft.com/office/drawing/2010/main" w="9525">
+                <a14:hiddenLine xmlns:a14="http://schemas.microsoft.com/office/drawing/2010/main" xmlns="" w="9525">
                   <a:solidFill>
                     <a:srgbClr val="000000"/>
                   </a:solidFill>
@@ -9759,7 +9830,7 @@
             </a:ln>
             <a:extLst>
               <a:ext uri="{91240B29-F687-4f45-9708-019B960494DF}">
-                <a14:hiddenLine xmlns="" xmlns:a14="http://schemas.microsoft.com/office/drawing/2010/main" w="9525">
+                <a14:hiddenLine xmlns:a14="http://schemas.microsoft.com/office/drawing/2010/main" xmlns="" w="9525">
                   <a:solidFill>
                     <a:srgbClr val="000000"/>
                   </a:solidFill>
@@ -9821,7 +9892,7 @@
             </a:ln>
             <a:extLst>
               <a:ext uri="{91240B29-F687-4f45-9708-019B960494DF}">
-                <a14:hiddenLine xmlns="" xmlns:a14="http://schemas.microsoft.com/office/drawing/2010/main" w="9525">
+                <a14:hiddenLine xmlns:a14="http://schemas.microsoft.com/office/drawing/2010/main" xmlns="" w="9525">
                   <a:solidFill>
                     <a:srgbClr val="000000"/>
                   </a:solidFill>
@@ -9931,7 +10002,7 @@
             </a:ln>
             <a:extLst>
               <a:ext uri="{91240B29-F687-4f45-9708-019B960494DF}">
-                <a14:hiddenLine xmlns="" xmlns:a14="http://schemas.microsoft.com/office/drawing/2010/main" w="9525">
+                <a14:hiddenLine xmlns:a14="http://schemas.microsoft.com/office/drawing/2010/main" xmlns="" w="9525">
                   <a:solidFill>
                     <a:srgbClr val="000000"/>
                   </a:solidFill>
@@ -9993,7 +10064,7 @@
             </a:ln>
             <a:extLst>
               <a:ext uri="{91240B29-F687-4f45-9708-019B960494DF}">
-                <a14:hiddenLine xmlns="" xmlns:a14="http://schemas.microsoft.com/office/drawing/2010/main" w="9525">
+                <a14:hiddenLine xmlns:a14="http://schemas.microsoft.com/office/drawing/2010/main" xmlns="" w="9525">
                   <a:solidFill>
                     <a:srgbClr val="000000"/>
                   </a:solidFill>
@@ -10083,7 +10154,7 @@
             </a:ln>
             <a:extLst>
               <a:ext uri="{91240B29-F687-4f45-9708-019B960494DF}">
-                <a14:hiddenLine xmlns="" xmlns:a14="http://schemas.microsoft.com/office/drawing/2010/main" w="9525">
+                <a14:hiddenLine xmlns:a14="http://schemas.microsoft.com/office/drawing/2010/main" xmlns="" w="9525">
                   <a:solidFill>
                     <a:srgbClr val="000000"/>
                   </a:solidFill>
@@ -10173,7 +10244,7 @@
             </a:ln>
             <a:extLst>
               <a:ext uri="{91240B29-F687-4f45-9708-019B960494DF}">
-                <a14:hiddenLine xmlns="" xmlns:a14="http://schemas.microsoft.com/office/drawing/2010/main" w="9525">
+                <a14:hiddenLine xmlns:a14="http://schemas.microsoft.com/office/drawing/2010/main" xmlns="" w="9525">
                   <a:solidFill>
                     <a:srgbClr val="000000"/>
                   </a:solidFill>
@@ -10235,7 +10306,7 @@
             </a:ln>
             <a:extLst>
               <a:ext uri="{91240B29-F687-4f45-9708-019B960494DF}">
-                <a14:hiddenLine xmlns="" xmlns:a14="http://schemas.microsoft.com/office/drawing/2010/main" w="9525">
+                <a14:hiddenLine xmlns:a14="http://schemas.microsoft.com/office/drawing/2010/main" xmlns="" w="9525">
                   <a:solidFill>
                     <a:srgbClr val="000000"/>
                   </a:solidFill>
@@ -10325,7 +10396,7 @@
             </a:ln>
             <a:extLst>
               <a:ext uri="{91240B29-F687-4f45-9708-019B960494DF}">
-                <a14:hiddenLine xmlns="" xmlns:a14="http://schemas.microsoft.com/office/drawing/2010/main" w="9525">
+                <a14:hiddenLine xmlns:a14="http://schemas.microsoft.com/office/drawing/2010/main" xmlns="" w="9525">
                   <a:solidFill>
                     <a:srgbClr val="000000"/>
                   </a:solidFill>
@@ -10415,7 +10486,7 @@
             </a:ln>
             <a:extLst>
               <a:ext uri="{91240B29-F687-4f45-9708-019B960494DF}">
-                <a14:hiddenLine xmlns="" xmlns:a14="http://schemas.microsoft.com/office/drawing/2010/main" w="9525">
+                <a14:hiddenLine xmlns:a14="http://schemas.microsoft.com/office/drawing/2010/main" xmlns="" w="9525">
                   <a:solidFill>
                     <a:srgbClr val="000000"/>
                   </a:solidFill>
@@ -10471,7 +10542,7 @@
             </a:ln>
             <a:extLst>
               <a:ext uri="{91240B29-F687-4f45-9708-019B960494DF}">
-                <a14:hiddenLine xmlns="" xmlns:a14="http://schemas.microsoft.com/office/drawing/2010/main" w="9525">
+                <a14:hiddenLine xmlns:a14="http://schemas.microsoft.com/office/drawing/2010/main" xmlns="" w="9525">
                   <a:solidFill>
                     <a:srgbClr val="000000"/>
                   </a:solidFill>
@@ -10561,7 +10632,7 @@
             </a:ln>
             <a:extLst>
               <a:ext uri="{91240B29-F687-4f45-9708-019B960494DF}">
-                <a14:hiddenLine xmlns="" xmlns:a14="http://schemas.microsoft.com/office/drawing/2010/main" w="9525">
+                <a14:hiddenLine xmlns:a14="http://schemas.microsoft.com/office/drawing/2010/main" xmlns="" w="9525">
                   <a:solidFill>
                     <a:srgbClr val="000000"/>
                   </a:solidFill>
@@ -10617,7 +10688,7 @@
             </a:ln>
             <a:extLst>
               <a:ext uri="{91240B29-F687-4f45-9708-019B960494DF}">
-                <a14:hiddenLine xmlns="" xmlns:a14="http://schemas.microsoft.com/office/drawing/2010/main" w="9525">
+                <a14:hiddenLine xmlns:a14="http://schemas.microsoft.com/office/drawing/2010/main" xmlns="" w="9525">
                   <a:solidFill>
                     <a:srgbClr val="000000"/>
                   </a:solidFill>
@@ -10707,7 +10778,7 @@
             </a:ln>
             <a:extLst>
               <a:ext uri="{91240B29-F687-4f45-9708-019B960494DF}">
-                <a14:hiddenLine xmlns="" xmlns:a14="http://schemas.microsoft.com/office/drawing/2010/main" w="9525">
+                <a14:hiddenLine xmlns:a14="http://schemas.microsoft.com/office/drawing/2010/main" xmlns="" w="9525">
                   <a:solidFill>
                     <a:srgbClr val="000000"/>
                   </a:solidFill>
@@ -10775,7 +10846,7 @@
             </a:ln>
             <a:extLst>
               <a:ext uri="{91240B29-F687-4f45-9708-019B960494DF}">
-                <a14:hiddenLine xmlns="" xmlns:a14="http://schemas.microsoft.com/office/drawing/2010/main" w="9525">
+                <a14:hiddenLine xmlns:a14="http://schemas.microsoft.com/office/drawing/2010/main" xmlns="" w="9525">
                   <a:solidFill>
                     <a:srgbClr val="000000"/>
                   </a:solidFill>
@@ -10865,7 +10936,7 @@
             </a:ln>
             <a:extLst>
               <a:ext uri="{91240B29-F687-4f45-9708-019B960494DF}">
-                <a14:hiddenLine xmlns="" xmlns:a14="http://schemas.microsoft.com/office/drawing/2010/main" w="9525">
+                <a14:hiddenLine xmlns:a14="http://schemas.microsoft.com/office/drawing/2010/main" xmlns="" w="9525">
                   <a:solidFill>
                     <a:srgbClr val="000000"/>
                   </a:solidFill>
@@ -10933,7 +11004,7 @@
             </a:ln>
             <a:extLst>
               <a:ext uri="{91240B29-F687-4f45-9708-019B960494DF}">
-                <a14:hiddenLine xmlns="" xmlns:a14="http://schemas.microsoft.com/office/drawing/2010/main" w="9525">
+                <a14:hiddenLine xmlns:a14="http://schemas.microsoft.com/office/drawing/2010/main" xmlns="" w="9525">
                   <a:solidFill>
                     <a:srgbClr val="000000"/>
                   </a:solidFill>
@@ -11023,7 +11094,7 @@
             </a:ln>
             <a:extLst>
               <a:ext uri="{91240B29-F687-4f45-9708-019B960494DF}">
-                <a14:hiddenLine xmlns="" xmlns:a14="http://schemas.microsoft.com/office/drawing/2010/main" w="9525">
+                <a14:hiddenLine xmlns:a14="http://schemas.microsoft.com/office/drawing/2010/main" xmlns="" w="9525">
                   <a:solidFill>
                     <a:srgbClr val="000000"/>
                   </a:solidFill>
@@ -11057,7 +11128,7 @@
             </a:ln>
             <a:extLst>
               <a:ext uri="{91240B29-F687-4f45-9708-019B960494DF}">
-                <a14:hiddenLine xmlns="" xmlns:a14="http://schemas.microsoft.com/office/drawing/2010/main" w="9525">
+                <a14:hiddenLine xmlns:a14="http://schemas.microsoft.com/office/drawing/2010/main" xmlns="" w="9525">
                   <a:solidFill>
                     <a:srgbClr val="000000"/>
                   </a:solidFill>
@@ -11147,7 +11218,7 @@
             </a:ln>
             <a:extLst>
               <a:ext uri="{91240B29-F687-4f45-9708-019B960494DF}">
-                <a14:hiddenLine xmlns="" xmlns:a14="http://schemas.microsoft.com/office/drawing/2010/main" w="9525">
+                <a14:hiddenLine xmlns:a14="http://schemas.microsoft.com/office/drawing/2010/main" xmlns="" w="9525">
                   <a:solidFill>
                     <a:srgbClr val="000000"/>
                   </a:solidFill>
@@ -11209,7 +11280,7 @@
             </a:ln>
             <a:extLst>
               <a:ext uri="{91240B29-F687-4f45-9708-019B960494DF}">
-                <a14:hiddenLine xmlns="" xmlns:a14="http://schemas.microsoft.com/office/drawing/2010/main" w="9525">
+                <a14:hiddenLine xmlns:a14="http://schemas.microsoft.com/office/drawing/2010/main" xmlns="" w="9525">
                   <a:solidFill>
                     <a:srgbClr val="000000"/>
                   </a:solidFill>
@@ -11271,7 +11342,7 @@
             </a:ln>
             <a:extLst>
               <a:ext uri="{91240B29-F687-4f45-9708-019B960494DF}">
-                <a14:hiddenLine xmlns="" xmlns:a14="http://schemas.microsoft.com/office/drawing/2010/main" w="9525">
+                <a14:hiddenLine xmlns:a14="http://schemas.microsoft.com/office/drawing/2010/main" xmlns="" w="9525">
                   <a:solidFill>
                     <a:srgbClr val="000000"/>
                   </a:solidFill>
@@ -11361,7 +11432,7 @@
             </a:ln>
             <a:extLst>
               <a:ext uri="{91240B29-F687-4f45-9708-019B960494DF}">
-                <a14:hiddenLine xmlns="" xmlns:a14="http://schemas.microsoft.com/office/drawing/2010/main" w="9525">
+                <a14:hiddenLine xmlns:a14="http://schemas.microsoft.com/office/drawing/2010/main" xmlns="" w="9525">
                   <a:solidFill>
                     <a:srgbClr val="000000"/>
                   </a:solidFill>
@@ -11429,7 +11500,7 @@
             </a:ln>
             <a:extLst>
               <a:ext uri="{91240B29-F687-4f45-9708-019B960494DF}">
-                <a14:hiddenLine xmlns="" xmlns:a14="http://schemas.microsoft.com/office/drawing/2010/main" w="9525">
+                <a14:hiddenLine xmlns:a14="http://schemas.microsoft.com/office/drawing/2010/main" xmlns="" w="9525">
                   <a:solidFill>
                     <a:srgbClr val="000000"/>
                   </a:solidFill>
@@ -11491,7 +11562,7 @@
             </a:ln>
             <a:extLst>
               <a:ext uri="{91240B29-F687-4f45-9708-019B960494DF}">
-                <a14:hiddenLine xmlns="" xmlns:a14="http://schemas.microsoft.com/office/drawing/2010/main" w="9525">
+                <a14:hiddenLine xmlns:a14="http://schemas.microsoft.com/office/drawing/2010/main" xmlns="" w="9525">
                   <a:solidFill>
                     <a:srgbClr val="000000"/>
                   </a:solidFill>
@@ -11581,7 +11652,7 @@
             </a:ln>
             <a:extLst>
               <a:ext uri="{91240B29-F687-4f45-9708-019B960494DF}">
-                <a14:hiddenLine xmlns="" xmlns:a14="http://schemas.microsoft.com/office/drawing/2010/main" w="9525">
+                <a14:hiddenLine xmlns:a14="http://schemas.microsoft.com/office/drawing/2010/main" xmlns="" w="9525">
                   <a:solidFill>
                     <a:srgbClr val="000000"/>
                   </a:solidFill>
@@ -11643,7 +11714,7 @@
             </a:ln>
             <a:extLst>
               <a:ext uri="{91240B29-F687-4f45-9708-019B960494DF}">
-                <a14:hiddenLine xmlns="" xmlns:a14="http://schemas.microsoft.com/office/drawing/2010/main" w="9525">
+                <a14:hiddenLine xmlns:a14="http://schemas.microsoft.com/office/drawing/2010/main" xmlns="" w="9525">
                   <a:solidFill>
                     <a:srgbClr val="000000"/>
                   </a:solidFill>
@@ -11733,7 +11804,7 @@
             </a:ln>
             <a:extLst>
               <a:ext uri="{91240B29-F687-4f45-9708-019B960494DF}">
-                <a14:hiddenLine xmlns="" xmlns:a14="http://schemas.microsoft.com/office/drawing/2010/main" w="9525">
+                <a14:hiddenLine xmlns:a14="http://schemas.microsoft.com/office/drawing/2010/main" xmlns="" w="9525">
                   <a:solidFill>
                     <a:srgbClr val="000000"/>
                   </a:solidFill>
@@ -11795,7 +11866,7 @@
             </a:ln>
             <a:extLst>
               <a:ext uri="{91240B29-F687-4f45-9708-019B960494DF}">
-                <a14:hiddenLine xmlns="" xmlns:a14="http://schemas.microsoft.com/office/drawing/2010/main" w="9525">
+                <a14:hiddenLine xmlns:a14="http://schemas.microsoft.com/office/drawing/2010/main" xmlns="" w="9525">
                   <a:solidFill>
                     <a:srgbClr val="000000"/>
                   </a:solidFill>
@@ -11885,7 +11956,7 @@
             </a:ln>
             <a:extLst>
               <a:ext uri="{91240B29-F687-4f45-9708-019B960494DF}">
-                <a14:hiddenLine xmlns="" xmlns:a14="http://schemas.microsoft.com/office/drawing/2010/main" w="9525">
+                <a14:hiddenLine xmlns:a14="http://schemas.microsoft.com/office/drawing/2010/main" xmlns="" w="9525">
                   <a:solidFill>
                     <a:srgbClr val="000000"/>
                   </a:solidFill>
@@ -11919,7 +11990,7 @@
             </a:ln>
             <a:extLst>
               <a:ext uri="{91240B29-F687-4f45-9708-019B960494DF}">
-                <a14:hiddenLine xmlns="" xmlns:a14="http://schemas.microsoft.com/office/drawing/2010/main" w="9525">
+                <a14:hiddenLine xmlns:a14="http://schemas.microsoft.com/office/drawing/2010/main" xmlns="" w="9525">
                   <a:solidFill>
                     <a:srgbClr val="000000"/>
                   </a:solidFill>
@@ -11984,7 +12055,7 @@
             </a:ln>
             <a:extLst>
               <a:ext uri="{91240B29-F687-4f45-9708-019B960494DF}">
-                <a14:hiddenLine xmlns="" xmlns:a14="http://schemas.microsoft.com/office/drawing/2010/main" w="9525">
+                <a14:hiddenLine xmlns:a14="http://schemas.microsoft.com/office/drawing/2010/main" xmlns="" w="9525">
                   <a:solidFill>
                     <a:srgbClr val="000000"/>
                   </a:solidFill>
@@ -12074,7 +12145,7 @@
             </a:ln>
             <a:extLst>
               <a:ext uri="{91240B29-F687-4f45-9708-019B960494DF}">
-                <a14:hiddenLine xmlns="" xmlns:a14="http://schemas.microsoft.com/office/drawing/2010/main" w="9525">
+                <a14:hiddenLine xmlns:a14="http://schemas.microsoft.com/office/drawing/2010/main" xmlns="" w="9525">
                   <a:solidFill>
                     <a:srgbClr val="000000"/>
                   </a:solidFill>
@@ -12136,7 +12207,7 @@
             </a:ln>
             <a:extLst>
               <a:ext uri="{91240B29-F687-4f45-9708-019B960494DF}">
-                <a14:hiddenLine xmlns="" xmlns:a14="http://schemas.microsoft.com/office/drawing/2010/main" w="9525">
+                <a14:hiddenLine xmlns:a14="http://schemas.microsoft.com/office/drawing/2010/main" xmlns="" w="9525">
                   <a:solidFill>
                     <a:srgbClr val="000000"/>
                   </a:solidFill>
@@ -12226,7 +12297,7 @@
             </a:ln>
             <a:extLst>
               <a:ext uri="{91240B29-F687-4f45-9708-019B960494DF}">
-                <a14:hiddenLine xmlns="" xmlns:a14="http://schemas.microsoft.com/office/drawing/2010/main" w="9525">
+                <a14:hiddenLine xmlns:a14="http://schemas.microsoft.com/office/drawing/2010/main" xmlns="" w="9525">
                   <a:solidFill>
                     <a:srgbClr val="000000"/>
                   </a:solidFill>
@@ -12316,7 +12387,7 @@
             </a:ln>
             <a:extLst>
               <a:ext uri="{91240B29-F687-4f45-9708-019B960494DF}">
-                <a14:hiddenLine xmlns="" xmlns:a14="http://schemas.microsoft.com/office/drawing/2010/main" w="9525">
+                <a14:hiddenLine xmlns:a14="http://schemas.microsoft.com/office/drawing/2010/main" xmlns="" w="9525">
                   <a:solidFill>
                     <a:srgbClr val="000000"/>
                   </a:solidFill>
@@ -12381,7 +12452,7 @@
             </a:ln>
             <a:extLst>
               <a:ext uri="{91240B29-F687-4f45-9708-019B960494DF}">
-                <a14:hiddenLine xmlns="" xmlns:a14="http://schemas.microsoft.com/office/drawing/2010/main" w="9525">
+                <a14:hiddenLine xmlns:a14="http://schemas.microsoft.com/office/drawing/2010/main" xmlns="" w="9525">
                   <a:solidFill>
                     <a:srgbClr val="000000"/>
                   </a:solidFill>
@@ -12443,7 +12514,7 @@
             </a:ln>
             <a:extLst>
               <a:ext uri="{91240B29-F687-4f45-9708-019B960494DF}">
-                <a14:hiddenLine xmlns="" xmlns:a14="http://schemas.microsoft.com/office/drawing/2010/main" w="9525">
+                <a14:hiddenLine xmlns:a14="http://schemas.microsoft.com/office/drawing/2010/main" xmlns="" w="9525">
                   <a:solidFill>
                     <a:srgbClr val="000000"/>
                   </a:solidFill>
@@ -12533,7 +12604,7 @@
             </a:ln>
             <a:extLst>
               <a:ext uri="{91240B29-F687-4f45-9708-019B960494DF}">
-                <a14:hiddenLine xmlns="" xmlns:a14="http://schemas.microsoft.com/office/drawing/2010/main" w="9525">
+                <a14:hiddenLine xmlns:a14="http://schemas.microsoft.com/office/drawing/2010/main" xmlns="" w="9525">
                   <a:solidFill>
                     <a:srgbClr val="000000"/>
                   </a:solidFill>
@@ -12623,7 +12694,7 @@
             </a:ln>
             <a:extLst>
               <a:ext uri="{91240B29-F687-4f45-9708-019B960494DF}">
-                <a14:hiddenLine xmlns="" xmlns:a14="http://schemas.microsoft.com/office/drawing/2010/main" w="9525">
+                <a14:hiddenLine xmlns:a14="http://schemas.microsoft.com/office/drawing/2010/main" xmlns="" w="9525">
                   <a:solidFill>
                     <a:srgbClr val="000000"/>
                   </a:solidFill>
@@ -12685,7 +12756,7 @@
             </a:ln>
             <a:extLst>
               <a:ext uri="{91240B29-F687-4f45-9708-019B960494DF}">
-                <a14:hiddenLine xmlns="" xmlns:a14="http://schemas.microsoft.com/office/drawing/2010/main" w="9525">
+                <a14:hiddenLine xmlns:a14="http://schemas.microsoft.com/office/drawing/2010/main" xmlns="" w="9525">
                   <a:solidFill>
                     <a:srgbClr val="000000"/>
                   </a:solidFill>
@@ -12805,7 +12876,7 @@
             </a:ln>
             <a:extLst>
               <a:ext uri="{91240B29-F687-4f45-9708-019B960494DF}">
-                <a14:hiddenLine xmlns="" xmlns:a14="http://schemas.microsoft.com/office/drawing/2010/main" w="9525">
+                <a14:hiddenLine xmlns:a14="http://schemas.microsoft.com/office/drawing/2010/main" xmlns="" w="9525">
                   <a:solidFill>
                     <a:srgbClr val="000000"/>
                   </a:solidFill>
@@ -12873,7 +12944,7 @@
             </a:ln>
             <a:extLst>
               <a:ext uri="{91240B29-F687-4f45-9708-019B960494DF}">
-                <a14:hiddenLine xmlns="" xmlns:a14="http://schemas.microsoft.com/office/drawing/2010/main" w="9525">
+                <a14:hiddenLine xmlns:a14="http://schemas.microsoft.com/office/drawing/2010/main" xmlns="" w="9525">
                   <a:solidFill>
                     <a:srgbClr val="000000"/>
                   </a:solidFill>
@@ -12963,7 +13034,7 @@
             </a:ln>
             <a:extLst>
               <a:ext uri="{91240B29-F687-4f45-9708-019B960494DF}">
-                <a14:hiddenLine xmlns="" xmlns:a14="http://schemas.microsoft.com/office/drawing/2010/main" w="9525">
+                <a14:hiddenLine xmlns:a14="http://schemas.microsoft.com/office/drawing/2010/main" xmlns="" w="9525">
                   <a:solidFill>
                     <a:srgbClr val="000000"/>
                   </a:solidFill>
@@ -13103,7 +13174,7 @@
           <a:p>
             <a:fld id="{48A87A34-81AB-432B-8DAE-1953F412C126}" type="datetimeFigureOut">
               <a:rPr lang="en-US" dirty="0"/>
-              <a:t>12/19/2022</a:t>
+              <a:t>12/20/2022</a:t>
             </a:fld>
             <a:endParaRPr lang="en-US" dirty="0"/>
           </a:p>
@@ -13365,7 +13436,7 @@
           <a:p>
             <a:fld id="{48A87A34-81AB-432B-8DAE-1953F412C126}" type="datetimeFigureOut">
               <a:rPr lang="en-US" dirty="0"/>
-              <a:t>12/19/2022</a:t>
+              <a:t>12/20/2022</a:t>
             </a:fld>
             <a:endParaRPr lang="en-US" dirty="0"/>
           </a:p>
@@ -13556,7 +13627,7 @@
           <a:p>
             <a:fld id="{48A87A34-81AB-432B-8DAE-1953F412C126}" type="datetimeFigureOut">
               <a:rPr lang="en-US" dirty="0"/>
-              <a:t>12/19/2022</a:t>
+              <a:t>12/20/2022</a:t>
             </a:fld>
             <a:endParaRPr lang="en-US" dirty="0"/>
           </a:p>
@@ -13814,7 +13885,7 @@
           <a:p>
             <a:fld id="{48A87A34-81AB-432B-8DAE-1953F412C126}" type="datetimeFigureOut">
               <a:rPr lang="en-US" dirty="0"/>
-              <a:t>12/19/2022</a:t>
+              <a:t>12/20/2022</a:t>
             </a:fld>
             <a:endParaRPr lang="en-US" dirty="0"/>
           </a:p>
@@ -14243,7 +14314,7 @@
           <a:p>
             <a:fld id="{48A87A34-81AB-432B-8DAE-1953F412C126}" type="datetimeFigureOut">
               <a:rPr lang="en-US" dirty="0"/>
-              <a:t>12/19/2022</a:t>
+              <a:t>12/20/2022</a:t>
             </a:fld>
             <a:endParaRPr lang="en-US" dirty="0"/>
           </a:p>
@@ -14784,7 +14855,7 @@
           <a:p>
             <a:fld id="{48A87A34-81AB-432B-8DAE-1953F412C126}" type="datetimeFigureOut">
               <a:rPr lang="en-US" dirty="0"/>
-              <a:t>12/19/2022</a:t>
+              <a:t>12/20/2022</a:t>
             </a:fld>
             <a:endParaRPr lang="en-US" dirty="0"/>
           </a:p>
@@ -15499,7 +15570,7 @@
           <a:p>
             <a:fld id="{48A87A34-81AB-432B-8DAE-1953F412C126}" type="datetimeFigureOut">
               <a:rPr lang="en-US" dirty="0"/>
-              <a:t>12/19/2022</a:t>
+              <a:t>12/20/2022</a:t>
             </a:fld>
             <a:endParaRPr lang="en-US" dirty="0"/>
           </a:p>
@@ -15664,7 +15735,7 @@
           <a:p>
             <a:fld id="{48A87A34-81AB-432B-8DAE-1953F412C126}" type="datetimeFigureOut">
               <a:rPr lang="en-US" dirty="0"/>
-              <a:t>12/19/2022</a:t>
+              <a:t>12/20/2022</a:t>
             </a:fld>
             <a:endParaRPr lang="en-US" dirty="0"/>
           </a:p>
@@ -15839,7 +15910,7 @@
           <a:p>
             <a:fld id="{48A87A34-81AB-432B-8DAE-1953F412C126}" type="datetimeFigureOut">
               <a:rPr lang="en-US" dirty="0"/>
-              <a:t>12/19/2022</a:t>
+              <a:t>12/20/2022</a:t>
             </a:fld>
             <a:endParaRPr lang="en-US" dirty="0"/>
           </a:p>
@@ -16004,7 +16075,7 @@
           <a:p>
             <a:fld id="{48A87A34-81AB-432B-8DAE-1953F412C126}" type="datetimeFigureOut">
               <a:rPr lang="en-US" dirty="0"/>
-              <a:t>12/19/2022</a:t>
+              <a:t>12/20/2022</a:t>
             </a:fld>
             <a:endParaRPr lang="en-US" dirty="0"/>
           </a:p>
@@ -16249,7 +16320,7 @@
           <a:p>
             <a:fld id="{48A87A34-81AB-432B-8DAE-1953F412C126}" type="datetimeFigureOut">
               <a:rPr lang="en-US" dirty="0"/>
-              <a:t>12/19/2022</a:t>
+              <a:t>12/20/2022</a:t>
             </a:fld>
             <a:endParaRPr lang="en-US" dirty="0"/>
           </a:p>
@@ -16476,7 +16547,7 @@
           <a:p>
             <a:fld id="{48A87A34-81AB-432B-8DAE-1953F412C126}" type="datetimeFigureOut">
               <a:rPr lang="en-US" dirty="0"/>
-              <a:t>12/19/2022</a:t>
+              <a:t>12/20/2022</a:t>
             </a:fld>
             <a:endParaRPr lang="en-US" dirty="0"/>
           </a:p>
@@ -16852,7 +16923,7 @@
           <a:p>
             <a:fld id="{48A87A34-81AB-432B-8DAE-1953F412C126}" type="datetimeFigureOut">
               <a:rPr lang="en-US" dirty="0"/>
-              <a:t>12/19/2022</a:t>
+              <a:t>12/20/2022</a:t>
             </a:fld>
             <a:endParaRPr lang="en-US" dirty="0"/>
           </a:p>
@@ -16965,7 +17036,7 @@
           <a:p>
             <a:fld id="{48A87A34-81AB-432B-8DAE-1953F412C126}" type="datetimeFigureOut">
               <a:rPr lang="en-US" dirty="0"/>
-              <a:t>12/19/2022</a:t>
+              <a:t>12/20/2022</a:t>
             </a:fld>
             <a:endParaRPr lang="en-US" dirty="0"/>
           </a:p>
@@ -17055,7 +17126,7 @@
           <a:p>
             <a:fld id="{48A87A34-81AB-432B-8DAE-1953F412C126}" type="datetimeFigureOut">
               <a:rPr lang="en-US" dirty="0"/>
-              <a:t>12/19/2022</a:t>
+              <a:t>12/20/2022</a:t>
             </a:fld>
             <a:endParaRPr lang="en-US" dirty="0"/>
           </a:p>
@@ -17299,7 +17370,7 @@
           <a:p>
             <a:fld id="{48A87A34-81AB-432B-8DAE-1953F412C126}" type="datetimeFigureOut">
               <a:rPr lang="en-US" dirty="0"/>
-              <a:t>12/19/2022</a:t>
+              <a:t>12/20/2022</a:t>
             </a:fld>
             <a:endParaRPr lang="en-US" dirty="0"/>
           </a:p>
@@ -17574,7 +17645,7 @@
           <a:p>
             <a:fld id="{48A87A34-81AB-432B-8DAE-1953F412C126}" type="datetimeFigureOut">
               <a:rPr lang="en-US" dirty="0"/>
-              <a:t>12/19/2022</a:t>
+              <a:t>12/20/2022</a:t>
             </a:fld>
             <a:endParaRPr lang="en-US" dirty="0"/>
           </a:p>
@@ -17685,7 +17756,7 @@
           <a:noFill/>
           <a:extLst>
             <a:ext uri="{909E8E84-426E-40dd-AFC4-6F175D3DCCD1}">
-              <a14:hiddenFill xmlns="" xmlns:a14="http://schemas.microsoft.com/office/drawing/2010/main">
+              <a14:hiddenFill xmlns:a14="http://schemas.microsoft.com/office/drawing/2010/main" xmlns="">
                 <a:solidFill>
                   <a:srgbClr val="FFFFFF"/>
                 </a:solidFill>
@@ -17759,7 +17830,7 @@
               </a:ln>
               <a:extLst>
                 <a:ext uri="{91240B29-F687-4f45-9708-019B960494DF}">
-                  <a14:hiddenLine xmlns="" xmlns:a14="http://schemas.microsoft.com/office/drawing/2010/main" w="9525">
+                  <a14:hiddenLine xmlns:a14="http://schemas.microsoft.com/office/drawing/2010/main" xmlns="" w="9525">
                     <a:solidFill>
                       <a:srgbClr val="000000"/>
                     </a:solidFill>
@@ -17849,7 +17920,7 @@
               </a:ln>
               <a:extLst>
                 <a:ext uri="{91240B29-F687-4f45-9708-019B960494DF}">
-                  <a14:hiddenLine xmlns="" xmlns:a14="http://schemas.microsoft.com/office/drawing/2010/main" w="9525">
+                  <a14:hiddenLine xmlns:a14="http://schemas.microsoft.com/office/drawing/2010/main" xmlns="" w="9525">
                     <a:solidFill>
                       <a:srgbClr val="000000"/>
                     </a:solidFill>
@@ -17939,7 +18010,7 @@
               </a:ln>
               <a:extLst>
                 <a:ext uri="{91240B29-F687-4f45-9708-019B960494DF}">
-                  <a14:hiddenLine xmlns="" xmlns:a14="http://schemas.microsoft.com/office/drawing/2010/main" w="9525">
+                  <a14:hiddenLine xmlns:a14="http://schemas.microsoft.com/office/drawing/2010/main" xmlns="" w="9525">
                     <a:solidFill>
                       <a:srgbClr val="000000"/>
                     </a:solidFill>
@@ -18001,7 +18072,7 @@
               </a:ln>
               <a:extLst>
                 <a:ext uri="{91240B29-F687-4f45-9708-019B960494DF}">
-                  <a14:hiddenLine xmlns="" xmlns:a14="http://schemas.microsoft.com/office/drawing/2010/main" w="9525">
+                  <a14:hiddenLine xmlns:a14="http://schemas.microsoft.com/office/drawing/2010/main" xmlns="" w="9525">
                     <a:solidFill>
                       <a:srgbClr val="000000"/>
                     </a:solidFill>
@@ -18091,7 +18162,7 @@
               </a:ln>
               <a:extLst>
                 <a:ext uri="{91240B29-F687-4f45-9708-019B960494DF}">
-                  <a14:hiddenLine xmlns="" xmlns:a14="http://schemas.microsoft.com/office/drawing/2010/main" w="9525">
+                  <a14:hiddenLine xmlns:a14="http://schemas.microsoft.com/office/drawing/2010/main" xmlns="" w="9525">
                     <a:solidFill>
                       <a:srgbClr val="000000"/>
                     </a:solidFill>
@@ -18153,7 +18224,7 @@
               </a:ln>
               <a:extLst>
                 <a:ext uri="{91240B29-F687-4f45-9708-019B960494DF}">
-                  <a14:hiddenLine xmlns="" xmlns:a14="http://schemas.microsoft.com/office/drawing/2010/main" w="9525">
+                  <a14:hiddenLine xmlns:a14="http://schemas.microsoft.com/office/drawing/2010/main" xmlns="" w="9525">
                     <a:solidFill>
                       <a:srgbClr val="000000"/>
                     </a:solidFill>
@@ -18215,7 +18286,7 @@
               </a:ln>
               <a:extLst>
                 <a:ext uri="{91240B29-F687-4f45-9708-019B960494DF}">
-                  <a14:hiddenLine xmlns="" xmlns:a14="http://schemas.microsoft.com/office/drawing/2010/main" w="9525">
+                  <a14:hiddenLine xmlns:a14="http://schemas.microsoft.com/office/drawing/2010/main" xmlns="" w="9525">
                     <a:solidFill>
                       <a:srgbClr val="000000"/>
                     </a:solidFill>
@@ -18305,7 +18376,7 @@
               </a:ln>
               <a:extLst>
                 <a:ext uri="{91240B29-F687-4f45-9708-019B960494DF}">
-                  <a14:hiddenLine xmlns="" xmlns:a14="http://schemas.microsoft.com/office/drawing/2010/main" w="9525">
+                  <a14:hiddenLine xmlns:a14="http://schemas.microsoft.com/office/drawing/2010/main" xmlns="" w="9525">
                     <a:solidFill>
                       <a:srgbClr val="000000"/>
                     </a:solidFill>
@@ -18395,7 +18466,7 @@
               </a:ln>
               <a:extLst>
                 <a:ext uri="{91240B29-F687-4f45-9708-019B960494DF}">
-                  <a14:hiddenLine xmlns="" xmlns:a14="http://schemas.microsoft.com/office/drawing/2010/main" w="9525">
+                  <a14:hiddenLine xmlns:a14="http://schemas.microsoft.com/office/drawing/2010/main" xmlns="" w="9525">
                     <a:solidFill>
                       <a:srgbClr val="000000"/>
                     </a:solidFill>
@@ -18457,7 +18528,7 @@
               </a:ln>
               <a:extLst>
                 <a:ext uri="{91240B29-F687-4f45-9708-019B960494DF}">
-                  <a14:hiddenLine xmlns="" xmlns:a14="http://schemas.microsoft.com/office/drawing/2010/main" w="9525">
+                  <a14:hiddenLine xmlns:a14="http://schemas.microsoft.com/office/drawing/2010/main" xmlns="" w="9525">
                     <a:solidFill>
                       <a:srgbClr val="000000"/>
                     </a:solidFill>
@@ -18567,7 +18638,7 @@
               </a:ln>
               <a:extLst>
                 <a:ext uri="{91240B29-F687-4f45-9708-019B960494DF}">
-                  <a14:hiddenLine xmlns="" xmlns:a14="http://schemas.microsoft.com/office/drawing/2010/main" w="9525">
+                  <a14:hiddenLine xmlns:a14="http://schemas.microsoft.com/office/drawing/2010/main" xmlns="" w="9525">
                     <a:solidFill>
                       <a:srgbClr val="000000"/>
                     </a:solidFill>
@@ -18651,7 +18722,7 @@
               </a:ln>
               <a:extLst>
                 <a:ext uri="{91240B29-F687-4f45-9708-019B960494DF}">
-                  <a14:hiddenLine xmlns="" xmlns:a14="http://schemas.microsoft.com/office/drawing/2010/main" w="9525">
+                  <a14:hiddenLine xmlns:a14="http://schemas.microsoft.com/office/drawing/2010/main" xmlns="" w="9525">
                     <a:solidFill>
                       <a:srgbClr val="000000"/>
                     </a:solidFill>
@@ -18713,7 +18784,7 @@
               </a:ln>
               <a:extLst>
                 <a:ext uri="{91240B29-F687-4f45-9708-019B960494DF}">
-                  <a14:hiddenLine xmlns="" xmlns:a14="http://schemas.microsoft.com/office/drawing/2010/main" w="9525">
+                  <a14:hiddenLine xmlns:a14="http://schemas.microsoft.com/office/drawing/2010/main" xmlns="" w="9525">
                     <a:solidFill>
                       <a:srgbClr val="000000"/>
                     </a:solidFill>
@@ -18775,7 +18846,7 @@
               </a:ln>
               <a:extLst>
                 <a:ext uri="{91240B29-F687-4f45-9708-019B960494DF}">
-                  <a14:hiddenLine xmlns="" xmlns:a14="http://schemas.microsoft.com/office/drawing/2010/main" w="9525">
+                  <a14:hiddenLine xmlns:a14="http://schemas.microsoft.com/office/drawing/2010/main" xmlns="" w="9525">
                     <a:solidFill>
                       <a:srgbClr val="000000"/>
                     </a:solidFill>
@@ -18865,7 +18936,7 @@
               </a:ln>
               <a:extLst>
                 <a:ext uri="{91240B29-F687-4f45-9708-019B960494DF}">
-                  <a14:hiddenLine xmlns="" xmlns:a14="http://schemas.microsoft.com/office/drawing/2010/main" w="9525">
+                  <a14:hiddenLine xmlns:a14="http://schemas.microsoft.com/office/drawing/2010/main" xmlns="" w="9525">
                     <a:solidFill>
                       <a:srgbClr val="000000"/>
                     </a:solidFill>
@@ -18899,7 +18970,7 @@
               </a:ln>
               <a:extLst>
                 <a:ext uri="{91240B29-F687-4f45-9708-019B960494DF}">
-                  <a14:hiddenLine xmlns="" xmlns:a14="http://schemas.microsoft.com/office/drawing/2010/main" w="9525">
+                  <a14:hiddenLine xmlns:a14="http://schemas.microsoft.com/office/drawing/2010/main" xmlns="" w="9525">
                     <a:solidFill>
                       <a:srgbClr val="000000"/>
                     </a:solidFill>
@@ -18964,7 +19035,7 @@
               </a:ln>
               <a:extLst>
                 <a:ext uri="{91240B29-F687-4f45-9708-019B960494DF}">
-                  <a14:hiddenLine xmlns="" xmlns:a14="http://schemas.microsoft.com/office/drawing/2010/main" w="9525">
+                  <a14:hiddenLine xmlns:a14="http://schemas.microsoft.com/office/drawing/2010/main" xmlns="" w="9525">
                     <a:solidFill>
                       <a:srgbClr val="000000"/>
                     </a:solidFill>
@@ -19054,7 +19125,7 @@
               </a:ln>
               <a:extLst>
                 <a:ext uri="{91240B29-F687-4f45-9708-019B960494DF}">
-                  <a14:hiddenLine xmlns="" xmlns:a14="http://schemas.microsoft.com/office/drawing/2010/main" w="9525">
+                  <a14:hiddenLine xmlns:a14="http://schemas.microsoft.com/office/drawing/2010/main" xmlns="" w="9525">
                     <a:solidFill>
                       <a:srgbClr val="000000"/>
                     </a:solidFill>
@@ -19116,7 +19187,7 @@
               </a:ln>
               <a:extLst>
                 <a:ext uri="{91240B29-F687-4f45-9708-019B960494DF}">
-                  <a14:hiddenLine xmlns="" xmlns:a14="http://schemas.microsoft.com/office/drawing/2010/main" w="9525">
+                  <a14:hiddenLine xmlns:a14="http://schemas.microsoft.com/office/drawing/2010/main" xmlns="" w="9525">
                     <a:solidFill>
                       <a:srgbClr val="000000"/>
                     </a:solidFill>
@@ -19206,7 +19277,7 @@
               </a:ln>
               <a:extLst>
                 <a:ext uri="{91240B29-F687-4f45-9708-019B960494DF}">
-                  <a14:hiddenLine xmlns="" xmlns:a14="http://schemas.microsoft.com/office/drawing/2010/main" w="9525">
+                  <a14:hiddenLine xmlns:a14="http://schemas.microsoft.com/office/drawing/2010/main" xmlns="" w="9525">
                     <a:solidFill>
                       <a:srgbClr val="000000"/>
                     </a:solidFill>
@@ -19271,7 +19342,7 @@
               </a:ln>
               <a:extLst>
                 <a:ext uri="{91240B29-F687-4f45-9708-019B960494DF}">
-                  <a14:hiddenLine xmlns="" xmlns:a14="http://schemas.microsoft.com/office/drawing/2010/main" w="9525">
+                  <a14:hiddenLine xmlns:a14="http://schemas.microsoft.com/office/drawing/2010/main" xmlns="" w="9525">
                     <a:solidFill>
                       <a:srgbClr val="000000"/>
                     </a:solidFill>
@@ -19333,7 +19404,7 @@
               </a:ln>
               <a:extLst>
                 <a:ext uri="{91240B29-F687-4f45-9708-019B960494DF}">
-                  <a14:hiddenLine xmlns="" xmlns:a14="http://schemas.microsoft.com/office/drawing/2010/main" w="9525">
+                  <a14:hiddenLine xmlns:a14="http://schemas.microsoft.com/office/drawing/2010/main" xmlns="" w="9525">
                     <a:solidFill>
                       <a:srgbClr val="000000"/>
                     </a:solidFill>
@@ -19423,7 +19494,7 @@
               </a:ln>
               <a:extLst>
                 <a:ext uri="{91240B29-F687-4f45-9708-019B960494DF}">
-                  <a14:hiddenLine xmlns="" xmlns:a14="http://schemas.microsoft.com/office/drawing/2010/main" w="9525">
+                  <a14:hiddenLine xmlns:a14="http://schemas.microsoft.com/office/drawing/2010/main" xmlns="" w="9525">
                     <a:solidFill>
                       <a:srgbClr val="000000"/>
                     </a:solidFill>
@@ -19513,7 +19584,7 @@
               </a:ln>
               <a:extLst>
                 <a:ext uri="{91240B29-F687-4f45-9708-019B960494DF}">
-                  <a14:hiddenLine xmlns="" xmlns:a14="http://schemas.microsoft.com/office/drawing/2010/main" w="9525">
+                  <a14:hiddenLine xmlns:a14="http://schemas.microsoft.com/office/drawing/2010/main" xmlns="" w="9525">
                     <a:solidFill>
                       <a:srgbClr val="000000"/>
                     </a:solidFill>
@@ -19578,7 +19649,7 @@
               </a:ln>
               <a:extLst>
                 <a:ext uri="{91240B29-F687-4f45-9708-019B960494DF}">
-                  <a14:hiddenLine xmlns="" xmlns:a14="http://schemas.microsoft.com/office/drawing/2010/main" w="9525">
+                  <a14:hiddenLine xmlns:a14="http://schemas.microsoft.com/office/drawing/2010/main" xmlns="" w="9525">
                     <a:solidFill>
                       <a:srgbClr val="000000"/>
                     </a:solidFill>
@@ -19698,7 +19769,7 @@
               </a:ln>
               <a:extLst>
                 <a:ext uri="{91240B29-F687-4f45-9708-019B960494DF}">
-                  <a14:hiddenLine xmlns="" xmlns:a14="http://schemas.microsoft.com/office/drawing/2010/main" w="9525">
+                  <a14:hiddenLine xmlns:a14="http://schemas.microsoft.com/office/drawing/2010/main" xmlns="" w="9525">
                     <a:solidFill>
                       <a:srgbClr val="000000"/>
                     </a:solidFill>
@@ -19796,7 +19867,7 @@
               </a:ln>
               <a:extLst>
                 <a:ext uri="{91240B29-F687-4f45-9708-019B960494DF}">
-                  <a14:hiddenLine xmlns="" xmlns:a14="http://schemas.microsoft.com/office/drawing/2010/main" w="9525">
+                  <a14:hiddenLine xmlns:a14="http://schemas.microsoft.com/office/drawing/2010/main" xmlns="" w="9525">
                     <a:solidFill>
                       <a:srgbClr val="000000"/>
                     </a:solidFill>
@@ -19911,7 +19982,7 @@
               </a:ln>
               <a:extLst>
                 <a:ext uri="{91240B29-F687-4f45-9708-019B960494DF}">
-                  <a14:hiddenLine xmlns="" xmlns:a14="http://schemas.microsoft.com/office/drawing/2010/main" w="9525">
+                  <a14:hiddenLine xmlns:a14="http://schemas.microsoft.com/office/drawing/2010/main" xmlns="" w="9525">
                     <a:solidFill>
                       <a:srgbClr val="000000"/>
                     </a:solidFill>
@@ -20001,7 +20072,7 @@
               </a:ln>
               <a:extLst>
                 <a:ext uri="{91240B29-F687-4f45-9708-019B960494DF}">
-                  <a14:hiddenLine xmlns="" xmlns:a14="http://schemas.microsoft.com/office/drawing/2010/main" w="9525">
+                  <a14:hiddenLine xmlns:a14="http://schemas.microsoft.com/office/drawing/2010/main" xmlns="" w="9525">
                     <a:solidFill>
                       <a:srgbClr val="000000"/>
                     </a:solidFill>
@@ -20066,7 +20137,7 @@
               </a:ln>
               <a:extLst>
                 <a:ext uri="{91240B29-F687-4f45-9708-019B960494DF}">
-                  <a14:hiddenLine xmlns="" xmlns:a14="http://schemas.microsoft.com/office/drawing/2010/main" w="9525">
+                  <a14:hiddenLine xmlns:a14="http://schemas.microsoft.com/office/drawing/2010/main" xmlns="" w="9525">
                     <a:solidFill>
                       <a:srgbClr val="000000"/>
                     </a:solidFill>
@@ -20156,7 +20227,7 @@
               </a:ln>
               <a:extLst>
                 <a:ext uri="{91240B29-F687-4f45-9708-019B960494DF}">
-                  <a14:hiddenLine xmlns="" xmlns:a14="http://schemas.microsoft.com/office/drawing/2010/main" w="9525">
+                  <a14:hiddenLine xmlns:a14="http://schemas.microsoft.com/office/drawing/2010/main" xmlns="" w="9525">
                     <a:solidFill>
                       <a:srgbClr val="000000"/>
                     </a:solidFill>
@@ -20224,7 +20295,7 @@
               </a:ln>
               <a:extLst>
                 <a:ext uri="{91240B29-F687-4f45-9708-019B960494DF}">
-                  <a14:hiddenLine xmlns="" xmlns:a14="http://schemas.microsoft.com/office/drawing/2010/main" w="9525">
+                  <a14:hiddenLine xmlns:a14="http://schemas.microsoft.com/office/drawing/2010/main" xmlns="" w="9525">
                     <a:solidFill>
                       <a:srgbClr val="000000"/>
                     </a:solidFill>
@@ -20314,7 +20385,7 @@
               </a:ln>
               <a:extLst>
                 <a:ext uri="{91240B29-F687-4f45-9708-019B960494DF}">
-                  <a14:hiddenLine xmlns="" xmlns:a14="http://schemas.microsoft.com/office/drawing/2010/main" w="9525">
+                  <a14:hiddenLine xmlns:a14="http://schemas.microsoft.com/office/drawing/2010/main" xmlns="" w="9525">
                     <a:solidFill>
                       <a:srgbClr val="000000"/>
                     </a:solidFill>
@@ -20382,7 +20453,7 @@
               </a:ln>
               <a:extLst>
                 <a:ext uri="{91240B29-F687-4f45-9708-019B960494DF}">
-                  <a14:hiddenLine xmlns="" xmlns:a14="http://schemas.microsoft.com/office/drawing/2010/main" w="9525">
+                  <a14:hiddenLine xmlns:a14="http://schemas.microsoft.com/office/drawing/2010/main" xmlns="" w="9525">
                     <a:solidFill>
                       <a:srgbClr val="000000"/>
                     </a:solidFill>
@@ -20472,7 +20543,7 @@
               </a:ln>
               <a:extLst>
                 <a:ext uri="{91240B29-F687-4f45-9708-019B960494DF}">
-                  <a14:hiddenLine xmlns="" xmlns:a14="http://schemas.microsoft.com/office/drawing/2010/main" w="9525">
+                  <a14:hiddenLine xmlns:a14="http://schemas.microsoft.com/office/drawing/2010/main" xmlns="" w="9525">
                     <a:solidFill>
                       <a:srgbClr val="000000"/>
                     </a:solidFill>
@@ -20506,7 +20577,7 @@
               </a:ln>
               <a:extLst>
                 <a:ext uri="{91240B29-F687-4f45-9708-019B960494DF}">
-                  <a14:hiddenLine xmlns="" xmlns:a14="http://schemas.microsoft.com/office/drawing/2010/main" w="9525">
+                  <a14:hiddenLine xmlns:a14="http://schemas.microsoft.com/office/drawing/2010/main" xmlns="" w="9525">
                     <a:solidFill>
                       <a:srgbClr val="000000"/>
                     </a:solidFill>
@@ -20647,7 +20718,7 @@
             <a:fld id="{48A87A34-81AB-432B-8DAE-1953F412C126}" type="datetimeFigureOut">
               <a:rPr lang="en-US" dirty="0"/>
               <a:pPr/>
-              <a:t>12/19/2022</a:t>
+              <a:t>12/20/2022</a:t>
             </a:fld>
             <a:endParaRPr lang="en-US" dirty="0"/>
           </a:p>
@@ -21137,6 +21208,117 @@
 <file path=ppt/slides/slide10.xml><?xml version="1.0" encoding="utf-8"?>
 <p:sld xmlns:a="http://schemas.openxmlformats.org/drawingml/2006/main" xmlns:r="http://schemas.openxmlformats.org/officeDocument/2006/relationships" xmlns:p="http://schemas.openxmlformats.org/presentationml/2006/main">
   <p:cSld>
+    <p:spTree>
+      <p:nvGrpSpPr>
+        <p:cNvPr id="1" name=""/>
+        <p:cNvGrpSpPr/>
+        <p:nvPr/>
+      </p:nvGrpSpPr>
+      <p:grpSpPr>
+        <a:xfrm>
+          <a:off x="0" y="0"/>
+          <a:ext cx="0" cy="0"/>
+          <a:chOff x="0" y="0"/>
+          <a:chExt cx="0" cy="0"/>
+        </a:xfrm>
+      </p:grpSpPr>
+      <p:sp>
+        <p:nvSpPr>
+          <p:cNvPr id="2" name="Title 1">
+            <a:extLst>
+              <a:ext uri="{FF2B5EF4-FFF2-40B4-BE49-F238E27FC236}">
+                <a16:creationId xmlns:a16="http://schemas.microsoft.com/office/drawing/2014/main" id="{B091CE1F-BA13-46A0-824F-80AD7EB130C8}"/>
+              </a:ext>
+            </a:extLst>
+          </p:cNvPr>
+          <p:cNvSpPr>
+            <a:spLocks noGrp="1"/>
+          </p:cNvSpPr>
+          <p:nvPr>
+            <p:ph type="title"/>
+          </p:nvPr>
+        </p:nvSpPr>
+        <p:spPr/>
+        <p:txBody>
+          <a:bodyPr/>
+          <a:lstStyle/>
+          <a:p>
+            <a:r>
+              <a:rPr lang="de-DE" dirty="0"/>
+              <a:t>Reflexion/Fazit</a:t>
+            </a:r>
+          </a:p>
+        </p:txBody>
+      </p:sp>
+      <p:sp>
+        <p:nvSpPr>
+          <p:cNvPr id="3" name="Content Placeholder 2">
+            <a:extLst>
+              <a:ext uri="{FF2B5EF4-FFF2-40B4-BE49-F238E27FC236}">
+                <a16:creationId xmlns:a16="http://schemas.microsoft.com/office/drawing/2014/main" id="{2F44F14B-C6DE-2882-1471-F7F1251CA084}"/>
+              </a:ext>
+            </a:extLst>
+          </p:cNvPr>
+          <p:cNvSpPr>
+            <a:spLocks noGrp="1"/>
+          </p:cNvSpPr>
+          <p:nvPr>
+            <p:ph idx="1"/>
+          </p:nvPr>
+        </p:nvSpPr>
+        <p:spPr/>
+        <p:txBody>
+          <a:bodyPr/>
+          <a:lstStyle/>
+          <a:p>
+            <a:r>
+              <a:rPr lang="de-DE" dirty="0"/>
+              <a:t>Hauptanforderungen erfüllt (WPF, Logik, Zusatzfeatures)</a:t>
+            </a:r>
+          </a:p>
+          <a:p>
+            <a:r>
+              <a:rPr lang="de-DE" dirty="0"/>
+              <a:t>Programm ist lauffähig</a:t>
+            </a:r>
+          </a:p>
+          <a:p>
+            <a:r>
+              <a:rPr lang="de-DE" dirty="0" err="1"/>
+              <a:t>PasswordBox</a:t>
+            </a:r>
+            <a:r>
+              <a:rPr lang="de-DE" dirty="0"/>
+              <a:t> Binding nicht geschafft</a:t>
+            </a:r>
+          </a:p>
+          <a:p>
+            <a:r>
+              <a:rPr lang="de-DE" dirty="0"/>
+              <a:t>Viel über WPF, Data/Command Binding und C# gelernt</a:t>
+            </a:r>
+          </a:p>
+          <a:p>
+            <a:endParaRPr lang="de-DE" dirty="0"/>
+          </a:p>
+        </p:txBody>
+      </p:sp>
+    </p:spTree>
+    <p:extLst>
+      <p:ext uri="{BB962C8B-B14F-4D97-AF65-F5344CB8AC3E}">
+        <p14:creationId xmlns:p14="http://schemas.microsoft.com/office/powerpoint/2010/main" val="2574416453"/>
+      </p:ext>
+    </p:extLst>
+  </p:cSld>
+  <p:clrMapOvr>
+    <a:masterClrMapping/>
+  </p:clrMapOvr>
+</p:sld>
+</file>
+
+<file path=ppt/slides/slide11.xml><?xml version="1.0" encoding="utf-8"?>
+<p:sld xmlns:a="http://schemas.openxmlformats.org/drawingml/2006/main" xmlns:r="http://schemas.openxmlformats.org/officeDocument/2006/relationships" xmlns:p="http://schemas.openxmlformats.org/presentationml/2006/main">
+  <p:cSld>
     <p:bg>
       <p:bgPr>
         <a:blipFill>
@@ -21223,7 +21405,7 @@
           <a:noFill/>
           <a:extLst>
             <a:ext uri="{909E8E84-426E-40dd-AFC4-6F175D3DCCD1}">
-              <a14:hiddenFill xmlns:p14="http://schemas.microsoft.com/office/powerpoint/2010/main" xmlns:a14="http://schemas.microsoft.com/office/drawing/2010/main" xmlns:a16="http://schemas.microsoft.com/office/drawing/2014/main" xmlns="">
+              <a14:hiddenFill xmlns="" xmlns:a16="http://schemas.microsoft.com/office/drawing/2014/main" xmlns:a14="http://schemas.microsoft.com/office/drawing/2010/main" xmlns:p14="http://schemas.microsoft.com/office/powerpoint/2010/main">
                 <a:solidFill>
                   <a:srgbClr val="FFFFFF"/>
                 </a:solidFill>
@@ -21315,7 +21497,7 @@
             </a:ln>
             <a:extLst>
               <a:ext uri="{91240B29-F687-4f45-9708-019B960494DF}">
-                <a14:hiddenLine xmlns:p14="http://schemas.microsoft.com/office/powerpoint/2010/main" xmlns:a14="http://schemas.microsoft.com/office/drawing/2010/main" xmlns:a16="http://schemas.microsoft.com/office/drawing/2014/main" xmlns="" w="9525">
+                <a14:hiddenLine xmlns="" xmlns:a16="http://schemas.microsoft.com/office/drawing/2014/main" xmlns:a14="http://schemas.microsoft.com/office/drawing/2010/main" xmlns:p14="http://schemas.microsoft.com/office/powerpoint/2010/main" w="9525">
                   <a:solidFill>
                     <a:srgbClr val="000000"/>
                   </a:solidFill>
@@ -21420,7 +21602,7 @@
             </a:ln>
             <a:extLst>
               <a:ext uri="{91240B29-F687-4f45-9708-019B960494DF}">
-                <a14:hiddenLine xmlns:p14="http://schemas.microsoft.com/office/powerpoint/2010/main" xmlns:a14="http://schemas.microsoft.com/office/drawing/2010/main" xmlns:a16="http://schemas.microsoft.com/office/drawing/2014/main" xmlns="" w="9525">
+                <a14:hiddenLine xmlns="" xmlns:a16="http://schemas.microsoft.com/office/drawing/2014/main" xmlns:a14="http://schemas.microsoft.com/office/drawing/2010/main" xmlns:p14="http://schemas.microsoft.com/office/powerpoint/2010/main" w="9525">
                   <a:solidFill>
                     <a:srgbClr val="000000"/>
                   </a:solidFill>
@@ -21525,7 +21707,7 @@
             </a:ln>
             <a:extLst>
               <a:ext uri="{91240B29-F687-4f45-9708-019B960494DF}">
-                <a14:hiddenLine xmlns:p14="http://schemas.microsoft.com/office/powerpoint/2010/main" xmlns:a14="http://schemas.microsoft.com/office/drawing/2010/main" xmlns:a16="http://schemas.microsoft.com/office/drawing/2014/main" xmlns="" w="9525">
+                <a14:hiddenLine xmlns="" xmlns:a16="http://schemas.microsoft.com/office/drawing/2014/main" xmlns:a14="http://schemas.microsoft.com/office/drawing/2010/main" xmlns:p14="http://schemas.microsoft.com/office/powerpoint/2010/main" w="9525">
                   <a:solidFill>
                     <a:srgbClr val="000000"/>
                   </a:solidFill>
@@ -21574,7 +21756,7 @@
             </a:ln>
             <a:extLst>
               <a:ext uri="{91240B29-F687-4f45-9708-019B960494DF}">
-                <a14:hiddenLine xmlns:p14="http://schemas.microsoft.com/office/powerpoint/2010/main" xmlns:a14="http://schemas.microsoft.com/office/drawing/2010/main" xmlns:a16="http://schemas.microsoft.com/office/drawing/2014/main" xmlns="" w="9525">
+                <a14:hiddenLine xmlns="" xmlns:a16="http://schemas.microsoft.com/office/drawing/2014/main" xmlns:a14="http://schemas.microsoft.com/office/drawing/2010/main" xmlns:p14="http://schemas.microsoft.com/office/powerpoint/2010/main" w="9525">
                   <a:solidFill>
                     <a:srgbClr val="000000"/>
                   </a:solidFill>
@@ -21679,7 +21861,7 @@
             </a:ln>
             <a:extLst>
               <a:ext uri="{91240B29-F687-4f45-9708-019B960494DF}">
-                <a14:hiddenLine xmlns:p14="http://schemas.microsoft.com/office/powerpoint/2010/main" xmlns:a14="http://schemas.microsoft.com/office/drawing/2010/main" xmlns:a16="http://schemas.microsoft.com/office/drawing/2014/main" xmlns="" w="9525">
+                <a14:hiddenLine xmlns="" xmlns:a16="http://schemas.microsoft.com/office/drawing/2014/main" xmlns:a14="http://schemas.microsoft.com/office/drawing/2010/main" xmlns:p14="http://schemas.microsoft.com/office/powerpoint/2010/main" w="9525">
                   <a:solidFill>
                     <a:srgbClr val="000000"/>
                   </a:solidFill>
@@ -21756,7 +21938,7 @@
             </a:ln>
             <a:extLst>
               <a:ext uri="{91240B29-F687-4f45-9708-019B960494DF}">
-                <a14:hiddenLine xmlns:p14="http://schemas.microsoft.com/office/powerpoint/2010/main" xmlns:a14="http://schemas.microsoft.com/office/drawing/2010/main" xmlns:a16="http://schemas.microsoft.com/office/drawing/2014/main" xmlns="" w="9525">
+                <a14:hiddenLine xmlns="" xmlns:a16="http://schemas.microsoft.com/office/drawing/2014/main" xmlns:a14="http://schemas.microsoft.com/office/drawing/2010/main" xmlns:p14="http://schemas.microsoft.com/office/powerpoint/2010/main" w="9525">
                   <a:solidFill>
                     <a:srgbClr val="000000"/>
                   </a:solidFill>
@@ -21833,7 +22015,7 @@
             </a:ln>
             <a:extLst>
               <a:ext uri="{91240B29-F687-4f45-9708-019B960494DF}">
-                <a14:hiddenLine xmlns:p14="http://schemas.microsoft.com/office/powerpoint/2010/main" xmlns:a14="http://schemas.microsoft.com/office/drawing/2010/main" xmlns:a16="http://schemas.microsoft.com/office/drawing/2014/main" xmlns="" w="9525">
+                <a14:hiddenLine xmlns="" xmlns:a16="http://schemas.microsoft.com/office/drawing/2014/main" xmlns:a14="http://schemas.microsoft.com/office/drawing/2010/main" xmlns:p14="http://schemas.microsoft.com/office/powerpoint/2010/main" w="9525">
                   <a:solidFill>
                     <a:srgbClr val="000000"/>
                   </a:solidFill>
@@ -21938,7 +22120,7 @@
             </a:ln>
             <a:extLst>
               <a:ext uri="{91240B29-F687-4f45-9708-019B960494DF}">
-                <a14:hiddenLine xmlns:p14="http://schemas.microsoft.com/office/powerpoint/2010/main" xmlns:a14="http://schemas.microsoft.com/office/drawing/2010/main" xmlns:a16="http://schemas.microsoft.com/office/drawing/2014/main" xmlns="" w="9525">
+                <a14:hiddenLine xmlns="" xmlns:a16="http://schemas.microsoft.com/office/drawing/2014/main" xmlns:a14="http://schemas.microsoft.com/office/drawing/2010/main" xmlns:p14="http://schemas.microsoft.com/office/powerpoint/2010/main" w="9525">
                   <a:solidFill>
                     <a:srgbClr val="000000"/>
                   </a:solidFill>
@@ -22015,7 +22197,7 @@
             </a:ln>
             <a:extLst>
               <a:ext uri="{91240B29-F687-4f45-9708-019B960494DF}">
-                <a14:hiddenLine xmlns:p14="http://schemas.microsoft.com/office/powerpoint/2010/main" xmlns:a14="http://schemas.microsoft.com/office/drawing/2010/main" xmlns:a16="http://schemas.microsoft.com/office/drawing/2014/main" xmlns="" w="9525">
+                <a14:hiddenLine xmlns="" xmlns:a16="http://schemas.microsoft.com/office/drawing/2014/main" xmlns:a14="http://schemas.microsoft.com/office/drawing/2010/main" xmlns:p14="http://schemas.microsoft.com/office/powerpoint/2010/main" w="9525">
                   <a:solidFill>
                     <a:srgbClr val="000000"/>
                   </a:solidFill>
@@ -22092,7 +22274,7 @@
             </a:ln>
             <a:extLst>
               <a:ext uri="{91240B29-F687-4f45-9708-019B960494DF}">
-                <a14:hiddenLine xmlns:p14="http://schemas.microsoft.com/office/powerpoint/2010/main" xmlns:a14="http://schemas.microsoft.com/office/drawing/2010/main" xmlns:a16="http://schemas.microsoft.com/office/drawing/2014/main" xmlns="" w="9525">
+                <a14:hiddenLine xmlns="" xmlns:a16="http://schemas.microsoft.com/office/drawing/2014/main" xmlns:a14="http://schemas.microsoft.com/office/drawing/2010/main" xmlns:p14="http://schemas.microsoft.com/office/powerpoint/2010/main" w="9525">
                   <a:solidFill>
                     <a:srgbClr val="000000"/>
                   </a:solidFill>
@@ -22197,7 +22379,7 @@
             </a:ln>
             <a:extLst>
               <a:ext uri="{91240B29-F687-4f45-9708-019B960494DF}">
-                <a14:hiddenLine xmlns:p14="http://schemas.microsoft.com/office/powerpoint/2010/main" xmlns:a14="http://schemas.microsoft.com/office/drawing/2010/main" xmlns:a16="http://schemas.microsoft.com/office/drawing/2014/main" xmlns="" w="9525">
+                <a14:hiddenLine xmlns="" xmlns:a16="http://schemas.microsoft.com/office/drawing/2014/main" xmlns:a14="http://schemas.microsoft.com/office/drawing/2010/main" xmlns:p14="http://schemas.microsoft.com/office/powerpoint/2010/main" w="9525">
                   <a:solidFill>
                     <a:srgbClr val="000000"/>
                   </a:solidFill>
@@ -22302,7 +22484,7 @@
             </a:ln>
             <a:extLst>
               <a:ext uri="{91240B29-F687-4f45-9708-019B960494DF}">
-                <a14:hiddenLine xmlns:p14="http://schemas.microsoft.com/office/powerpoint/2010/main" xmlns:a14="http://schemas.microsoft.com/office/drawing/2010/main" xmlns:a16="http://schemas.microsoft.com/office/drawing/2014/main" xmlns="" w="9525">
+                <a14:hiddenLine xmlns="" xmlns:a16="http://schemas.microsoft.com/office/drawing/2014/main" xmlns:a14="http://schemas.microsoft.com/office/drawing/2010/main" xmlns:p14="http://schemas.microsoft.com/office/powerpoint/2010/main" w="9525">
                   <a:solidFill>
                     <a:srgbClr val="000000"/>
                   </a:solidFill>
@@ -22379,7 +22561,7 @@
             </a:ln>
             <a:extLst>
               <a:ext uri="{91240B29-F687-4f45-9708-019B960494DF}">
-                <a14:hiddenLine xmlns:p14="http://schemas.microsoft.com/office/powerpoint/2010/main" xmlns:a14="http://schemas.microsoft.com/office/drawing/2010/main" xmlns:a16="http://schemas.microsoft.com/office/drawing/2014/main" xmlns="" w="9525">
+                <a14:hiddenLine xmlns="" xmlns:a16="http://schemas.microsoft.com/office/drawing/2014/main" xmlns:a14="http://schemas.microsoft.com/office/drawing/2010/main" xmlns:p14="http://schemas.microsoft.com/office/powerpoint/2010/main" w="9525">
                   <a:solidFill>
                     <a:srgbClr val="000000"/>
                   </a:solidFill>
@@ -22504,7 +22686,7 @@
             </a:ln>
             <a:extLst>
               <a:ext uri="{91240B29-F687-4f45-9708-019B960494DF}">
-                <a14:hiddenLine xmlns:p14="http://schemas.microsoft.com/office/powerpoint/2010/main" xmlns:a14="http://schemas.microsoft.com/office/drawing/2010/main" xmlns:a16="http://schemas.microsoft.com/office/drawing/2014/main" xmlns="" w="9525">
+                <a14:hiddenLine xmlns="" xmlns:a16="http://schemas.microsoft.com/office/drawing/2014/main" xmlns:a14="http://schemas.microsoft.com/office/drawing/2010/main" xmlns:p14="http://schemas.microsoft.com/office/powerpoint/2010/main" w="9525">
                   <a:solidFill>
                     <a:srgbClr val="000000"/>
                   </a:solidFill>
@@ -22581,7 +22763,7 @@
             </a:ln>
             <a:extLst>
               <a:ext uri="{91240B29-F687-4f45-9708-019B960494DF}">
-                <a14:hiddenLine xmlns:p14="http://schemas.microsoft.com/office/powerpoint/2010/main" xmlns:a14="http://schemas.microsoft.com/office/drawing/2010/main" xmlns:a16="http://schemas.microsoft.com/office/drawing/2014/main" xmlns="" w="9525">
+                <a14:hiddenLine xmlns="" xmlns:a16="http://schemas.microsoft.com/office/drawing/2014/main" xmlns:a14="http://schemas.microsoft.com/office/drawing/2010/main" xmlns:p14="http://schemas.microsoft.com/office/powerpoint/2010/main" w="9525">
                   <a:solidFill>
                     <a:srgbClr val="000000"/>
                   </a:solidFill>
@@ -22686,7 +22868,7 @@
             </a:ln>
             <a:extLst>
               <a:ext uri="{91240B29-F687-4f45-9708-019B960494DF}">
-                <a14:hiddenLine xmlns:p14="http://schemas.microsoft.com/office/powerpoint/2010/main" xmlns:a14="http://schemas.microsoft.com/office/drawing/2010/main" xmlns:a16="http://schemas.microsoft.com/office/drawing/2014/main" xmlns="" w="9525">
+                <a14:hiddenLine xmlns="" xmlns:a16="http://schemas.microsoft.com/office/drawing/2014/main" xmlns:a14="http://schemas.microsoft.com/office/drawing/2010/main" xmlns:p14="http://schemas.microsoft.com/office/powerpoint/2010/main" w="9525">
                   <a:solidFill>
                     <a:srgbClr val="000000"/>
                   </a:solidFill>
@@ -22791,7 +22973,7 @@
             </a:ln>
             <a:extLst>
               <a:ext uri="{91240B29-F687-4f45-9708-019B960494DF}">
-                <a14:hiddenLine xmlns:p14="http://schemas.microsoft.com/office/powerpoint/2010/main" xmlns:a14="http://schemas.microsoft.com/office/drawing/2010/main" xmlns:a16="http://schemas.microsoft.com/office/drawing/2014/main" xmlns="" w="9525">
+                <a14:hiddenLine xmlns="" xmlns:a16="http://schemas.microsoft.com/office/drawing/2014/main" xmlns:a14="http://schemas.microsoft.com/office/drawing/2010/main" xmlns:p14="http://schemas.microsoft.com/office/powerpoint/2010/main" w="9525">
                   <a:solidFill>
                     <a:srgbClr val="000000"/>
                   </a:solidFill>
@@ -22868,7 +23050,7 @@
             </a:ln>
             <a:extLst>
               <a:ext uri="{91240B29-F687-4f45-9708-019B960494DF}">
-                <a14:hiddenLine xmlns:p14="http://schemas.microsoft.com/office/powerpoint/2010/main" xmlns:a14="http://schemas.microsoft.com/office/drawing/2010/main" xmlns:a16="http://schemas.microsoft.com/office/drawing/2014/main" xmlns="" w="9525">
+                <a14:hiddenLine xmlns="" xmlns:a16="http://schemas.microsoft.com/office/drawing/2014/main" xmlns:a14="http://schemas.microsoft.com/office/drawing/2010/main" xmlns:p14="http://schemas.microsoft.com/office/powerpoint/2010/main" w="9525">
                   <a:solidFill>
                     <a:srgbClr val="000000"/>
                   </a:solidFill>
@@ -22973,7 +23155,7 @@
             </a:ln>
             <a:extLst>
               <a:ext uri="{91240B29-F687-4f45-9708-019B960494DF}">
-                <a14:hiddenLine xmlns:p14="http://schemas.microsoft.com/office/powerpoint/2010/main" xmlns:a14="http://schemas.microsoft.com/office/drawing/2010/main" xmlns:a16="http://schemas.microsoft.com/office/drawing/2014/main" xmlns="" w="9525">
+                <a14:hiddenLine xmlns="" xmlns:a16="http://schemas.microsoft.com/office/drawing/2014/main" xmlns:a14="http://schemas.microsoft.com/office/drawing/2010/main" xmlns:p14="http://schemas.microsoft.com/office/powerpoint/2010/main" w="9525">
                   <a:solidFill>
                     <a:srgbClr val="000000"/>
                   </a:solidFill>
@@ -23078,7 +23260,7 @@
             </a:ln>
             <a:extLst>
               <a:ext uri="{91240B29-F687-4f45-9708-019B960494DF}">
-                <a14:hiddenLine xmlns:p14="http://schemas.microsoft.com/office/powerpoint/2010/main" xmlns:a14="http://schemas.microsoft.com/office/drawing/2010/main" xmlns:a16="http://schemas.microsoft.com/office/drawing/2014/main" xmlns="" w="9525">
+                <a14:hiddenLine xmlns="" xmlns:a16="http://schemas.microsoft.com/office/drawing/2014/main" xmlns:a14="http://schemas.microsoft.com/office/drawing/2010/main" xmlns:p14="http://schemas.microsoft.com/office/powerpoint/2010/main" w="9525">
                   <a:solidFill>
                     <a:srgbClr val="000000"/>
                   </a:solidFill>
@@ -23149,7 +23331,7 @@
             </a:ln>
             <a:extLst>
               <a:ext uri="{91240B29-F687-4f45-9708-019B960494DF}">
-                <a14:hiddenLine xmlns:p14="http://schemas.microsoft.com/office/powerpoint/2010/main" xmlns:a14="http://schemas.microsoft.com/office/drawing/2010/main" xmlns:a16="http://schemas.microsoft.com/office/drawing/2014/main" xmlns="" w="9525">
+                <a14:hiddenLine xmlns="" xmlns:a16="http://schemas.microsoft.com/office/drawing/2014/main" xmlns:a14="http://schemas.microsoft.com/office/drawing/2010/main" xmlns:p14="http://schemas.microsoft.com/office/powerpoint/2010/main" w="9525">
                   <a:solidFill>
                     <a:srgbClr val="000000"/>
                   </a:solidFill>
@@ -23254,7 +23436,7 @@
             </a:ln>
             <a:extLst>
               <a:ext uri="{91240B29-F687-4f45-9708-019B960494DF}">
-                <a14:hiddenLine xmlns:p14="http://schemas.microsoft.com/office/powerpoint/2010/main" xmlns:a14="http://schemas.microsoft.com/office/drawing/2010/main" xmlns:a16="http://schemas.microsoft.com/office/drawing/2014/main" xmlns="" w="9525">
+                <a14:hiddenLine xmlns="" xmlns:a16="http://schemas.microsoft.com/office/drawing/2014/main" xmlns:a14="http://schemas.microsoft.com/office/drawing/2010/main" xmlns:p14="http://schemas.microsoft.com/office/powerpoint/2010/main" w="9525">
                   <a:solidFill>
                     <a:srgbClr val="000000"/>
                   </a:solidFill>
@@ -23325,7 +23507,7 @@
             </a:ln>
             <a:extLst>
               <a:ext uri="{91240B29-F687-4f45-9708-019B960494DF}">
-                <a14:hiddenLine xmlns:p14="http://schemas.microsoft.com/office/powerpoint/2010/main" xmlns:a14="http://schemas.microsoft.com/office/drawing/2010/main" xmlns:a16="http://schemas.microsoft.com/office/drawing/2014/main" xmlns="" w="9525">
+                <a14:hiddenLine xmlns="" xmlns:a16="http://schemas.microsoft.com/office/drawing/2014/main" xmlns:a14="http://schemas.microsoft.com/office/drawing/2010/main" xmlns:p14="http://schemas.microsoft.com/office/powerpoint/2010/main" w="9525">
                   <a:solidFill>
                     <a:srgbClr val="000000"/>
                   </a:solidFill>
@@ -23430,7 +23612,7 @@
             </a:ln>
             <a:extLst>
               <a:ext uri="{91240B29-F687-4f45-9708-019B960494DF}">
-                <a14:hiddenLine xmlns:p14="http://schemas.microsoft.com/office/powerpoint/2010/main" xmlns:a14="http://schemas.microsoft.com/office/drawing/2010/main" xmlns:a16="http://schemas.microsoft.com/office/drawing/2014/main" xmlns="" w="9525">
+                <a14:hiddenLine xmlns="" xmlns:a16="http://schemas.microsoft.com/office/drawing/2014/main" xmlns:a14="http://schemas.microsoft.com/office/drawing/2010/main" xmlns:p14="http://schemas.microsoft.com/office/powerpoint/2010/main" w="9525">
                   <a:solidFill>
                     <a:srgbClr val="000000"/>
                   </a:solidFill>
@@ -23513,7 +23695,7 @@
             </a:ln>
             <a:extLst>
               <a:ext uri="{91240B29-F687-4f45-9708-019B960494DF}">
-                <a14:hiddenLine xmlns:p14="http://schemas.microsoft.com/office/powerpoint/2010/main" xmlns:a14="http://schemas.microsoft.com/office/drawing/2010/main" xmlns:a16="http://schemas.microsoft.com/office/drawing/2014/main" xmlns="" w="9525">
+                <a14:hiddenLine xmlns="" xmlns:a16="http://schemas.microsoft.com/office/drawing/2014/main" xmlns:a14="http://schemas.microsoft.com/office/drawing/2010/main" xmlns:p14="http://schemas.microsoft.com/office/powerpoint/2010/main" w="9525">
                   <a:solidFill>
                     <a:srgbClr val="000000"/>
                   </a:solidFill>
@@ -23618,7 +23800,7 @@
             </a:ln>
             <a:extLst>
               <a:ext uri="{91240B29-F687-4f45-9708-019B960494DF}">
-                <a14:hiddenLine xmlns:p14="http://schemas.microsoft.com/office/powerpoint/2010/main" xmlns:a14="http://schemas.microsoft.com/office/drawing/2010/main" xmlns:a16="http://schemas.microsoft.com/office/drawing/2014/main" xmlns="" w="9525">
+                <a14:hiddenLine xmlns="" xmlns:a16="http://schemas.microsoft.com/office/drawing/2014/main" xmlns:a14="http://schemas.microsoft.com/office/drawing/2010/main" xmlns:p14="http://schemas.microsoft.com/office/powerpoint/2010/main" w="9525">
                   <a:solidFill>
                     <a:srgbClr val="000000"/>
                   </a:solidFill>
@@ -23701,7 +23883,7 @@
             </a:ln>
             <a:extLst>
               <a:ext uri="{91240B29-F687-4f45-9708-019B960494DF}">
-                <a14:hiddenLine xmlns:p14="http://schemas.microsoft.com/office/powerpoint/2010/main" xmlns:a14="http://schemas.microsoft.com/office/drawing/2010/main" xmlns:a16="http://schemas.microsoft.com/office/drawing/2014/main" xmlns="" w="9525">
+                <a14:hiddenLine xmlns="" xmlns:a16="http://schemas.microsoft.com/office/drawing/2014/main" xmlns:a14="http://schemas.microsoft.com/office/drawing/2010/main" xmlns:p14="http://schemas.microsoft.com/office/powerpoint/2010/main" w="9525">
                   <a:solidFill>
                     <a:srgbClr val="000000"/>
                   </a:solidFill>
@@ -23806,7 +23988,7 @@
             </a:ln>
             <a:extLst>
               <a:ext uri="{91240B29-F687-4f45-9708-019B960494DF}">
-                <a14:hiddenLine xmlns:p14="http://schemas.microsoft.com/office/powerpoint/2010/main" xmlns:a14="http://schemas.microsoft.com/office/drawing/2010/main" xmlns:a16="http://schemas.microsoft.com/office/drawing/2014/main" xmlns="" w="9525">
+                <a14:hiddenLine xmlns="" xmlns:a16="http://schemas.microsoft.com/office/drawing/2014/main" xmlns:a14="http://schemas.microsoft.com/office/drawing/2010/main" xmlns:p14="http://schemas.microsoft.com/office/powerpoint/2010/main" w="9525">
                   <a:solidFill>
                     <a:srgbClr val="000000"/>
                   </a:solidFill>
@@ -23855,7 +24037,7 @@
             </a:ln>
             <a:extLst>
               <a:ext uri="{91240B29-F687-4f45-9708-019B960494DF}">
-                <a14:hiddenLine xmlns:p14="http://schemas.microsoft.com/office/powerpoint/2010/main" xmlns:a14="http://schemas.microsoft.com/office/drawing/2010/main" xmlns:a16="http://schemas.microsoft.com/office/drawing/2014/main" xmlns="" w="9525">
+                <a14:hiddenLine xmlns="" xmlns:a16="http://schemas.microsoft.com/office/drawing/2014/main" xmlns:a14="http://schemas.microsoft.com/office/drawing/2010/main" xmlns:p14="http://schemas.microsoft.com/office/powerpoint/2010/main" w="9525">
                   <a:solidFill>
                     <a:srgbClr val="000000"/>
                   </a:solidFill>
@@ -23960,7 +24142,7 @@
             </a:ln>
             <a:extLst>
               <a:ext uri="{91240B29-F687-4f45-9708-019B960494DF}">
-                <a14:hiddenLine xmlns:p14="http://schemas.microsoft.com/office/powerpoint/2010/main" xmlns:a14="http://schemas.microsoft.com/office/drawing/2010/main" xmlns:a16="http://schemas.microsoft.com/office/drawing/2014/main" xmlns="" w="9525">
+                <a14:hiddenLine xmlns="" xmlns:a16="http://schemas.microsoft.com/office/drawing/2014/main" xmlns:a14="http://schemas.microsoft.com/office/drawing/2010/main" xmlns:p14="http://schemas.microsoft.com/office/powerpoint/2010/main" w="9525">
                   <a:solidFill>
                     <a:srgbClr val="000000"/>
                   </a:solidFill>
@@ -24037,7 +24219,7 @@
             </a:ln>
             <a:extLst>
               <a:ext uri="{91240B29-F687-4f45-9708-019B960494DF}">
-                <a14:hiddenLine xmlns:p14="http://schemas.microsoft.com/office/powerpoint/2010/main" xmlns:a14="http://schemas.microsoft.com/office/drawing/2010/main" xmlns:a16="http://schemas.microsoft.com/office/drawing/2014/main" xmlns="" w="9525">
+                <a14:hiddenLine xmlns="" xmlns:a16="http://schemas.microsoft.com/office/drawing/2014/main" xmlns:a14="http://schemas.microsoft.com/office/drawing/2010/main" xmlns:p14="http://schemas.microsoft.com/office/powerpoint/2010/main" w="9525">
                   <a:solidFill>
                     <a:srgbClr val="000000"/>
                   </a:solidFill>
@@ -24114,7 +24296,7 @@
             </a:ln>
             <a:extLst>
               <a:ext uri="{91240B29-F687-4f45-9708-019B960494DF}">
-                <a14:hiddenLine xmlns:p14="http://schemas.microsoft.com/office/powerpoint/2010/main" xmlns:a14="http://schemas.microsoft.com/office/drawing/2010/main" xmlns:a16="http://schemas.microsoft.com/office/drawing/2014/main" xmlns="" w="9525">
+                <a14:hiddenLine xmlns="" xmlns:a16="http://schemas.microsoft.com/office/drawing/2014/main" xmlns:a14="http://schemas.microsoft.com/office/drawing/2010/main" xmlns:p14="http://schemas.microsoft.com/office/powerpoint/2010/main" w="9525">
                   <a:solidFill>
                     <a:srgbClr val="000000"/>
                   </a:solidFill>
@@ -24219,7 +24401,7 @@
             </a:ln>
             <a:extLst>
               <a:ext uri="{91240B29-F687-4f45-9708-019B960494DF}">
-                <a14:hiddenLine xmlns:p14="http://schemas.microsoft.com/office/powerpoint/2010/main" xmlns:a14="http://schemas.microsoft.com/office/drawing/2010/main" xmlns:a16="http://schemas.microsoft.com/office/drawing/2014/main" xmlns="" w="9525">
+                <a14:hiddenLine xmlns="" xmlns:a16="http://schemas.microsoft.com/office/drawing/2014/main" xmlns:a14="http://schemas.microsoft.com/office/drawing/2010/main" xmlns:p14="http://schemas.microsoft.com/office/powerpoint/2010/main" w="9525">
                   <a:solidFill>
                     <a:srgbClr val="000000"/>
                   </a:solidFill>
@@ -24302,7 +24484,7 @@
             </a:ln>
             <a:extLst>
               <a:ext uri="{91240B29-F687-4f45-9708-019B960494DF}">
-                <a14:hiddenLine xmlns:p14="http://schemas.microsoft.com/office/powerpoint/2010/main" xmlns:a14="http://schemas.microsoft.com/office/drawing/2010/main" xmlns:a16="http://schemas.microsoft.com/office/drawing/2014/main" xmlns="" w="9525">
+                <a14:hiddenLine xmlns="" xmlns:a16="http://schemas.microsoft.com/office/drawing/2014/main" xmlns:a14="http://schemas.microsoft.com/office/drawing/2010/main" xmlns:p14="http://schemas.microsoft.com/office/powerpoint/2010/main" w="9525">
                   <a:solidFill>
                     <a:srgbClr val="000000"/>
                   </a:solidFill>
@@ -24379,7 +24561,7 @@
             </a:ln>
             <a:extLst>
               <a:ext uri="{91240B29-F687-4f45-9708-019B960494DF}">
-                <a14:hiddenLine xmlns:p14="http://schemas.microsoft.com/office/powerpoint/2010/main" xmlns:a14="http://schemas.microsoft.com/office/drawing/2010/main" xmlns:a16="http://schemas.microsoft.com/office/drawing/2014/main" xmlns="" w="9525">
+                <a14:hiddenLine xmlns="" xmlns:a16="http://schemas.microsoft.com/office/drawing/2014/main" xmlns:a14="http://schemas.microsoft.com/office/drawing/2010/main" xmlns:p14="http://schemas.microsoft.com/office/powerpoint/2010/main" w="9525">
                   <a:solidFill>
                     <a:srgbClr val="000000"/>
                   </a:solidFill>
@@ -24484,7 +24666,7 @@
             </a:ln>
             <a:extLst>
               <a:ext uri="{91240B29-F687-4f45-9708-019B960494DF}">
-                <a14:hiddenLine xmlns:p14="http://schemas.microsoft.com/office/powerpoint/2010/main" xmlns:a14="http://schemas.microsoft.com/office/drawing/2010/main" xmlns:a16="http://schemas.microsoft.com/office/drawing/2014/main" xmlns="" w="9525">
+                <a14:hiddenLine xmlns="" xmlns:a16="http://schemas.microsoft.com/office/drawing/2014/main" xmlns:a14="http://schemas.microsoft.com/office/drawing/2010/main" xmlns:p14="http://schemas.microsoft.com/office/powerpoint/2010/main" w="9525">
                   <a:solidFill>
                     <a:srgbClr val="000000"/>
                   </a:solidFill>
@@ -24561,7 +24743,7 @@
             </a:ln>
             <a:extLst>
               <a:ext uri="{91240B29-F687-4f45-9708-019B960494DF}">
-                <a14:hiddenLine xmlns:p14="http://schemas.microsoft.com/office/powerpoint/2010/main" xmlns:a14="http://schemas.microsoft.com/office/drawing/2010/main" xmlns:a16="http://schemas.microsoft.com/office/drawing/2014/main" xmlns="" w="9525">
+                <a14:hiddenLine xmlns="" xmlns:a16="http://schemas.microsoft.com/office/drawing/2014/main" xmlns:a14="http://schemas.microsoft.com/office/drawing/2010/main" xmlns:p14="http://schemas.microsoft.com/office/powerpoint/2010/main" w="9525">
                   <a:solidFill>
                     <a:srgbClr val="000000"/>
                   </a:solidFill>
@@ -24666,7 +24848,7 @@
             </a:ln>
             <a:extLst>
               <a:ext uri="{91240B29-F687-4f45-9708-019B960494DF}">
-                <a14:hiddenLine xmlns:p14="http://schemas.microsoft.com/office/powerpoint/2010/main" xmlns:a14="http://schemas.microsoft.com/office/drawing/2010/main" xmlns:a16="http://schemas.microsoft.com/office/drawing/2014/main" xmlns="" w="9525">
+                <a14:hiddenLine xmlns="" xmlns:a16="http://schemas.microsoft.com/office/drawing/2014/main" xmlns:a14="http://schemas.microsoft.com/office/drawing/2010/main" xmlns:p14="http://schemas.microsoft.com/office/powerpoint/2010/main" w="9525">
                   <a:solidFill>
                     <a:srgbClr val="000000"/>
                   </a:solidFill>
@@ -24743,7 +24925,7 @@
             </a:ln>
             <a:extLst>
               <a:ext uri="{91240B29-F687-4f45-9708-019B960494DF}">
-                <a14:hiddenLine xmlns:p14="http://schemas.microsoft.com/office/powerpoint/2010/main" xmlns:a14="http://schemas.microsoft.com/office/drawing/2010/main" xmlns:a16="http://schemas.microsoft.com/office/drawing/2014/main" xmlns="" w="9525">
+                <a14:hiddenLine xmlns="" xmlns:a16="http://schemas.microsoft.com/office/drawing/2014/main" xmlns:a14="http://schemas.microsoft.com/office/drawing/2010/main" xmlns:p14="http://schemas.microsoft.com/office/powerpoint/2010/main" w="9525">
                   <a:solidFill>
                     <a:srgbClr val="000000"/>
                   </a:solidFill>
@@ -24848,7 +25030,7 @@
             </a:ln>
             <a:extLst>
               <a:ext uri="{91240B29-F687-4f45-9708-019B960494DF}">
-                <a14:hiddenLine xmlns:p14="http://schemas.microsoft.com/office/powerpoint/2010/main" xmlns:a14="http://schemas.microsoft.com/office/drawing/2010/main" xmlns:a16="http://schemas.microsoft.com/office/drawing/2014/main" xmlns="" w="9525">
+                <a14:hiddenLine xmlns="" xmlns:a16="http://schemas.microsoft.com/office/drawing/2014/main" xmlns:a14="http://schemas.microsoft.com/office/drawing/2010/main" xmlns:p14="http://schemas.microsoft.com/office/powerpoint/2010/main" w="9525">
                   <a:solidFill>
                     <a:srgbClr val="000000"/>
                   </a:solidFill>
@@ -24897,7 +25079,7 @@
             </a:ln>
             <a:extLst>
               <a:ext uri="{91240B29-F687-4f45-9708-019B960494DF}">
-                <a14:hiddenLine xmlns:p14="http://schemas.microsoft.com/office/powerpoint/2010/main" xmlns:a14="http://schemas.microsoft.com/office/drawing/2010/main" xmlns:a16="http://schemas.microsoft.com/office/drawing/2014/main" xmlns="" w="9525">
+                <a14:hiddenLine xmlns="" xmlns:a16="http://schemas.microsoft.com/office/drawing/2014/main" xmlns:a14="http://schemas.microsoft.com/office/drawing/2010/main" xmlns:p14="http://schemas.microsoft.com/office/powerpoint/2010/main" w="9525">
                   <a:solidFill>
                     <a:srgbClr val="000000"/>
                   </a:solidFill>
@@ -24977,7 +25159,7 @@
             </a:ln>
             <a:extLst>
               <a:ext uri="{91240B29-F687-4f45-9708-019B960494DF}">
-                <a14:hiddenLine xmlns:p14="http://schemas.microsoft.com/office/powerpoint/2010/main" xmlns:a14="http://schemas.microsoft.com/office/drawing/2010/main" xmlns:a16="http://schemas.microsoft.com/office/drawing/2014/main" xmlns="" w="9525">
+                <a14:hiddenLine xmlns="" xmlns:a16="http://schemas.microsoft.com/office/drawing/2014/main" xmlns:a14="http://schemas.microsoft.com/office/drawing/2010/main" xmlns:p14="http://schemas.microsoft.com/office/powerpoint/2010/main" w="9525">
                   <a:solidFill>
                     <a:srgbClr val="000000"/>
                   </a:solidFill>
@@ -25082,7 +25264,7 @@
             </a:ln>
             <a:extLst>
               <a:ext uri="{91240B29-F687-4f45-9708-019B960494DF}">
-                <a14:hiddenLine xmlns:p14="http://schemas.microsoft.com/office/powerpoint/2010/main" xmlns:a14="http://schemas.microsoft.com/office/drawing/2010/main" xmlns:a16="http://schemas.microsoft.com/office/drawing/2014/main" xmlns="" w="9525">
+                <a14:hiddenLine xmlns="" xmlns:a16="http://schemas.microsoft.com/office/drawing/2014/main" xmlns:a14="http://schemas.microsoft.com/office/drawing/2010/main" xmlns:p14="http://schemas.microsoft.com/office/powerpoint/2010/main" w="9525">
                   <a:solidFill>
                     <a:srgbClr val="000000"/>
                   </a:solidFill>
@@ -25159,7 +25341,7 @@
             </a:ln>
             <a:extLst>
               <a:ext uri="{91240B29-F687-4f45-9708-019B960494DF}">
-                <a14:hiddenLine xmlns:p14="http://schemas.microsoft.com/office/powerpoint/2010/main" xmlns:a14="http://schemas.microsoft.com/office/drawing/2010/main" xmlns:a16="http://schemas.microsoft.com/office/drawing/2014/main" xmlns="" w="9525">
+                <a14:hiddenLine xmlns="" xmlns:a16="http://schemas.microsoft.com/office/drawing/2014/main" xmlns:a14="http://schemas.microsoft.com/office/drawing/2010/main" xmlns:p14="http://schemas.microsoft.com/office/powerpoint/2010/main" w="9525">
                   <a:solidFill>
                     <a:srgbClr val="000000"/>
                   </a:solidFill>
@@ -25264,7 +25446,7 @@
             </a:ln>
             <a:extLst>
               <a:ext uri="{91240B29-F687-4f45-9708-019B960494DF}">
-                <a14:hiddenLine xmlns:p14="http://schemas.microsoft.com/office/powerpoint/2010/main" xmlns:a14="http://schemas.microsoft.com/office/drawing/2010/main" xmlns:a16="http://schemas.microsoft.com/office/drawing/2014/main" xmlns="" w="9525">
+                <a14:hiddenLine xmlns="" xmlns:a16="http://schemas.microsoft.com/office/drawing/2014/main" xmlns:a14="http://schemas.microsoft.com/office/drawing/2010/main" xmlns:p14="http://schemas.microsoft.com/office/powerpoint/2010/main" w="9525">
                   <a:solidFill>
                     <a:srgbClr val="000000"/>
                   </a:solidFill>
@@ -25369,7 +25551,7 @@
             </a:ln>
             <a:extLst>
               <a:ext uri="{91240B29-F687-4f45-9708-019B960494DF}">
-                <a14:hiddenLine xmlns:p14="http://schemas.microsoft.com/office/powerpoint/2010/main" xmlns:a14="http://schemas.microsoft.com/office/drawing/2010/main" xmlns:a16="http://schemas.microsoft.com/office/drawing/2014/main" xmlns="" w="9525">
+                <a14:hiddenLine xmlns="" xmlns:a16="http://schemas.microsoft.com/office/drawing/2014/main" xmlns:a14="http://schemas.microsoft.com/office/drawing/2010/main" xmlns:p14="http://schemas.microsoft.com/office/powerpoint/2010/main" w="9525">
                   <a:solidFill>
                     <a:srgbClr val="000000"/>
                   </a:solidFill>
@@ -25449,7 +25631,7 @@
             </a:ln>
             <a:extLst>
               <a:ext uri="{91240B29-F687-4f45-9708-019B960494DF}">
-                <a14:hiddenLine xmlns:p14="http://schemas.microsoft.com/office/powerpoint/2010/main" xmlns:a14="http://schemas.microsoft.com/office/drawing/2010/main" xmlns:a16="http://schemas.microsoft.com/office/drawing/2014/main" xmlns="" w="9525">
+                <a14:hiddenLine xmlns="" xmlns:a16="http://schemas.microsoft.com/office/drawing/2014/main" xmlns:a14="http://schemas.microsoft.com/office/drawing/2010/main" xmlns:p14="http://schemas.microsoft.com/office/powerpoint/2010/main" w="9525">
                   <a:solidFill>
                     <a:srgbClr val="000000"/>
                   </a:solidFill>
@@ -25526,7 +25708,7 @@
             </a:ln>
             <a:extLst>
               <a:ext uri="{91240B29-F687-4f45-9708-019B960494DF}">
-                <a14:hiddenLine xmlns:p14="http://schemas.microsoft.com/office/powerpoint/2010/main" xmlns:a14="http://schemas.microsoft.com/office/drawing/2010/main" xmlns:a16="http://schemas.microsoft.com/office/drawing/2014/main" xmlns="" w="9525">
+                <a14:hiddenLine xmlns="" xmlns:a16="http://schemas.microsoft.com/office/drawing/2014/main" xmlns:a14="http://schemas.microsoft.com/office/drawing/2010/main" xmlns:p14="http://schemas.microsoft.com/office/powerpoint/2010/main" w="9525">
                   <a:solidFill>
                     <a:srgbClr val="000000"/>
                   </a:solidFill>
@@ -25631,7 +25813,7 @@
             </a:ln>
             <a:extLst>
               <a:ext uri="{91240B29-F687-4f45-9708-019B960494DF}">
-                <a14:hiddenLine xmlns:p14="http://schemas.microsoft.com/office/powerpoint/2010/main" xmlns:a14="http://schemas.microsoft.com/office/drawing/2010/main" xmlns:a16="http://schemas.microsoft.com/office/drawing/2014/main" xmlns="" w="9525">
+                <a14:hiddenLine xmlns="" xmlns:a16="http://schemas.microsoft.com/office/drawing/2014/main" xmlns:a14="http://schemas.microsoft.com/office/drawing/2010/main" xmlns:p14="http://schemas.microsoft.com/office/powerpoint/2010/main" w="9525">
                   <a:solidFill>
                     <a:srgbClr val="000000"/>
                   </a:solidFill>
@@ -25736,7 +25918,7 @@
             </a:ln>
             <a:extLst>
               <a:ext uri="{91240B29-F687-4f45-9708-019B960494DF}">
-                <a14:hiddenLine xmlns:p14="http://schemas.microsoft.com/office/powerpoint/2010/main" xmlns:a14="http://schemas.microsoft.com/office/drawing/2010/main" xmlns:a16="http://schemas.microsoft.com/office/drawing/2014/main" xmlns="" w="9525">
+                <a14:hiddenLine xmlns="" xmlns:a16="http://schemas.microsoft.com/office/drawing/2014/main" xmlns:a14="http://schemas.microsoft.com/office/drawing/2010/main" xmlns:p14="http://schemas.microsoft.com/office/powerpoint/2010/main" w="9525">
                   <a:solidFill>
                     <a:srgbClr val="000000"/>
                   </a:solidFill>
@@ -25813,7 +25995,7 @@
             </a:ln>
             <a:extLst>
               <a:ext uri="{91240B29-F687-4f45-9708-019B960494DF}">
-                <a14:hiddenLine xmlns:p14="http://schemas.microsoft.com/office/powerpoint/2010/main" xmlns:a14="http://schemas.microsoft.com/office/drawing/2010/main" xmlns:a16="http://schemas.microsoft.com/office/drawing/2014/main" xmlns="" w="9525">
+                <a14:hiddenLine xmlns="" xmlns:a16="http://schemas.microsoft.com/office/drawing/2014/main" xmlns:a14="http://schemas.microsoft.com/office/drawing/2010/main" xmlns:p14="http://schemas.microsoft.com/office/powerpoint/2010/main" w="9525">
                   <a:solidFill>
                     <a:srgbClr val="000000"/>
                   </a:solidFill>
@@ -25948,7 +26130,7 @@
             </a:ln>
             <a:extLst>
               <a:ext uri="{91240B29-F687-4f45-9708-019B960494DF}">
-                <a14:hiddenLine xmlns:p14="http://schemas.microsoft.com/office/powerpoint/2010/main" xmlns:a14="http://schemas.microsoft.com/office/drawing/2010/main" xmlns:a16="http://schemas.microsoft.com/office/drawing/2014/main" xmlns="" w="9525">
+                <a14:hiddenLine xmlns="" xmlns:a16="http://schemas.microsoft.com/office/drawing/2014/main" xmlns:a14="http://schemas.microsoft.com/office/drawing/2010/main" xmlns:p14="http://schemas.microsoft.com/office/powerpoint/2010/main" w="9525">
                   <a:solidFill>
                     <a:srgbClr val="000000"/>
                   </a:solidFill>
@@ -26031,7 +26213,7 @@
             </a:ln>
             <a:extLst>
               <a:ext uri="{91240B29-F687-4f45-9708-019B960494DF}">
-                <a14:hiddenLine xmlns:p14="http://schemas.microsoft.com/office/powerpoint/2010/main" xmlns:a14="http://schemas.microsoft.com/office/drawing/2010/main" xmlns:a16="http://schemas.microsoft.com/office/drawing/2014/main" xmlns="" w="9525">
+                <a14:hiddenLine xmlns="" xmlns:a16="http://schemas.microsoft.com/office/drawing/2014/main" xmlns:a14="http://schemas.microsoft.com/office/drawing/2010/main" xmlns:p14="http://schemas.microsoft.com/office/powerpoint/2010/main" w="9525">
                   <a:solidFill>
                     <a:srgbClr val="000000"/>
                   </a:solidFill>
@@ -26136,7 +26318,7 @@
             </a:ln>
             <a:extLst>
               <a:ext uri="{91240B29-F687-4f45-9708-019B960494DF}">
-                <a14:hiddenLine xmlns:p14="http://schemas.microsoft.com/office/powerpoint/2010/main" xmlns:a14="http://schemas.microsoft.com/office/drawing/2010/main" xmlns:a16="http://schemas.microsoft.com/office/drawing/2014/main" xmlns="" w="9525">
+                <a14:hiddenLine xmlns="" xmlns:a16="http://schemas.microsoft.com/office/drawing/2014/main" xmlns:a14="http://schemas.microsoft.com/office/drawing/2010/main" xmlns:p14="http://schemas.microsoft.com/office/powerpoint/2010/main" w="9525">
                   <a:solidFill>
                     <a:srgbClr val="000000"/>
                   </a:solidFill>
@@ -26293,7 +26475,7 @@
             <a:noFill/>
             <a:extLst>
               <a:ext uri="{909E8E84-426E-40dd-AFC4-6F175D3DCCD1}">
-                <a14:hiddenFill xmlns:p14="http://schemas.microsoft.com/office/powerpoint/2010/main" xmlns:a14="http://schemas.microsoft.com/office/drawing/2010/main" xmlns:a16="http://schemas.microsoft.com/office/drawing/2014/main" xmlns="">
+                <a14:hiddenFill xmlns="" xmlns:a16="http://schemas.microsoft.com/office/drawing/2014/main" xmlns:a14="http://schemas.microsoft.com/office/drawing/2010/main" xmlns:p14="http://schemas.microsoft.com/office/powerpoint/2010/main">
                   <a:solidFill>
                     <a:srgbClr val="FFFFFF"/>
                   </a:solidFill>
@@ -26507,7 +26689,7 @@
             </a:ln>
             <a:extLst>
               <a:ext uri="{91240B29-F687-4f45-9708-019B960494DF}">
-                <a14:hiddenLine xmlns:p14="http://schemas.microsoft.com/office/powerpoint/2010/main" xmlns:a14="http://schemas.microsoft.com/office/drawing/2010/main" xmlns:a16="http://schemas.microsoft.com/office/drawing/2014/main" xmlns="" w="9525">
+                <a14:hiddenLine xmlns="" xmlns:a16="http://schemas.microsoft.com/office/drawing/2014/main" xmlns:a14="http://schemas.microsoft.com/office/drawing/2010/main" xmlns:p14="http://schemas.microsoft.com/office/powerpoint/2010/main" w="9525">
                   <a:solidFill>
                     <a:srgbClr val="000000"/>
                   </a:solidFill>
@@ -26612,7 +26794,7 @@
             </a:ln>
             <a:extLst>
               <a:ext uri="{91240B29-F687-4f45-9708-019B960494DF}">
-                <a14:hiddenLine xmlns:p14="http://schemas.microsoft.com/office/powerpoint/2010/main" xmlns:a14="http://schemas.microsoft.com/office/drawing/2010/main" xmlns:a16="http://schemas.microsoft.com/office/drawing/2014/main" xmlns="" w="9525">
+                <a14:hiddenLine xmlns="" xmlns:a16="http://schemas.microsoft.com/office/drawing/2014/main" xmlns:a14="http://schemas.microsoft.com/office/drawing/2010/main" xmlns:p14="http://schemas.microsoft.com/office/powerpoint/2010/main" w="9525">
                   <a:solidFill>
                     <a:srgbClr val="000000"/>
                   </a:solidFill>
@@ -26717,7 +26899,7 @@
             </a:ln>
             <a:extLst>
               <a:ext uri="{91240B29-F687-4f45-9708-019B960494DF}">
-                <a14:hiddenLine xmlns:p14="http://schemas.microsoft.com/office/powerpoint/2010/main" xmlns:a14="http://schemas.microsoft.com/office/drawing/2010/main" xmlns:a16="http://schemas.microsoft.com/office/drawing/2014/main" xmlns="" w="9525">
+                <a14:hiddenLine xmlns="" xmlns:a16="http://schemas.microsoft.com/office/drawing/2014/main" xmlns:a14="http://schemas.microsoft.com/office/drawing/2010/main" xmlns:p14="http://schemas.microsoft.com/office/powerpoint/2010/main" w="9525">
                   <a:solidFill>
                     <a:srgbClr val="000000"/>
                   </a:solidFill>
@@ -26766,7 +26948,7 @@
             </a:ln>
             <a:extLst>
               <a:ext uri="{91240B29-F687-4f45-9708-019B960494DF}">
-                <a14:hiddenLine xmlns:p14="http://schemas.microsoft.com/office/powerpoint/2010/main" xmlns:a14="http://schemas.microsoft.com/office/drawing/2010/main" xmlns:a16="http://schemas.microsoft.com/office/drawing/2014/main" xmlns="" w="9525">
+                <a14:hiddenLine xmlns="" xmlns:a16="http://schemas.microsoft.com/office/drawing/2014/main" xmlns:a14="http://schemas.microsoft.com/office/drawing/2010/main" xmlns:p14="http://schemas.microsoft.com/office/powerpoint/2010/main" w="9525">
                   <a:solidFill>
                     <a:srgbClr val="000000"/>
                   </a:solidFill>
@@ -26871,7 +27053,7 @@
             </a:ln>
             <a:extLst>
               <a:ext uri="{91240B29-F687-4f45-9708-019B960494DF}">
-                <a14:hiddenLine xmlns:p14="http://schemas.microsoft.com/office/powerpoint/2010/main" xmlns:a14="http://schemas.microsoft.com/office/drawing/2010/main" xmlns:a16="http://schemas.microsoft.com/office/drawing/2014/main" xmlns="" w="9525">
+                <a14:hiddenLine xmlns="" xmlns:a16="http://schemas.microsoft.com/office/drawing/2014/main" xmlns:a14="http://schemas.microsoft.com/office/drawing/2010/main" xmlns:p14="http://schemas.microsoft.com/office/powerpoint/2010/main" w="9525">
                   <a:solidFill>
                     <a:srgbClr val="000000"/>
                   </a:solidFill>
@@ -26948,7 +27130,7 @@
             </a:ln>
             <a:extLst>
               <a:ext uri="{91240B29-F687-4f45-9708-019B960494DF}">
-                <a14:hiddenLine xmlns:p14="http://schemas.microsoft.com/office/powerpoint/2010/main" xmlns:a14="http://schemas.microsoft.com/office/drawing/2010/main" xmlns:a16="http://schemas.microsoft.com/office/drawing/2014/main" xmlns="" w="9525">
+                <a14:hiddenLine xmlns="" xmlns:a16="http://schemas.microsoft.com/office/drawing/2014/main" xmlns:a14="http://schemas.microsoft.com/office/drawing/2010/main" xmlns:p14="http://schemas.microsoft.com/office/powerpoint/2010/main" w="9525">
                   <a:solidFill>
                     <a:srgbClr val="000000"/>
                   </a:solidFill>
@@ -27025,7 +27207,7 @@
             </a:ln>
             <a:extLst>
               <a:ext uri="{91240B29-F687-4f45-9708-019B960494DF}">
-                <a14:hiddenLine xmlns:p14="http://schemas.microsoft.com/office/powerpoint/2010/main" xmlns:a14="http://schemas.microsoft.com/office/drawing/2010/main" xmlns:a16="http://schemas.microsoft.com/office/drawing/2014/main" xmlns="" w="9525">
+                <a14:hiddenLine xmlns="" xmlns:a16="http://schemas.microsoft.com/office/drawing/2014/main" xmlns:a14="http://schemas.microsoft.com/office/drawing/2010/main" xmlns:p14="http://schemas.microsoft.com/office/powerpoint/2010/main" w="9525">
                   <a:solidFill>
                     <a:srgbClr val="000000"/>
                   </a:solidFill>
@@ -27130,7 +27312,7 @@
             </a:ln>
             <a:extLst>
               <a:ext uri="{91240B29-F687-4f45-9708-019B960494DF}">
-                <a14:hiddenLine xmlns:p14="http://schemas.microsoft.com/office/powerpoint/2010/main" xmlns:a14="http://schemas.microsoft.com/office/drawing/2010/main" xmlns:a16="http://schemas.microsoft.com/office/drawing/2014/main" xmlns="" w="9525">
+                <a14:hiddenLine xmlns="" xmlns:a16="http://schemas.microsoft.com/office/drawing/2014/main" xmlns:a14="http://schemas.microsoft.com/office/drawing/2010/main" xmlns:p14="http://schemas.microsoft.com/office/powerpoint/2010/main" w="9525">
                   <a:solidFill>
                     <a:srgbClr val="000000"/>
                   </a:solidFill>
@@ -27207,7 +27389,7 @@
             </a:ln>
             <a:extLst>
               <a:ext uri="{91240B29-F687-4f45-9708-019B960494DF}">
-                <a14:hiddenLine xmlns:p14="http://schemas.microsoft.com/office/powerpoint/2010/main" xmlns:a14="http://schemas.microsoft.com/office/drawing/2010/main" xmlns:a16="http://schemas.microsoft.com/office/drawing/2014/main" xmlns="" w="9525">
+                <a14:hiddenLine xmlns="" xmlns:a16="http://schemas.microsoft.com/office/drawing/2014/main" xmlns:a14="http://schemas.microsoft.com/office/drawing/2010/main" xmlns:p14="http://schemas.microsoft.com/office/powerpoint/2010/main" w="9525">
                   <a:solidFill>
                     <a:srgbClr val="000000"/>
                   </a:solidFill>
@@ -27284,7 +27466,7 @@
             </a:ln>
             <a:extLst>
               <a:ext uri="{91240B29-F687-4f45-9708-019B960494DF}">
-                <a14:hiddenLine xmlns:p14="http://schemas.microsoft.com/office/powerpoint/2010/main" xmlns:a14="http://schemas.microsoft.com/office/drawing/2010/main" xmlns:a16="http://schemas.microsoft.com/office/drawing/2014/main" xmlns="" w="9525">
+                <a14:hiddenLine xmlns="" xmlns:a16="http://schemas.microsoft.com/office/drawing/2014/main" xmlns:a14="http://schemas.microsoft.com/office/drawing/2010/main" xmlns:p14="http://schemas.microsoft.com/office/powerpoint/2010/main" w="9525">
                   <a:solidFill>
                     <a:srgbClr val="000000"/>
                   </a:solidFill>
@@ -27389,7 +27571,7 @@
             </a:ln>
             <a:extLst>
               <a:ext uri="{91240B29-F687-4f45-9708-019B960494DF}">
-                <a14:hiddenLine xmlns:p14="http://schemas.microsoft.com/office/powerpoint/2010/main" xmlns:a14="http://schemas.microsoft.com/office/drawing/2010/main" xmlns:a16="http://schemas.microsoft.com/office/drawing/2014/main" xmlns="" w="9525">
+                <a14:hiddenLine xmlns="" xmlns:a16="http://schemas.microsoft.com/office/drawing/2014/main" xmlns:a14="http://schemas.microsoft.com/office/drawing/2010/main" xmlns:p14="http://schemas.microsoft.com/office/powerpoint/2010/main" w="9525">
                   <a:solidFill>
                     <a:srgbClr val="000000"/>
                   </a:solidFill>
@@ -27494,7 +27676,7 @@
             </a:ln>
             <a:extLst>
               <a:ext uri="{91240B29-F687-4f45-9708-019B960494DF}">
-                <a14:hiddenLine xmlns:p14="http://schemas.microsoft.com/office/powerpoint/2010/main" xmlns:a14="http://schemas.microsoft.com/office/drawing/2010/main" xmlns:a16="http://schemas.microsoft.com/office/drawing/2014/main" xmlns="" w="9525">
+                <a14:hiddenLine xmlns="" xmlns:a16="http://schemas.microsoft.com/office/drawing/2014/main" xmlns:a14="http://schemas.microsoft.com/office/drawing/2010/main" xmlns:p14="http://schemas.microsoft.com/office/powerpoint/2010/main" w="9525">
                   <a:solidFill>
                     <a:srgbClr val="000000"/>
                   </a:solidFill>
@@ -27571,7 +27753,7 @@
             </a:ln>
             <a:extLst>
               <a:ext uri="{91240B29-F687-4f45-9708-019B960494DF}">
-                <a14:hiddenLine xmlns:p14="http://schemas.microsoft.com/office/powerpoint/2010/main" xmlns:a14="http://schemas.microsoft.com/office/drawing/2010/main" xmlns:a16="http://schemas.microsoft.com/office/drawing/2014/main" xmlns="" w="9525">
+                <a14:hiddenLine xmlns="" xmlns:a16="http://schemas.microsoft.com/office/drawing/2014/main" xmlns:a14="http://schemas.microsoft.com/office/drawing/2010/main" xmlns:p14="http://schemas.microsoft.com/office/powerpoint/2010/main" w="9525">
                   <a:solidFill>
                     <a:srgbClr val="000000"/>
                   </a:solidFill>
@@ -27696,7 +27878,7 @@
             </a:ln>
             <a:extLst>
               <a:ext uri="{91240B29-F687-4f45-9708-019B960494DF}">
-                <a14:hiddenLine xmlns:p14="http://schemas.microsoft.com/office/powerpoint/2010/main" xmlns:a14="http://schemas.microsoft.com/office/drawing/2010/main" xmlns:a16="http://schemas.microsoft.com/office/drawing/2014/main" xmlns="" w="9525">
+                <a14:hiddenLine xmlns="" xmlns:a16="http://schemas.microsoft.com/office/drawing/2014/main" xmlns:a14="http://schemas.microsoft.com/office/drawing/2010/main" xmlns:p14="http://schemas.microsoft.com/office/powerpoint/2010/main" w="9525">
                   <a:solidFill>
                     <a:srgbClr val="000000"/>
                   </a:solidFill>
@@ -27773,7 +27955,7 @@
             </a:ln>
             <a:extLst>
               <a:ext uri="{91240B29-F687-4f45-9708-019B960494DF}">
-                <a14:hiddenLine xmlns:p14="http://schemas.microsoft.com/office/powerpoint/2010/main" xmlns:a14="http://schemas.microsoft.com/office/drawing/2010/main" xmlns:a16="http://schemas.microsoft.com/office/drawing/2014/main" xmlns="" w="9525">
+                <a14:hiddenLine xmlns="" xmlns:a16="http://schemas.microsoft.com/office/drawing/2014/main" xmlns:a14="http://schemas.microsoft.com/office/drawing/2010/main" xmlns:p14="http://schemas.microsoft.com/office/powerpoint/2010/main" w="9525">
                   <a:solidFill>
                     <a:srgbClr val="000000"/>
                   </a:solidFill>
@@ -27878,7 +28060,7 @@
             </a:ln>
             <a:extLst>
               <a:ext uri="{91240B29-F687-4f45-9708-019B960494DF}">
-                <a14:hiddenLine xmlns:p14="http://schemas.microsoft.com/office/powerpoint/2010/main" xmlns:a14="http://schemas.microsoft.com/office/drawing/2010/main" xmlns:a16="http://schemas.microsoft.com/office/drawing/2014/main" xmlns="" w="9525">
+                <a14:hiddenLine xmlns="" xmlns:a16="http://schemas.microsoft.com/office/drawing/2014/main" xmlns:a14="http://schemas.microsoft.com/office/drawing/2010/main" xmlns:p14="http://schemas.microsoft.com/office/powerpoint/2010/main" w="9525">
                   <a:solidFill>
                     <a:srgbClr val="000000"/>
                   </a:solidFill>
@@ -27983,7 +28165,7 @@
             </a:ln>
             <a:extLst>
               <a:ext uri="{91240B29-F687-4f45-9708-019B960494DF}">
-                <a14:hiddenLine xmlns:p14="http://schemas.microsoft.com/office/powerpoint/2010/main" xmlns:a14="http://schemas.microsoft.com/office/drawing/2010/main" xmlns:a16="http://schemas.microsoft.com/office/drawing/2014/main" xmlns="" w="9525">
+                <a14:hiddenLine xmlns="" xmlns:a16="http://schemas.microsoft.com/office/drawing/2014/main" xmlns:a14="http://schemas.microsoft.com/office/drawing/2010/main" xmlns:p14="http://schemas.microsoft.com/office/powerpoint/2010/main" w="9525">
                   <a:solidFill>
                     <a:srgbClr val="000000"/>
                   </a:solidFill>
@@ -28060,7 +28242,7 @@
             </a:ln>
             <a:extLst>
               <a:ext uri="{91240B29-F687-4f45-9708-019B960494DF}">
-                <a14:hiddenLine xmlns:p14="http://schemas.microsoft.com/office/powerpoint/2010/main" xmlns:a14="http://schemas.microsoft.com/office/drawing/2010/main" xmlns:a16="http://schemas.microsoft.com/office/drawing/2014/main" xmlns="" w="9525">
+                <a14:hiddenLine xmlns="" xmlns:a16="http://schemas.microsoft.com/office/drawing/2014/main" xmlns:a14="http://schemas.microsoft.com/office/drawing/2010/main" xmlns:p14="http://schemas.microsoft.com/office/powerpoint/2010/main" w="9525">
                   <a:solidFill>
                     <a:srgbClr val="000000"/>
                   </a:solidFill>
@@ -28165,7 +28347,7 @@
             </a:ln>
             <a:extLst>
               <a:ext uri="{91240B29-F687-4f45-9708-019B960494DF}">
-                <a14:hiddenLine xmlns:p14="http://schemas.microsoft.com/office/powerpoint/2010/main" xmlns:a14="http://schemas.microsoft.com/office/drawing/2010/main" xmlns:a16="http://schemas.microsoft.com/office/drawing/2014/main" xmlns="" w="9525">
+                <a14:hiddenLine xmlns="" xmlns:a16="http://schemas.microsoft.com/office/drawing/2014/main" xmlns:a14="http://schemas.microsoft.com/office/drawing/2010/main" xmlns:p14="http://schemas.microsoft.com/office/powerpoint/2010/main" w="9525">
                   <a:solidFill>
                     <a:srgbClr val="000000"/>
                   </a:solidFill>
@@ -28270,7 +28452,7 @@
             </a:ln>
             <a:extLst>
               <a:ext uri="{91240B29-F687-4f45-9708-019B960494DF}">
-                <a14:hiddenLine xmlns:p14="http://schemas.microsoft.com/office/powerpoint/2010/main" xmlns:a14="http://schemas.microsoft.com/office/drawing/2010/main" xmlns:a16="http://schemas.microsoft.com/office/drawing/2014/main" xmlns="" w="9525">
+                <a14:hiddenLine xmlns="" xmlns:a16="http://schemas.microsoft.com/office/drawing/2014/main" xmlns:a14="http://schemas.microsoft.com/office/drawing/2010/main" xmlns:p14="http://schemas.microsoft.com/office/powerpoint/2010/main" w="9525">
                   <a:solidFill>
                     <a:srgbClr val="000000"/>
                   </a:solidFill>
@@ -28341,7 +28523,7 @@
             </a:ln>
             <a:extLst>
               <a:ext uri="{91240B29-F687-4f45-9708-019B960494DF}">
-                <a14:hiddenLine xmlns:p14="http://schemas.microsoft.com/office/powerpoint/2010/main" xmlns:a14="http://schemas.microsoft.com/office/drawing/2010/main" xmlns:a16="http://schemas.microsoft.com/office/drawing/2014/main" xmlns="" w="9525">
+                <a14:hiddenLine xmlns="" xmlns:a16="http://schemas.microsoft.com/office/drawing/2014/main" xmlns:a14="http://schemas.microsoft.com/office/drawing/2010/main" xmlns:p14="http://schemas.microsoft.com/office/powerpoint/2010/main" w="9525">
                   <a:solidFill>
                     <a:srgbClr val="000000"/>
                   </a:solidFill>
@@ -28446,7 +28628,7 @@
             </a:ln>
             <a:extLst>
               <a:ext uri="{91240B29-F687-4f45-9708-019B960494DF}">
-                <a14:hiddenLine xmlns:p14="http://schemas.microsoft.com/office/powerpoint/2010/main" xmlns:a14="http://schemas.microsoft.com/office/drawing/2010/main" xmlns:a16="http://schemas.microsoft.com/office/drawing/2014/main" xmlns="" w="9525">
+                <a14:hiddenLine xmlns="" xmlns:a16="http://schemas.microsoft.com/office/drawing/2014/main" xmlns:a14="http://schemas.microsoft.com/office/drawing/2010/main" xmlns:p14="http://schemas.microsoft.com/office/powerpoint/2010/main" w="9525">
                   <a:solidFill>
                     <a:srgbClr val="000000"/>
                   </a:solidFill>
@@ -28517,7 +28699,7 @@
             </a:ln>
             <a:extLst>
               <a:ext uri="{91240B29-F687-4f45-9708-019B960494DF}">
-                <a14:hiddenLine xmlns:p14="http://schemas.microsoft.com/office/powerpoint/2010/main" xmlns:a14="http://schemas.microsoft.com/office/drawing/2010/main" xmlns:a16="http://schemas.microsoft.com/office/drawing/2014/main" xmlns="" w="9525">
+                <a14:hiddenLine xmlns="" xmlns:a16="http://schemas.microsoft.com/office/drawing/2014/main" xmlns:a14="http://schemas.microsoft.com/office/drawing/2010/main" xmlns:p14="http://schemas.microsoft.com/office/powerpoint/2010/main" w="9525">
                   <a:solidFill>
                     <a:srgbClr val="000000"/>
                   </a:solidFill>
@@ -28622,7 +28804,7 @@
             </a:ln>
             <a:extLst>
               <a:ext uri="{91240B29-F687-4f45-9708-019B960494DF}">
-                <a14:hiddenLine xmlns:p14="http://schemas.microsoft.com/office/powerpoint/2010/main" xmlns:a14="http://schemas.microsoft.com/office/drawing/2010/main" xmlns:a16="http://schemas.microsoft.com/office/drawing/2014/main" xmlns="" w="9525">
+                <a14:hiddenLine xmlns="" xmlns:a16="http://schemas.microsoft.com/office/drawing/2014/main" xmlns:a14="http://schemas.microsoft.com/office/drawing/2010/main" xmlns:p14="http://schemas.microsoft.com/office/powerpoint/2010/main" w="9525">
                   <a:solidFill>
                     <a:srgbClr val="000000"/>
                   </a:solidFill>
@@ -28705,7 +28887,7 @@
             </a:ln>
             <a:extLst>
               <a:ext uri="{91240B29-F687-4f45-9708-019B960494DF}">
-                <a14:hiddenLine xmlns:p14="http://schemas.microsoft.com/office/powerpoint/2010/main" xmlns:a14="http://schemas.microsoft.com/office/drawing/2010/main" xmlns:a16="http://schemas.microsoft.com/office/drawing/2014/main" xmlns="" w="9525">
+                <a14:hiddenLine xmlns="" xmlns:a16="http://schemas.microsoft.com/office/drawing/2014/main" xmlns:a14="http://schemas.microsoft.com/office/drawing/2010/main" xmlns:p14="http://schemas.microsoft.com/office/powerpoint/2010/main" w="9525">
                   <a:solidFill>
                     <a:srgbClr val="000000"/>
                   </a:solidFill>
@@ -28810,7 +28992,7 @@
             </a:ln>
             <a:extLst>
               <a:ext uri="{91240B29-F687-4f45-9708-019B960494DF}">
-                <a14:hiddenLine xmlns:p14="http://schemas.microsoft.com/office/powerpoint/2010/main" xmlns:a14="http://schemas.microsoft.com/office/drawing/2010/main" xmlns:a16="http://schemas.microsoft.com/office/drawing/2014/main" xmlns="" w="9525">
+                <a14:hiddenLine xmlns="" xmlns:a16="http://schemas.microsoft.com/office/drawing/2014/main" xmlns:a14="http://schemas.microsoft.com/office/drawing/2010/main" xmlns:p14="http://schemas.microsoft.com/office/powerpoint/2010/main" w="9525">
                   <a:solidFill>
                     <a:srgbClr val="000000"/>
                   </a:solidFill>
@@ -28893,7 +29075,7 @@
             </a:ln>
             <a:extLst>
               <a:ext uri="{91240B29-F687-4f45-9708-019B960494DF}">
-                <a14:hiddenLine xmlns:p14="http://schemas.microsoft.com/office/powerpoint/2010/main" xmlns:a14="http://schemas.microsoft.com/office/drawing/2010/main" xmlns:a16="http://schemas.microsoft.com/office/drawing/2014/main" xmlns="" w="9525">
+                <a14:hiddenLine xmlns="" xmlns:a16="http://schemas.microsoft.com/office/drawing/2014/main" xmlns:a14="http://schemas.microsoft.com/office/drawing/2010/main" xmlns:p14="http://schemas.microsoft.com/office/powerpoint/2010/main" w="9525">
                   <a:solidFill>
                     <a:srgbClr val="000000"/>
                   </a:solidFill>
@@ -28998,7 +29180,7 @@
             </a:ln>
             <a:extLst>
               <a:ext uri="{91240B29-F687-4f45-9708-019B960494DF}">
-                <a14:hiddenLine xmlns:p14="http://schemas.microsoft.com/office/powerpoint/2010/main" xmlns:a14="http://schemas.microsoft.com/office/drawing/2010/main" xmlns:a16="http://schemas.microsoft.com/office/drawing/2014/main" xmlns="" w="9525">
+                <a14:hiddenLine xmlns="" xmlns:a16="http://schemas.microsoft.com/office/drawing/2014/main" xmlns:a14="http://schemas.microsoft.com/office/drawing/2010/main" xmlns:p14="http://schemas.microsoft.com/office/powerpoint/2010/main" w="9525">
                   <a:solidFill>
                     <a:srgbClr val="000000"/>
                   </a:solidFill>
@@ -29047,7 +29229,7 @@
             </a:ln>
             <a:extLst>
               <a:ext uri="{91240B29-F687-4f45-9708-019B960494DF}">
-                <a14:hiddenLine xmlns:p14="http://schemas.microsoft.com/office/powerpoint/2010/main" xmlns:a14="http://schemas.microsoft.com/office/drawing/2010/main" xmlns:a16="http://schemas.microsoft.com/office/drawing/2014/main" xmlns="" w="9525">
+                <a14:hiddenLine xmlns="" xmlns:a16="http://schemas.microsoft.com/office/drawing/2014/main" xmlns:a14="http://schemas.microsoft.com/office/drawing/2010/main" xmlns:p14="http://schemas.microsoft.com/office/powerpoint/2010/main" w="9525">
                   <a:solidFill>
                     <a:srgbClr val="000000"/>
                   </a:solidFill>
@@ -29152,7 +29334,7 @@
             </a:ln>
             <a:extLst>
               <a:ext uri="{91240B29-F687-4f45-9708-019B960494DF}">
-                <a14:hiddenLine xmlns:p14="http://schemas.microsoft.com/office/powerpoint/2010/main" xmlns:a14="http://schemas.microsoft.com/office/drawing/2010/main" xmlns:a16="http://schemas.microsoft.com/office/drawing/2014/main" xmlns="" w="9525">
+                <a14:hiddenLine xmlns="" xmlns:a16="http://schemas.microsoft.com/office/drawing/2014/main" xmlns:a14="http://schemas.microsoft.com/office/drawing/2010/main" xmlns:p14="http://schemas.microsoft.com/office/powerpoint/2010/main" w="9525">
                   <a:solidFill>
                     <a:srgbClr val="000000"/>
                   </a:solidFill>
@@ -29229,7 +29411,7 @@
             </a:ln>
             <a:extLst>
               <a:ext uri="{91240B29-F687-4f45-9708-019B960494DF}">
-                <a14:hiddenLine xmlns:p14="http://schemas.microsoft.com/office/powerpoint/2010/main" xmlns:a14="http://schemas.microsoft.com/office/drawing/2010/main" xmlns:a16="http://schemas.microsoft.com/office/drawing/2014/main" xmlns="" w="9525">
+                <a14:hiddenLine xmlns="" xmlns:a16="http://schemas.microsoft.com/office/drawing/2014/main" xmlns:a14="http://schemas.microsoft.com/office/drawing/2010/main" xmlns:p14="http://schemas.microsoft.com/office/powerpoint/2010/main" w="9525">
                   <a:solidFill>
                     <a:srgbClr val="000000"/>
                   </a:solidFill>
@@ -29306,7 +29488,7 @@
             </a:ln>
             <a:extLst>
               <a:ext uri="{91240B29-F687-4f45-9708-019B960494DF}">
-                <a14:hiddenLine xmlns:p14="http://schemas.microsoft.com/office/powerpoint/2010/main" xmlns:a14="http://schemas.microsoft.com/office/drawing/2010/main" xmlns:a16="http://schemas.microsoft.com/office/drawing/2014/main" xmlns="" w="9525">
+                <a14:hiddenLine xmlns="" xmlns:a16="http://schemas.microsoft.com/office/drawing/2014/main" xmlns:a14="http://schemas.microsoft.com/office/drawing/2010/main" xmlns:p14="http://schemas.microsoft.com/office/powerpoint/2010/main" w="9525">
                   <a:solidFill>
                     <a:srgbClr val="000000"/>
                   </a:solidFill>
@@ -29411,7 +29593,7 @@
             </a:ln>
             <a:extLst>
               <a:ext uri="{91240B29-F687-4f45-9708-019B960494DF}">
-                <a14:hiddenLine xmlns:p14="http://schemas.microsoft.com/office/powerpoint/2010/main" xmlns:a14="http://schemas.microsoft.com/office/drawing/2010/main" xmlns:a16="http://schemas.microsoft.com/office/drawing/2014/main" xmlns="" w="9525">
+                <a14:hiddenLine xmlns="" xmlns:a16="http://schemas.microsoft.com/office/drawing/2014/main" xmlns:a14="http://schemas.microsoft.com/office/drawing/2010/main" xmlns:p14="http://schemas.microsoft.com/office/powerpoint/2010/main" w="9525">
                   <a:solidFill>
                     <a:srgbClr val="000000"/>
                   </a:solidFill>
@@ -29494,7 +29676,7 @@
             </a:ln>
             <a:extLst>
               <a:ext uri="{91240B29-F687-4f45-9708-019B960494DF}">
-                <a14:hiddenLine xmlns:p14="http://schemas.microsoft.com/office/powerpoint/2010/main" xmlns:a14="http://schemas.microsoft.com/office/drawing/2010/main" xmlns:a16="http://schemas.microsoft.com/office/drawing/2014/main" xmlns="" w="9525">
+                <a14:hiddenLine xmlns="" xmlns:a16="http://schemas.microsoft.com/office/drawing/2014/main" xmlns:a14="http://schemas.microsoft.com/office/drawing/2010/main" xmlns:p14="http://schemas.microsoft.com/office/powerpoint/2010/main" w="9525">
                   <a:solidFill>
                     <a:srgbClr val="000000"/>
                   </a:solidFill>
@@ -29571,7 +29753,7 @@
             </a:ln>
             <a:extLst>
               <a:ext uri="{91240B29-F687-4f45-9708-019B960494DF}">
-                <a14:hiddenLine xmlns:p14="http://schemas.microsoft.com/office/powerpoint/2010/main" xmlns:a14="http://schemas.microsoft.com/office/drawing/2010/main" xmlns:a16="http://schemas.microsoft.com/office/drawing/2014/main" xmlns="" w="9525">
+                <a14:hiddenLine xmlns="" xmlns:a16="http://schemas.microsoft.com/office/drawing/2014/main" xmlns:a14="http://schemas.microsoft.com/office/drawing/2010/main" xmlns:p14="http://schemas.microsoft.com/office/powerpoint/2010/main" w="9525">
                   <a:solidFill>
                     <a:srgbClr val="000000"/>
                   </a:solidFill>
@@ -29676,7 +29858,7 @@
             </a:ln>
             <a:extLst>
               <a:ext uri="{91240B29-F687-4f45-9708-019B960494DF}">
-                <a14:hiddenLine xmlns:p14="http://schemas.microsoft.com/office/powerpoint/2010/main" xmlns:a14="http://schemas.microsoft.com/office/drawing/2010/main" xmlns:a16="http://schemas.microsoft.com/office/drawing/2014/main" xmlns="" w="9525">
+                <a14:hiddenLine xmlns="" xmlns:a16="http://schemas.microsoft.com/office/drawing/2014/main" xmlns:a14="http://schemas.microsoft.com/office/drawing/2010/main" xmlns:p14="http://schemas.microsoft.com/office/powerpoint/2010/main" w="9525">
                   <a:solidFill>
                     <a:srgbClr val="000000"/>
                   </a:solidFill>
@@ -29753,7 +29935,7 @@
             </a:ln>
             <a:extLst>
               <a:ext uri="{91240B29-F687-4f45-9708-019B960494DF}">
-                <a14:hiddenLine xmlns:p14="http://schemas.microsoft.com/office/powerpoint/2010/main" xmlns:a14="http://schemas.microsoft.com/office/drawing/2010/main" xmlns:a16="http://schemas.microsoft.com/office/drawing/2014/main" xmlns="" w="9525">
+                <a14:hiddenLine xmlns="" xmlns:a16="http://schemas.microsoft.com/office/drawing/2014/main" xmlns:a14="http://schemas.microsoft.com/office/drawing/2010/main" xmlns:p14="http://schemas.microsoft.com/office/powerpoint/2010/main" w="9525">
                   <a:solidFill>
                     <a:srgbClr val="000000"/>
                   </a:solidFill>
@@ -29858,7 +30040,7 @@
             </a:ln>
             <a:extLst>
               <a:ext uri="{91240B29-F687-4f45-9708-019B960494DF}">
-                <a14:hiddenLine xmlns:p14="http://schemas.microsoft.com/office/powerpoint/2010/main" xmlns:a14="http://schemas.microsoft.com/office/drawing/2010/main" xmlns:a16="http://schemas.microsoft.com/office/drawing/2014/main" xmlns="" w="9525">
+                <a14:hiddenLine xmlns="" xmlns:a16="http://schemas.microsoft.com/office/drawing/2014/main" xmlns:a14="http://schemas.microsoft.com/office/drawing/2010/main" xmlns:p14="http://schemas.microsoft.com/office/powerpoint/2010/main" w="9525">
                   <a:solidFill>
                     <a:srgbClr val="000000"/>
                   </a:solidFill>
@@ -29935,7 +30117,7 @@
             </a:ln>
             <a:extLst>
               <a:ext uri="{91240B29-F687-4f45-9708-019B960494DF}">
-                <a14:hiddenLine xmlns:p14="http://schemas.microsoft.com/office/powerpoint/2010/main" xmlns:a14="http://schemas.microsoft.com/office/drawing/2010/main" xmlns:a16="http://schemas.microsoft.com/office/drawing/2014/main" xmlns="" w="9525">
+                <a14:hiddenLine xmlns="" xmlns:a16="http://schemas.microsoft.com/office/drawing/2014/main" xmlns:a14="http://schemas.microsoft.com/office/drawing/2010/main" xmlns:p14="http://schemas.microsoft.com/office/powerpoint/2010/main" w="9525">
                   <a:solidFill>
                     <a:srgbClr val="000000"/>
                   </a:solidFill>
@@ -30040,7 +30222,7 @@
             </a:ln>
             <a:extLst>
               <a:ext uri="{91240B29-F687-4f45-9708-019B960494DF}">
-                <a14:hiddenLine xmlns:p14="http://schemas.microsoft.com/office/powerpoint/2010/main" xmlns:a14="http://schemas.microsoft.com/office/drawing/2010/main" xmlns:a16="http://schemas.microsoft.com/office/drawing/2014/main" xmlns="" w="9525">
+                <a14:hiddenLine xmlns="" xmlns:a16="http://schemas.microsoft.com/office/drawing/2014/main" xmlns:a14="http://schemas.microsoft.com/office/drawing/2010/main" xmlns:p14="http://schemas.microsoft.com/office/powerpoint/2010/main" w="9525">
                   <a:solidFill>
                     <a:srgbClr val="000000"/>
                   </a:solidFill>
@@ -30089,7 +30271,7 @@
             </a:ln>
             <a:extLst>
               <a:ext uri="{91240B29-F687-4f45-9708-019B960494DF}">
-                <a14:hiddenLine xmlns:p14="http://schemas.microsoft.com/office/powerpoint/2010/main" xmlns:a14="http://schemas.microsoft.com/office/drawing/2010/main" xmlns:a16="http://schemas.microsoft.com/office/drawing/2014/main" xmlns="" w="9525">
+                <a14:hiddenLine xmlns="" xmlns:a16="http://schemas.microsoft.com/office/drawing/2014/main" xmlns:a14="http://schemas.microsoft.com/office/drawing/2010/main" xmlns:p14="http://schemas.microsoft.com/office/powerpoint/2010/main" w="9525">
                   <a:solidFill>
                     <a:srgbClr val="000000"/>
                   </a:solidFill>
@@ -30169,7 +30351,7 @@
             </a:ln>
             <a:extLst>
               <a:ext uri="{91240B29-F687-4f45-9708-019B960494DF}">
-                <a14:hiddenLine xmlns:p14="http://schemas.microsoft.com/office/powerpoint/2010/main" xmlns:a14="http://schemas.microsoft.com/office/drawing/2010/main" xmlns:a16="http://schemas.microsoft.com/office/drawing/2014/main" xmlns="" w="9525">
+                <a14:hiddenLine xmlns="" xmlns:a16="http://schemas.microsoft.com/office/drawing/2014/main" xmlns:a14="http://schemas.microsoft.com/office/drawing/2010/main" xmlns:p14="http://schemas.microsoft.com/office/powerpoint/2010/main" w="9525">
                   <a:solidFill>
                     <a:srgbClr val="000000"/>
                   </a:solidFill>
@@ -30274,7 +30456,7 @@
             </a:ln>
             <a:extLst>
               <a:ext uri="{91240B29-F687-4f45-9708-019B960494DF}">
-                <a14:hiddenLine xmlns:p14="http://schemas.microsoft.com/office/powerpoint/2010/main" xmlns:a14="http://schemas.microsoft.com/office/drawing/2010/main" xmlns:a16="http://schemas.microsoft.com/office/drawing/2014/main" xmlns="" w="9525">
+                <a14:hiddenLine xmlns="" xmlns:a16="http://schemas.microsoft.com/office/drawing/2014/main" xmlns:a14="http://schemas.microsoft.com/office/drawing/2010/main" xmlns:p14="http://schemas.microsoft.com/office/powerpoint/2010/main" w="9525">
                   <a:solidFill>
                     <a:srgbClr val="000000"/>
                   </a:solidFill>
@@ -30351,7 +30533,7 @@
             </a:ln>
             <a:extLst>
               <a:ext uri="{91240B29-F687-4f45-9708-019B960494DF}">
-                <a14:hiddenLine xmlns:p14="http://schemas.microsoft.com/office/powerpoint/2010/main" xmlns:a14="http://schemas.microsoft.com/office/drawing/2010/main" xmlns:a16="http://schemas.microsoft.com/office/drawing/2014/main" xmlns="" w="9525">
+                <a14:hiddenLine xmlns="" xmlns:a16="http://schemas.microsoft.com/office/drawing/2014/main" xmlns:a14="http://schemas.microsoft.com/office/drawing/2010/main" xmlns:p14="http://schemas.microsoft.com/office/powerpoint/2010/main" w="9525">
                   <a:solidFill>
                     <a:srgbClr val="000000"/>
                   </a:solidFill>
@@ -30456,7 +30638,7 @@
             </a:ln>
             <a:extLst>
               <a:ext uri="{91240B29-F687-4f45-9708-019B960494DF}">
-                <a14:hiddenLine xmlns:p14="http://schemas.microsoft.com/office/powerpoint/2010/main" xmlns:a14="http://schemas.microsoft.com/office/drawing/2010/main" xmlns:a16="http://schemas.microsoft.com/office/drawing/2014/main" xmlns="" w="9525">
+                <a14:hiddenLine xmlns="" xmlns:a16="http://schemas.microsoft.com/office/drawing/2014/main" xmlns:a14="http://schemas.microsoft.com/office/drawing/2010/main" xmlns:p14="http://schemas.microsoft.com/office/powerpoint/2010/main" w="9525">
                   <a:solidFill>
                     <a:srgbClr val="000000"/>
                   </a:solidFill>
@@ -30561,7 +30743,7 @@
             </a:ln>
             <a:extLst>
               <a:ext uri="{91240B29-F687-4f45-9708-019B960494DF}">
-                <a14:hiddenLine xmlns:p14="http://schemas.microsoft.com/office/powerpoint/2010/main" xmlns:a14="http://schemas.microsoft.com/office/drawing/2010/main" xmlns:a16="http://schemas.microsoft.com/office/drawing/2014/main" xmlns="" w="9525">
+                <a14:hiddenLine xmlns="" xmlns:a16="http://schemas.microsoft.com/office/drawing/2014/main" xmlns:a14="http://schemas.microsoft.com/office/drawing/2010/main" xmlns:p14="http://schemas.microsoft.com/office/powerpoint/2010/main" w="9525">
                   <a:solidFill>
                     <a:srgbClr val="000000"/>
                   </a:solidFill>
@@ -30641,7 +30823,7 @@
             </a:ln>
             <a:extLst>
               <a:ext uri="{91240B29-F687-4f45-9708-019B960494DF}">
-                <a14:hiddenLine xmlns:p14="http://schemas.microsoft.com/office/powerpoint/2010/main" xmlns:a14="http://schemas.microsoft.com/office/drawing/2010/main" xmlns:a16="http://schemas.microsoft.com/office/drawing/2014/main" xmlns="" w="9525">
+                <a14:hiddenLine xmlns="" xmlns:a16="http://schemas.microsoft.com/office/drawing/2014/main" xmlns:a14="http://schemas.microsoft.com/office/drawing/2010/main" xmlns:p14="http://schemas.microsoft.com/office/powerpoint/2010/main" w="9525">
                   <a:solidFill>
                     <a:srgbClr val="000000"/>
                   </a:solidFill>
@@ -30718,7 +30900,7 @@
             </a:ln>
             <a:extLst>
               <a:ext uri="{91240B29-F687-4f45-9708-019B960494DF}">
-                <a14:hiddenLine xmlns:p14="http://schemas.microsoft.com/office/powerpoint/2010/main" xmlns:a14="http://schemas.microsoft.com/office/drawing/2010/main" xmlns:a16="http://schemas.microsoft.com/office/drawing/2014/main" xmlns="" w="9525">
+                <a14:hiddenLine xmlns="" xmlns:a16="http://schemas.microsoft.com/office/drawing/2014/main" xmlns:a14="http://schemas.microsoft.com/office/drawing/2010/main" xmlns:p14="http://schemas.microsoft.com/office/powerpoint/2010/main" w="9525">
                   <a:solidFill>
                     <a:srgbClr val="000000"/>
                   </a:solidFill>
@@ -30823,7 +31005,7 @@
             </a:ln>
             <a:extLst>
               <a:ext uri="{91240B29-F687-4f45-9708-019B960494DF}">
-                <a14:hiddenLine xmlns:p14="http://schemas.microsoft.com/office/powerpoint/2010/main" xmlns:a14="http://schemas.microsoft.com/office/drawing/2010/main" xmlns:a16="http://schemas.microsoft.com/office/drawing/2014/main" xmlns="" w="9525">
+                <a14:hiddenLine xmlns="" xmlns:a16="http://schemas.microsoft.com/office/drawing/2014/main" xmlns:a14="http://schemas.microsoft.com/office/drawing/2010/main" xmlns:p14="http://schemas.microsoft.com/office/powerpoint/2010/main" w="9525">
                   <a:solidFill>
                     <a:srgbClr val="000000"/>
                   </a:solidFill>
@@ -30928,7 +31110,7 @@
             </a:ln>
             <a:extLst>
               <a:ext uri="{91240B29-F687-4f45-9708-019B960494DF}">
-                <a14:hiddenLine xmlns:p14="http://schemas.microsoft.com/office/powerpoint/2010/main" xmlns:a14="http://schemas.microsoft.com/office/drawing/2010/main" xmlns:a16="http://schemas.microsoft.com/office/drawing/2014/main" xmlns="" w="9525">
+                <a14:hiddenLine xmlns="" xmlns:a16="http://schemas.microsoft.com/office/drawing/2014/main" xmlns:a14="http://schemas.microsoft.com/office/drawing/2010/main" xmlns:p14="http://schemas.microsoft.com/office/powerpoint/2010/main" w="9525">
                   <a:solidFill>
                     <a:srgbClr val="000000"/>
                   </a:solidFill>
@@ -31005,7 +31187,7 @@
             </a:ln>
             <a:extLst>
               <a:ext uri="{91240B29-F687-4f45-9708-019B960494DF}">
-                <a14:hiddenLine xmlns:p14="http://schemas.microsoft.com/office/powerpoint/2010/main" xmlns:a14="http://schemas.microsoft.com/office/drawing/2010/main" xmlns:a16="http://schemas.microsoft.com/office/drawing/2014/main" xmlns="" w="9525">
+                <a14:hiddenLine xmlns="" xmlns:a16="http://schemas.microsoft.com/office/drawing/2014/main" xmlns:a14="http://schemas.microsoft.com/office/drawing/2010/main" xmlns:p14="http://schemas.microsoft.com/office/powerpoint/2010/main" w="9525">
                   <a:solidFill>
                     <a:srgbClr val="000000"/>
                   </a:solidFill>
@@ -31140,7 +31322,7 @@
             </a:ln>
             <a:extLst>
               <a:ext uri="{91240B29-F687-4f45-9708-019B960494DF}">
-                <a14:hiddenLine xmlns:p14="http://schemas.microsoft.com/office/powerpoint/2010/main" xmlns:a14="http://schemas.microsoft.com/office/drawing/2010/main" xmlns:a16="http://schemas.microsoft.com/office/drawing/2014/main" xmlns="" w="9525">
+                <a14:hiddenLine xmlns="" xmlns:a16="http://schemas.microsoft.com/office/drawing/2014/main" xmlns:a14="http://schemas.microsoft.com/office/drawing/2010/main" xmlns:p14="http://schemas.microsoft.com/office/powerpoint/2010/main" w="9525">
                   <a:solidFill>
                     <a:srgbClr val="000000"/>
                   </a:solidFill>
@@ -31223,7 +31405,7 @@
             </a:ln>
             <a:extLst>
               <a:ext uri="{91240B29-F687-4f45-9708-019B960494DF}">
-                <a14:hiddenLine xmlns:p14="http://schemas.microsoft.com/office/powerpoint/2010/main" xmlns:a14="http://schemas.microsoft.com/office/drawing/2010/main" xmlns:a16="http://schemas.microsoft.com/office/drawing/2014/main" xmlns="" w="9525">
+                <a14:hiddenLine xmlns="" xmlns:a16="http://schemas.microsoft.com/office/drawing/2014/main" xmlns:a14="http://schemas.microsoft.com/office/drawing/2010/main" xmlns:p14="http://schemas.microsoft.com/office/powerpoint/2010/main" w="9525">
                   <a:solidFill>
                     <a:srgbClr val="000000"/>
                   </a:solidFill>
@@ -31328,7 +31510,7 @@
             </a:ln>
             <a:extLst>
               <a:ext uri="{91240B29-F687-4f45-9708-019B960494DF}">
-                <a14:hiddenLine xmlns:p14="http://schemas.microsoft.com/office/powerpoint/2010/main" xmlns:a14="http://schemas.microsoft.com/office/drawing/2010/main" xmlns:a16="http://schemas.microsoft.com/office/drawing/2014/main" xmlns="" w="9525">
+                <a14:hiddenLine xmlns="" xmlns:a16="http://schemas.microsoft.com/office/drawing/2014/main" xmlns:a14="http://schemas.microsoft.com/office/drawing/2010/main" xmlns:p14="http://schemas.microsoft.com/office/powerpoint/2010/main" w="9525">
                   <a:solidFill>
                     <a:srgbClr val="000000"/>
                   </a:solidFill>
@@ -31458,7 +31640,7 @@
             </a:ln>
             <a:extLst>
               <a:ext uri="{91240B29-F687-4f45-9708-019B960494DF}">
-                <a14:hiddenLine xmlns:p14="http://schemas.microsoft.com/office/powerpoint/2010/main" xmlns:a14="http://schemas.microsoft.com/office/drawing/2010/main" xmlns:a16="http://schemas.microsoft.com/office/drawing/2014/main" xmlns="" w="9525">
+                <a14:hiddenLine xmlns="" xmlns:a16="http://schemas.microsoft.com/office/drawing/2014/main" xmlns:a14="http://schemas.microsoft.com/office/drawing/2010/main" xmlns:p14="http://schemas.microsoft.com/office/powerpoint/2010/main" w="9525">
                   <a:solidFill>
                     <a:srgbClr val="000000"/>
                   </a:solidFill>
@@ -31588,7 +31770,7 @@
             </a:ln>
             <a:extLst>
               <a:ext uri="{91240B29-F687-4f45-9708-019B960494DF}">
-                <a14:hiddenLine xmlns:p14="http://schemas.microsoft.com/office/powerpoint/2010/main" xmlns:a14="http://schemas.microsoft.com/office/drawing/2010/main" xmlns:a16="http://schemas.microsoft.com/office/drawing/2014/main" xmlns="" w="9525">
+                <a14:hiddenLine xmlns="" xmlns:a16="http://schemas.microsoft.com/office/drawing/2014/main" xmlns:a14="http://schemas.microsoft.com/office/drawing/2010/main" xmlns:p14="http://schemas.microsoft.com/office/powerpoint/2010/main" w="9525">
                   <a:solidFill>
                     <a:srgbClr val="000000"/>
                   </a:solidFill>
@@ -31693,7 +31875,7 @@
             </a:ln>
             <a:extLst>
               <a:ext uri="{91240B29-F687-4f45-9708-019B960494DF}">
-                <a14:hiddenLine xmlns:p14="http://schemas.microsoft.com/office/powerpoint/2010/main" xmlns:a14="http://schemas.microsoft.com/office/drawing/2010/main" xmlns:a16="http://schemas.microsoft.com/office/drawing/2014/main" xmlns="" w="9525">
+                <a14:hiddenLine xmlns="" xmlns:a16="http://schemas.microsoft.com/office/drawing/2014/main" xmlns:a14="http://schemas.microsoft.com/office/drawing/2010/main" xmlns:p14="http://schemas.microsoft.com/office/powerpoint/2010/main" w="9525">
                   <a:solidFill>
                     <a:srgbClr val="000000"/>
                   </a:solidFill>
@@ -31773,7 +31955,7 @@
             </a:ln>
             <a:extLst>
               <a:ext uri="{91240B29-F687-4f45-9708-019B960494DF}">
-                <a14:hiddenLine xmlns:p14="http://schemas.microsoft.com/office/powerpoint/2010/main" xmlns:a14="http://schemas.microsoft.com/office/drawing/2010/main" xmlns:a16="http://schemas.microsoft.com/office/drawing/2014/main" xmlns="" w="9525">
+                <a14:hiddenLine xmlns="" xmlns:a16="http://schemas.microsoft.com/office/drawing/2014/main" xmlns:a14="http://schemas.microsoft.com/office/drawing/2010/main" xmlns:p14="http://schemas.microsoft.com/office/powerpoint/2010/main" w="9525">
                   <a:solidFill>
                     <a:srgbClr val="000000"/>
                   </a:solidFill>
@@ -31878,7 +32060,7 @@
             </a:ln>
             <a:extLst>
               <a:ext uri="{91240B29-F687-4f45-9708-019B960494DF}">
-                <a14:hiddenLine xmlns:p14="http://schemas.microsoft.com/office/powerpoint/2010/main" xmlns:a14="http://schemas.microsoft.com/office/drawing/2010/main" xmlns:a16="http://schemas.microsoft.com/office/drawing/2014/main" xmlns="" w="9525">
+                <a14:hiddenLine xmlns="" xmlns:a16="http://schemas.microsoft.com/office/drawing/2014/main" xmlns:a14="http://schemas.microsoft.com/office/drawing/2010/main" xmlns:p14="http://schemas.microsoft.com/office/powerpoint/2010/main" w="9525">
                   <a:solidFill>
                     <a:srgbClr val="000000"/>
                   </a:solidFill>
@@ -31961,7 +32143,7 @@
             </a:ln>
             <a:extLst>
               <a:ext uri="{91240B29-F687-4f45-9708-019B960494DF}">
-                <a14:hiddenLine xmlns:p14="http://schemas.microsoft.com/office/powerpoint/2010/main" xmlns:a14="http://schemas.microsoft.com/office/drawing/2010/main" xmlns:a16="http://schemas.microsoft.com/office/drawing/2014/main" xmlns="" w="9525">
+                <a14:hiddenLine xmlns="" xmlns:a16="http://schemas.microsoft.com/office/drawing/2014/main" xmlns:a14="http://schemas.microsoft.com/office/drawing/2010/main" xmlns:p14="http://schemas.microsoft.com/office/powerpoint/2010/main" w="9525">
                   <a:solidFill>
                     <a:srgbClr val="000000"/>
                   </a:solidFill>
@@ -32066,7 +32248,7 @@
             </a:ln>
             <a:extLst>
               <a:ext uri="{91240B29-F687-4f45-9708-019B960494DF}">
-                <a14:hiddenLine xmlns:p14="http://schemas.microsoft.com/office/powerpoint/2010/main" xmlns:a14="http://schemas.microsoft.com/office/drawing/2010/main" xmlns:a16="http://schemas.microsoft.com/office/drawing/2014/main" xmlns="" w="9525">
+                <a14:hiddenLine xmlns="" xmlns:a16="http://schemas.microsoft.com/office/drawing/2014/main" xmlns:a14="http://schemas.microsoft.com/office/drawing/2010/main" xmlns:p14="http://schemas.microsoft.com/office/powerpoint/2010/main" w="9525">
                   <a:solidFill>
                     <a:srgbClr val="000000"/>
                   </a:solidFill>
@@ -32149,7 +32331,7 @@
             </a:ln>
             <a:extLst>
               <a:ext uri="{91240B29-F687-4f45-9708-019B960494DF}">
-                <a14:hiddenLine xmlns:p14="http://schemas.microsoft.com/office/powerpoint/2010/main" xmlns:a14="http://schemas.microsoft.com/office/drawing/2010/main" xmlns:a16="http://schemas.microsoft.com/office/drawing/2014/main" xmlns="" w="9525">
+                <a14:hiddenLine xmlns="" xmlns:a16="http://schemas.microsoft.com/office/drawing/2014/main" xmlns:a14="http://schemas.microsoft.com/office/drawing/2010/main" xmlns:p14="http://schemas.microsoft.com/office/powerpoint/2010/main" w="9525">
                   <a:solidFill>
                     <a:srgbClr val="000000"/>
                   </a:solidFill>
@@ -32254,7 +32436,7 @@
             </a:ln>
             <a:extLst>
               <a:ext uri="{91240B29-F687-4f45-9708-019B960494DF}">
-                <a14:hiddenLine xmlns:p14="http://schemas.microsoft.com/office/powerpoint/2010/main" xmlns:a14="http://schemas.microsoft.com/office/drawing/2010/main" xmlns:a16="http://schemas.microsoft.com/office/drawing/2014/main" xmlns="" w="9525">
+                <a14:hiddenLine xmlns="" xmlns:a16="http://schemas.microsoft.com/office/drawing/2014/main" xmlns:a14="http://schemas.microsoft.com/office/drawing/2010/main" xmlns:p14="http://schemas.microsoft.com/office/powerpoint/2010/main" w="9525">
                   <a:solidFill>
                     <a:srgbClr val="000000"/>
                   </a:solidFill>
@@ -32303,7 +32485,7 @@
             </a:ln>
             <a:extLst>
               <a:ext uri="{91240B29-F687-4f45-9708-019B960494DF}">
-                <a14:hiddenLine xmlns:p14="http://schemas.microsoft.com/office/powerpoint/2010/main" xmlns:a14="http://schemas.microsoft.com/office/drawing/2010/main" xmlns:a16="http://schemas.microsoft.com/office/drawing/2014/main" xmlns="" w="9525">
+                <a14:hiddenLine xmlns="" xmlns:a16="http://schemas.microsoft.com/office/drawing/2014/main" xmlns:a14="http://schemas.microsoft.com/office/drawing/2010/main" xmlns:p14="http://schemas.microsoft.com/office/powerpoint/2010/main" w="9525">
                   <a:solidFill>
                     <a:srgbClr val="000000"/>
                   </a:solidFill>
@@ -32393,7 +32575,7 @@
         <p:spPr/>
         <p:txBody>
           <a:bodyPr>
-            <a:normAutofit fontScale="92500" lnSpcReduction="10000"/>
+            <a:normAutofit fontScale="85000" lnSpcReduction="20000"/>
           </a:bodyPr>
           <a:lstStyle/>
           <a:p>
@@ -32406,6 +32588,12 @@
             <a:r>
               <a:rPr lang="de-DE" dirty="0"/>
               <a:t>Zeitplanung/PSP</a:t>
+            </a:r>
+          </a:p>
+          <a:p>
+            <a:r>
+              <a:rPr lang="de-DE" dirty="0"/>
+              <a:t>Designentwurf</a:t>
             </a:r>
           </a:p>
           <a:p>
@@ -32807,6 +32995,267 @@
   <p:cSld>
     <p:bg>
       <p:bgPr>
+        <a:blipFill>
+          <a:blip r:embed="rId2">
+            <a:duotone>
+              <a:schemeClr val="bg2">
+                <a:shade val="88000"/>
+                <a:hueMod val="106000"/>
+                <a:satMod val="140000"/>
+                <a:lumMod val="54000"/>
+              </a:schemeClr>
+              <a:schemeClr val="bg2">
+                <a:tint val="98000"/>
+                <a:hueMod val="90000"/>
+                <a:satMod val="150000"/>
+                <a:lumMod val="160000"/>
+              </a:schemeClr>
+            </a:duotone>
+          </a:blip>
+          <a:stretch/>
+        </a:blipFill>
+        <a:effectLst/>
+      </p:bgPr>
+    </p:bg>
+    <p:spTree>
+      <p:nvGrpSpPr>
+        <p:cNvPr id="1" name=""/>
+        <p:cNvGrpSpPr/>
+        <p:nvPr/>
+      </p:nvGrpSpPr>
+      <p:grpSpPr>
+        <a:xfrm>
+          <a:off x="0" y="0"/>
+          <a:ext cx="0" cy="0"/>
+          <a:chOff x="0" y="0"/>
+          <a:chExt cx="0" cy="0"/>
+        </a:xfrm>
+      </p:grpSpPr>
+      <p:sp>
+        <p:nvSpPr>
+          <p:cNvPr id="2" name="Title 1">
+            <a:extLst>
+              <a:ext uri="{FF2B5EF4-FFF2-40B4-BE49-F238E27FC236}">
+                <a16:creationId xmlns:a16="http://schemas.microsoft.com/office/drawing/2014/main" id="{C4055616-406A-0223-BFE0-817EDF9415BB}"/>
+              </a:ext>
+            </a:extLst>
+          </p:cNvPr>
+          <p:cNvSpPr>
+            <a:spLocks noGrp="1"/>
+          </p:cNvSpPr>
+          <p:nvPr>
+            <p:ph type="title"/>
+          </p:nvPr>
+        </p:nvSpPr>
+        <p:spPr>
+          <a:xfrm>
+            <a:off x="8036041" y="618518"/>
+            <a:ext cx="3281003" cy="1478570"/>
+          </a:xfrm>
+        </p:spPr>
+        <p:txBody>
+          <a:bodyPr anchor="b">
+            <a:normAutofit/>
+          </a:bodyPr>
+          <a:lstStyle/>
+          <a:p>
+            <a:r>
+              <a:rPr lang="de-DE" sz="2800"/>
+              <a:t>Designentwurf</a:t>
+            </a:r>
+          </a:p>
+        </p:txBody>
+      </p:sp>
+      <p:sp>
+        <p:nvSpPr>
+          <p:cNvPr id="24" name="Round Diagonal Corner Rectangle 11">
+            <a:extLst>
+              <a:ext uri="{FF2B5EF4-FFF2-40B4-BE49-F238E27FC236}">
+                <a16:creationId xmlns:a16="http://schemas.microsoft.com/office/drawing/2014/main" id="{E704FA00-F5B1-4BF3-BFB2-F832D367024B}"/>
+              </a:ext>
+              <a:ext uri="{C183D7F6-B498-43B3-948B-1728B52AA6E4}">
+                <adec:decorative xmlns:adec="http://schemas.microsoft.com/office/drawing/2017/decorative" val="1"/>
+              </a:ext>
+            </a:extLst>
+          </p:cNvPr>
+          <p:cNvSpPr>
+            <a:spLocks noGrp="1" noRot="1" noChangeAspect="1" noMove="1" noResize="1" noEditPoints="1" noAdjustHandles="1" noChangeArrowheads="1" noChangeShapeType="1" noTextEdit="1"/>
+          </p:cNvSpPr>
+          <p:nvPr>
+            <p:extLst>
+              <p:ext uri="{386F3935-93C4-4BCD-93E2-E3B085C9AB24}">
+                <p16:designElem xmlns:p16="http://schemas.microsoft.com/office/powerpoint/2015/main" val="1"/>
+              </p:ext>
+            </p:extLst>
+          </p:nvPr>
+        </p:nvSpPr>
+        <p:spPr>
+          <a:xfrm>
+            <a:off x="798949" y="808057"/>
+            <a:ext cx="6752461" cy="5234394"/>
+          </a:xfrm>
+          <a:prstGeom prst="round2DiagRect">
+            <a:avLst>
+              <a:gd name="adj1" fmla="val 7418"/>
+              <a:gd name="adj2" fmla="val 0"/>
+            </a:avLst>
+          </a:prstGeom>
+          <a:solidFill>
+            <a:srgbClr val="FFFFFF"/>
+          </a:solidFill>
+          <a:ln w="19050" cap="sq">
+            <a:solidFill>
+              <a:schemeClr val="tx2">
+                <a:lumMod val="60000"/>
+                <a:lumOff val="40000"/>
+                <a:alpha val="60000"/>
+              </a:schemeClr>
+            </a:solidFill>
+            <a:miter lim="800000"/>
+          </a:ln>
+          <a:effectLst>
+            <a:outerShdw blurRad="88900" dist="38100" dir="5400000" algn="t" rotWithShape="0">
+              <a:prstClr val="black">
+                <a:alpha val="40000"/>
+              </a:prstClr>
+            </a:outerShdw>
+          </a:effectLst>
+        </p:spPr>
+        <p:style>
+          <a:lnRef idx="2">
+            <a:schemeClr val="accent1">
+              <a:shade val="50000"/>
+            </a:schemeClr>
+          </a:lnRef>
+          <a:fillRef idx="1">
+            <a:schemeClr val="accent1"/>
+          </a:fillRef>
+          <a:effectRef idx="0">
+            <a:schemeClr val="accent1"/>
+          </a:effectRef>
+          <a:fontRef idx="minor">
+            <a:schemeClr val="lt1"/>
+          </a:fontRef>
+        </p:style>
+        <p:txBody>
+          <a:bodyPr rtlCol="0" anchor="ctr"/>
+          <a:lstStyle/>
+          <a:p>
+            <a:pPr algn="ctr"/>
+            <a:endParaRPr lang="en-US"/>
+          </a:p>
+        </p:txBody>
+      </p:sp>
+      <p:pic>
+        <p:nvPicPr>
+          <p:cNvPr id="7" name="Picture 6" descr="Table&#10;&#10;Description automatically generated">
+            <a:extLst>
+              <a:ext uri="{FF2B5EF4-FFF2-40B4-BE49-F238E27FC236}">
+                <a16:creationId xmlns:a16="http://schemas.microsoft.com/office/drawing/2014/main" id="{14DA6F07-55B4-0BA9-F3F8-F74E9247AA4E}"/>
+              </a:ext>
+            </a:extLst>
+          </p:cNvPr>
+          <p:cNvPicPr>
+            <a:picLocks noChangeAspect="1"/>
+          </p:cNvPicPr>
+          <p:nvPr/>
+        </p:nvPicPr>
+        <p:blipFill>
+          <a:blip r:embed="rId3"/>
+          <a:stretch>
+            <a:fillRect/>
+          </a:stretch>
+        </p:blipFill>
+        <p:spPr>
+          <a:xfrm>
+            <a:off x="2003642" y="812162"/>
+            <a:ext cx="4006068" cy="2714110"/>
+          </a:xfrm>
+          <a:prstGeom prst="rect">
+            <a:avLst/>
+          </a:prstGeom>
+        </p:spPr>
+      </p:pic>
+      <p:pic>
+        <p:nvPicPr>
+          <p:cNvPr id="5" name="Content Placeholder 4" descr="Graphical user interface&#10;&#10;Description automatically generated">
+            <a:extLst>
+              <a:ext uri="{FF2B5EF4-FFF2-40B4-BE49-F238E27FC236}">
+                <a16:creationId xmlns:a16="http://schemas.microsoft.com/office/drawing/2014/main" id="{2D6B5308-A131-9E9C-7895-64714C298263}"/>
+              </a:ext>
+            </a:extLst>
+          </p:cNvPr>
+          <p:cNvPicPr>
+            <a:picLocks noChangeAspect="1"/>
+          </p:cNvPicPr>
+          <p:nvPr/>
+        </p:nvPicPr>
+        <p:blipFill>
+          <a:blip r:embed="rId4"/>
+          <a:stretch>
+            <a:fillRect/>
+          </a:stretch>
+        </p:blipFill>
+        <p:spPr>
+          <a:xfrm>
+            <a:off x="2003642" y="3429000"/>
+            <a:ext cx="4092420" cy="2557763"/>
+          </a:xfrm>
+          <a:prstGeom prst="rect">
+            <a:avLst/>
+          </a:prstGeom>
+        </p:spPr>
+      </p:pic>
+      <p:sp>
+        <p:nvSpPr>
+          <p:cNvPr id="11" name="Content Placeholder 10">
+            <a:extLst>
+              <a:ext uri="{FF2B5EF4-FFF2-40B4-BE49-F238E27FC236}">
+                <a16:creationId xmlns:a16="http://schemas.microsoft.com/office/drawing/2014/main" id="{FAAFF503-6649-27C0-F91B-40EFDD06A828}"/>
+              </a:ext>
+            </a:extLst>
+          </p:cNvPr>
+          <p:cNvSpPr>
+            <a:spLocks noGrp="1"/>
+          </p:cNvSpPr>
+          <p:nvPr>
+            <p:ph idx="1"/>
+          </p:nvPr>
+        </p:nvSpPr>
+        <p:spPr>
+          <a:xfrm>
+            <a:off x="8036041" y="2249487"/>
+            <a:ext cx="3281004" cy="3541714"/>
+          </a:xfrm>
+        </p:spPr>
+        <p:txBody>
+          <a:bodyPr>
+            <a:normAutofit/>
+          </a:bodyPr>
+          <a:lstStyle/>
+          <a:p>
+            <a:endParaRPr lang="en-US" sz="1800"/>
+          </a:p>
+        </p:txBody>
+      </p:sp>
+    </p:spTree>
+    <p:extLst>
+      <p:ext uri="{BB962C8B-B14F-4D97-AF65-F5344CB8AC3E}">
+        <p14:creationId xmlns:p14="http://schemas.microsoft.com/office/powerpoint/2010/main" val="3845958178"/>
+      </p:ext>
+    </p:extLst>
+  </p:cSld>
+  <p:clrMapOvr>
+    <a:masterClrMapping/>
+  </p:clrMapOvr>
+</p:sld>
+</file>
+
+<file path=ppt/slides/slide6.xml><?xml version="1.0" encoding="utf-8"?>
+<p:sld xmlns:a="http://schemas.openxmlformats.org/drawingml/2006/main" xmlns:r="http://schemas.openxmlformats.org/officeDocument/2006/relationships" xmlns:p="http://schemas.openxmlformats.org/presentationml/2006/main">
+  <p:cSld>
+    <p:bg>
+      <p:bgPr>
         <a:solidFill>
           <a:schemeClr val="bg1"/>
         </a:solidFill>
@@ -32942,7 +33391,7 @@
           <a:noFill/>
           <a:extLst>
             <a:ext uri="{909E8E84-426E-40dd-AFC4-6F175D3DCCD1}">
-              <a14:hiddenFill xmlns:a14="http://schemas.microsoft.com/office/drawing/2010/main" xmlns:dgm="http://schemas.openxmlformats.org/drawingml/2006/diagram" xmlns:p14="http://schemas.microsoft.com/office/powerpoint/2010/main" xmlns:a16="http://schemas.microsoft.com/office/drawing/2014/main" xmlns="">
+              <a14:hiddenFill xmlns="" xmlns:a16="http://schemas.microsoft.com/office/drawing/2014/main" xmlns:p14="http://schemas.microsoft.com/office/powerpoint/2010/main" xmlns:dgm="http://schemas.openxmlformats.org/drawingml/2006/diagram" xmlns:a14="http://schemas.microsoft.com/office/drawing/2010/main">
                 <a:solidFill>
                   <a:srgbClr val="FFFFFF"/>
                 </a:solidFill>
@@ -33034,7 +33483,7 @@
             </a:ln>
             <a:extLst>
               <a:ext uri="{91240B29-F687-4f45-9708-019B960494DF}">
-                <a14:hiddenLine xmlns:a14="http://schemas.microsoft.com/office/drawing/2010/main" xmlns:dgm="http://schemas.openxmlformats.org/drawingml/2006/diagram" xmlns:p14="http://schemas.microsoft.com/office/powerpoint/2010/main" xmlns:a16="http://schemas.microsoft.com/office/drawing/2014/main" xmlns="" w="9525">
+                <a14:hiddenLine xmlns="" xmlns:a16="http://schemas.microsoft.com/office/drawing/2014/main" xmlns:p14="http://schemas.microsoft.com/office/powerpoint/2010/main" xmlns:dgm="http://schemas.openxmlformats.org/drawingml/2006/diagram" xmlns:a14="http://schemas.microsoft.com/office/drawing/2010/main" w="9525">
                   <a:solidFill>
                     <a:srgbClr val="000000"/>
                   </a:solidFill>
@@ -33139,7 +33588,7 @@
             </a:ln>
             <a:extLst>
               <a:ext uri="{91240B29-F687-4f45-9708-019B960494DF}">
-                <a14:hiddenLine xmlns:a14="http://schemas.microsoft.com/office/drawing/2010/main" xmlns:dgm="http://schemas.openxmlformats.org/drawingml/2006/diagram" xmlns:p14="http://schemas.microsoft.com/office/powerpoint/2010/main" xmlns:a16="http://schemas.microsoft.com/office/drawing/2014/main" xmlns="" w="9525">
+                <a14:hiddenLine xmlns="" xmlns:a16="http://schemas.microsoft.com/office/drawing/2014/main" xmlns:p14="http://schemas.microsoft.com/office/powerpoint/2010/main" xmlns:dgm="http://schemas.openxmlformats.org/drawingml/2006/diagram" xmlns:a14="http://schemas.microsoft.com/office/drawing/2010/main" w="9525">
                   <a:solidFill>
                     <a:srgbClr val="000000"/>
                   </a:solidFill>
@@ -33244,7 +33693,7 @@
             </a:ln>
             <a:extLst>
               <a:ext uri="{91240B29-F687-4f45-9708-019B960494DF}">
-                <a14:hiddenLine xmlns:a14="http://schemas.microsoft.com/office/drawing/2010/main" xmlns:dgm="http://schemas.openxmlformats.org/drawingml/2006/diagram" xmlns:p14="http://schemas.microsoft.com/office/powerpoint/2010/main" xmlns:a16="http://schemas.microsoft.com/office/drawing/2014/main" xmlns="" w="9525">
+                <a14:hiddenLine xmlns="" xmlns:a16="http://schemas.microsoft.com/office/drawing/2014/main" xmlns:p14="http://schemas.microsoft.com/office/powerpoint/2010/main" xmlns:dgm="http://schemas.openxmlformats.org/drawingml/2006/diagram" xmlns:a14="http://schemas.microsoft.com/office/drawing/2010/main" w="9525">
                   <a:solidFill>
                     <a:srgbClr val="000000"/>
                   </a:solidFill>
@@ -33321,7 +33770,7 @@
             </a:ln>
             <a:extLst>
               <a:ext uri="{91240B29-F687-4f45-9708-019B960494DF}">
-                <a14:hiddenLine xmlns:a14="http://schemas.microsoft.com/office/drawing/2010/main" xmlns:dgm="http://schemas.openxmlformats.org/drawingml/2006/diagram" xmlns:p14="http://schemas.microsoft.com/office/powerpoint/2010/main" xmlns:a16="http://schemas.microsoft.com/office/drawing/2014/main" xmlns="" w="9525">
+                <a14:hiddenLine xmlns="" xmlns:a16="http://schemas.microsoft.com/office/drawing/2014/main" xmlns:p14="http://schemas.microsoft.com/office/powerpoint/2010/main" xmlns:dgm="http://schemas.openxmlformats.org/drawingml/2006/diagram" xmlns:a14="http://schemas.microsoft.com/office/drawing/2010/main" w="9525">
                   <a:solidFill>
                     <a:srgbClr val="000000"/>
                   </a:solidFill>
@@ -33426,7 +33875,7 @@
             </a:ln>
             <a:extLst>
               <a:ext uri="{91240B29-F687-4f45-9708-019B960494DF}">
-                <a14:hiddenLine xmlns:a14="http://schemas.microsoft.com/office/drawing/2010/main" xmlns:dgm="http://schemas.openxmlformats.org/drawingml/2006/diagram" xmlns:p14="http://schemas.microsoft.com/office/powerpoint/2010/main" xmlns:a16="http://schemas.microsoft.com/office/drawing/2014/main" xmlns="" w="9525">
+                <a14:hiddenLine xmlns="" xmlns:a16="http://schemas.microsoft.com/office/drawing/2014/main" xmlns:p14="http://schemas.microsoft.com/office/powerpoint/2010/main" xmlns:dgm="http://schemas.openxmlformats.org/drawingml/2006/diagram" xmlns:a14="http://schemas.microsoft.com/office/drawing/2010/main" w="9525">
                   <a:solidFill>
                     <a:srgbClr val="000000"/>
                   </a:solidFill>
@@ -33503,7 +33952,7 @@
             </a:ln>
             <a:extLst>
               <a:ext uri="{91240B29-F687-4f45-9708-019B960494DF}">
-                <a14:hiddenLine xmlns:a14="http://schemas.microsoft.com/office/drawing/2010/main" xmlns:dgm="http://schemas.openxmlformats.org/drawingml/2006/diagram" xmlns:p14="http://schemas.microsoft.com/office/powerpoint/2010/main" xmlns:a16="http://schemas.microsoft.com/office/drawing/2014/main" xmlns="" w="9525">
+                <a14:hiddenLine xmlns="" xmlns:a16="http://schemas.microsoft.com/office/drawing/2014/main" xmlns:p14="http://schemas.microsoft.com/office/powerpoint/2010/main" xmlns:dgm="http://schemas.openxmlformats.org/drawingml/2006/diagram" xmlns:a14="http://schemas.microsoft.com/office/drawing/2010/main" w="9525">
                   <a:solidFill>
                     <a:srgbClr val="000000"/>
                   </a:solidFill>
@@ -33580,7 +34029,7 @@
             </a:ln>
             <a:extLst>
               <a:ext uri="{91240B29-F687-4f45-9708-019B960494DF}">
-                <a14:hiddenLine xmlns:a14="http://schemas.microsoft.com/office/drawing/2010/main" xmlns:dgm="http://schemas.openxmlformats.org/drawingml/2006/diagram" xmlns:p14="http://schemas.microsoft.com/office/powerpoint/2010/main" xmlns:a16="http://schemas.microsoft.com/office/drawing/2014/main" xmlns="" w="9525">
+                <a14:hiddenLine xmlns="" xmlns:a16="http://schemas.microsoft.com/office/drawing/2014/main" xmlns:p14="http://schemas.microsoft.com/office/powerpoint/2010/main" xmlns:dgm="http://schemas.openxmlformats.org/drawingml/2006/diagram" xmlns:a14="http://schemas.microsoft.com/office/drawing/2010/main" w="9525">
                   <a:solidFill>
                     <a:srgbClr val="000000"/>
                   </a:solidFill>
@@ -33685,7 +34134,7 @@
             </a:ln>
             <a:extLst>
               <a:ext uri="{91240B29-F687-4f45-9708-019B960494DF}">
-                <a14:hiddenLine xmlns:a14="http://schemas.microsoft.com/office/drawing/2010/main" xmlns:dgm="http://schemas.openxmlformats.org/drawingml/2006/diagram" xmlns:p14="http://schemas.microsoft.com/office/powerpoint/2010/main" xmlns:a16="http://schemas.microsoft.com/office/drawing/2014/main" xmlns="" w="9525">
+                <a14:hiddenLine xmlns="" xmlns:a16="http://schemas.microsoft.com/office/drawing/2014/main" xmlns:p14="http://schemas.microsoft.com/office/powerpoint/2010/main" xmlns:dgm="http://schemas.openxmlformats.org/drawingml/2006/diagram" xmlns:a14="http://schemas.microsoft.com/office/drawing/2010/main" w="9525">
                   <a:solidFill>
                     <a:srgbClr val="000000"/>
                   </a:solidFill>
@@ -33790,7 +34239,7 @@
             </a:ln>
             <a:extLst>
               <a:ext uri="{91240B29-F687-4f45-9708-019B960494DF}">
-                <a14:hiddenLine xmlns:a14="http://schemas.microsoft.com/office/drawing/2010/main" xmlns:dgm="http://schemas.openxmlformats.org/drawingml/2006/diagram" xmlns:p14="http://schemas.microsoft.com/office/powerpoint/2010/main" xmlns:a16="http://schemas.microsoft.com/office/drawing/2014/main" xmlns="" w="9525">
+                <a14:hiddenLine xmlns="" xmlns:a16="http://schemas.microsoft.com/office/drawing/2014/main" xmlns:p14="http://schemas.microsoft.com/office/powerpoint/2010/main" xmlns:dgm="http://schemas.openxmlformats.org/drawingml/2006/diagram" xmlns:a14="http://schemas.microsoft.com/office/drawing/2010/main" w="9525">
                   <a:solidFill>
                     <a:srgbClr val="000000"/>
                   </a:solidFill>
@@ -33867,7 +34316,7 @@
             </a:ln>
             <a:extLst>
               <a:ext uri="{91240B29-F687-4f45-9708-019B960494DF}">
-                <a14:hiddenLine xmlns:a14="http://schemas.microsoft.com/office/drawing/2010/main" xmlns:dgm="http://schemas.openxmlformats.org/drawingml/2006/diagram" xmlns:p14="http://schemas.microsoft.com/office/powerpoint/2010/main" xmlns:a16="http://schemas.microsoft.com/office/drawing/2014/main" xmlns="" w="9525">
+                <a14:hiddenLine xmlns="" xmlns:a16="http://schemas.microsoft.com/office/drawing/2014/main" xmlns:p14="http://schemas.microsoft.com/office/powerpoint/2010/main" xmlns:dgm="http://schemas.openxmlformats.org/drawingml/2006/diagram" xmlns:a14="http://schemas.microsoft.com/office/drawing/2010/main" w="9525">
                   <a:solidFill>
                     <a:srgbClr val="000000"/>
                   </a:solidFill>
@@ -33992,7 +34441,7 @@
             </a:ln>
             <a:extLst>
               <a:ext uri="{91240B29-F687-4f45-9708-019B960494DF}">
-                <a14:hiddenLine xmlns:a14="http://schemas.microsoft.com/office/drawing/2010/main" xmlns:dgm="http://schemas.openxmlformats.org/drawingml/2006/diagram" xmlns:p14="http://schemas.microsoft.com/office/powerpoint/2010/main" xmlns:a16="http://schemas.microsoft.com/office/drawing/2014/main" xmlns="" w="9525">
+                <a14:hiddenLine xmlns="" xmlns:a16="http://schemas.microsoft.com/office/drawing/2014/main" xmlns:p14="http://schemas.microsoft.com/office/powerpoint/2010/main" xmlns:dgm="http://schemas.openxmlformats.org/drawingml/2006/diagram" xmlns:a14="http://schemas.microsoft.com/office/drawing/2010/main" w="9525">
                   <a:solidFill>
                     <a:srgbClr val="000000"/>
                   </a:solidFill>
@@ -34106,7 +34555,7 @@
             </a:ln>
             <a:extLst>
               <a:ext uri="{91240B29-F687-4f45-9708-019B960494DF}">
-                <a14:hiddenLine xmlns:a14="http://schemas.microsoft.com/office/drawing/2010/main" xmlns:dgm="http://schemas.openxmlformats.org/drawingml/2006/diagram" xmlns:p14="http://schemas.microsoft.com/office/powerpoint/2010/main" xmlns:a16="http://schemas.microsoft.com/office/drawing/2014/main" xmlns="" w="9525">
+                <a14:hiddenLine xmlns="" xmlns:a16="http://schemas.microsoft.com/office/drawing/2014/main" xmlns:p14="http://schemas.microsoft.com/office/powerpoint/2010/main" xmlns:dgm="http://schemas.openxmlformats.org/drawingml/2006/diagram" xmlns:a14="http://schemas.microsoft.com/office/drawing/2010/main" w="9525">
                   <a:solidFill>
                     <a:srgbClr val="000000"/>
                   </a:solidFill>
@@ -34183,7 +34632,7 @@
             </a:ln>
             <a:extLst>
               <a:ext uri="{91240B29-F687-4f45-9708-019B960494DF}">
-                <a14:hiddenLine xmlns:a14="http://schemas.microsoft.com/office/drawing/2010/main" xmlns:dgm="http://schemas.openxmlformats.org/drawingml/2006/diagram" xmlns:p14="http://schemas.microsoft.com/office/powerpoint/2010/main" xmlns:a16="http://schemas.microsoft.com/office/drawing/2014/main" xmlns="" w="9525">
+                <a14:hiddenLine xmlns="" xmlns:a16="http://schemas.microsoft.com/office/drawing/2014/main" xmlns:p14="http://schemas.microsoft.com/office/powerpoint/2010/main" xmlns:dgm="http://schemas.openxmlformats.org/drawingml/2006/diagram" xmlns:a14="http://schemas.microsoft.com/office/drawing/2010/main" w="9525">
                   <a:solidFill>
                     <a:srgbClr val="000000"/>
                   </a:solidFill>
@@ -34260,7 +34709,7 @@
             </a:ln>
             <a:extLst>
               <a:ext uri="{91240B29-F687-4f45-9708-019B960494DF}">
-                <a14:hiddenLine xmlns:a14="http://schemas.microsoft.com/office/drawing/2010/main" xmlns:dgm="http://schemas.openxmlformats.org/drawingml/2006/diagram" xmlns:p14="http://schemas.microsoft.com/office/powerpoint/2010/main" xmlns:a16="http://schemas.microsoft.com/office/drawing/2014/main" xmlns="" w="9525">
+                <a14:hiddenLine xmlns="" xmlns:a16="http://schemas.microsoft.com/office/drawing/2014/main" xmlns:p14="http://schemas.microsoft.com/office/powerpoint/2010/main" xmlns:dgm="http://schemas.openxmlformats.org/drawingml/2006/diagram" xmlns:a14="http://schemas.microsoft.com/office/drawing/2010/main" w="9525">
                   <a:solidFill>
                     <a:srgbClr val="000000"/>
                   </a:solidFill>
@@ -34365,7 +34814,7 @@
             </a:ln>
             <a:extLst>
               <a:ext uri="{91240B29-F687-4f45-9708-019B960494DF}">
-                <a14:hiddenLine xmlns:a14="http://schemas.microsoft.com/office/drawing/2010/main" xmlns:dgm="http://schemas.openxmlformats.org/drawingml/2006/diagram" xmlns:p14="http://schemas.microsoft.com/office/powerpoint/2010/main" xmlns:a16="http://schemas.microsoft.com/office/drawing/2014/main" xmlns="" w="9525">
+                <a14:hiddenLine xmlns="" xmlns:a16="http://schemas.microsoft.com/office/drawing/2014/main" xmlns:p14="http://schemas.microsoft.com/office/powerpoint/2010/main" xmlns:dgm="http://schemas.openxmlformats.org/drawingml/2006/diagram" xmlns:a14="http://schemas.microsoft.com/office/drawing/2010/main" w="9525">
                   <a:solidFill>
                     <a:srgbClr val="000000"/>
                   </a:solidFill>
@@ -34414,7 +34863,7 @@
             </a:ln>
             <a:extLst>
               <a:ext uri="{91240B29-F687-4f45-9708-019B960494DF}">
-                <a14:hiddenLine xmlns:a14="http://schemas.microsoft.com/office/drawing/2010/main" xmlns:dgm="http://schemas.openxmlformats.org/drawingml/2006/diagram" xmlns:p14="http://schemas.microsoft.com/office/powerpoint/2010/main" xmlns:a16="http://schemas.microsoft.com/office/drawing/2014/main" xmlns="" w="9525">
+                <a14:hiddenLine xmlns="" xmlns:a16="http://schemas.microsoft.com/office/drawing/2014/main" xmlns:p14="http://schemas.microsoft.com/office/powerpoint/2010/main" xmlns:dgm="http://schemas.openxmlformats.org/drawingml/2006/diagram" xmlns:a14="http://schemas.microsoft.com/office/drawing/2010/main" w="9525">
                   <a:solidFill>
                     <a:srgbClr val="000000"/>
                   </a:solidFill>
@@ -34494,7 +34943,7 @@
             </a:ln>
             <a:extLst>
               <a:ext uri="{91240B29-F687-4f45-9708-019B960494DF}">
-                <a14:hiddenLine xmlns:a14="http://schemas.microsoft.com/office/drawing/2010/main" xmlns:dgm="http://schemas.openxmlformats.org/drawingml/2006/diagram" xmlns:p14="http://schemas.microsoft.com/office/powerpoint/2010/main" xmlns:a16="http://schemas.microsoft.com/office/drawing/2014/main" xmlns="" w="9525">
+                <a14:hiddenLine xmlns="" xmlns:a16="http://schemas.microsoft.com/office/drawing/2014/main" xmlns:p14="http://schemas.microsoft.com/office/powerpoint/2010/main" xmlns:dgm="http://schemas.openxmlformats.org/drawingml/2006/diagram" xmlns:a14="http://schemas.microsoft.com/office/drawing/2010/main" w="9525">
                   <a:solidFill>
                     <a:srgbClr val="000000"/>
                   </a:solidFill>
@@ -34599,7 +35048,7 @@
             </a:ln>
             <a:extLst>
               <a:ext uri="{91240B29-F687-4f45-9708-019B960494DF}">
-                <a14:hiddenLine xmlns:a14="http://schemas.microsoft.com/office/drawing/2010/main" xmlns:dgm="http://schemas.openxmlformats.org/drawingml/2006/diagram" xmlns:p14="http://schemas.microsoft.com/office/powerpoint/2010/main" xmlns:a16="http://schemas.microsoft.com/office/drawing/2014/main" xmlns="" w="9525">
+                <a14:hiddenLine xmlns="" xmlns:a16="http://schemas.microsoft.com/office/drawing/2014/main" xmlns:p14="http://schemas.microsoft.com/office/powerpoint/2010/main" xmlns:dgm="http://schemas.openxmlformats.org/drawingml/2006/diagram" xmlns:a14="http://schemas.microsoft.com/office/drawing/2010/main" w="9525">
                   <a:solidFill>
                     <a:srgbClr val="000000"/>
                   </a:solidFill>
@@ -34676,7 +35125,7 @@
             </a:ln>
             <a:extLst>
               <a:ext uri="{91240B29-F687-4f45-9708-019B960494DF}">
-                <a14:hiddenLine xmlns:a14="http://schemas.microsoft.com/office/drawing/2010/main" xmlns:dgm="http://schemas.openxmlformats.org/drawingml/2006/diagram" xmlns:p14="http://schemas.microsoft.com/office/powerpoint/2010/main" xmlns:a16="http://schemas.microsoft.com/office/drawing/2014/main" xmlns="" w="9525">
+                <a14:hiddenLine xmlns="" xmlns:a16="http://schemas.microsoft.com/office/drawing/2014/main" xmlns:p14="http://schemas.microsoft.com/office/powerpoint/2010/main" xmlns:dgm="http://schemas.openxmlformats.org/drawingml/2006/diagram" xmlns:a14="http://schemas.microsoft.com/office/drawing/2010/main" w="9525">
                   <a:solidFill>
                     <a:srgbClr val="000000"/>
                   </a:solidFill>
@@ -34781,7 +35230,7 @@
             </a:ln>
             <a:extLst>
               <a:ext uri="{91240B29-F687-4f45-9708-019B960494DF}">
-                <a14:hiddenLine xmlns:a14="http://schemas.microsoft.com/office/drawing/2010/main" xmlns:dgm="http://schemas.openxmlformats.org/drawingml/2006/diagram" xmlns:p14="http://schemas.microsoft.com/office/powerpoint/2010/main" xmlns:a16="http://schemas.microsoft.com/office/drawing/2014/main" xmlns="" w="9525">
+                <a14:hiddenLine xmlns="" xmlns:a16="http://schemas.microsoft.com/office/drawing/2014/main" xmlns:p14="http://schemas.microsoft.com/office/powerpoint/2010/main" xmlns:dgm="http://schemas.openxmlformats.org/drawingml/2006/diagram" xmlns:a14="http://schemas.microsoft.com/office/drawing/2010/main" w="9525">
                   <a:solidFill>
                     <a:srgbClr val="000000"/>
                   </a:solidFill>
@@ -34861,7 +35310,7 @@
             </a:ln>
             <a:extLst>
               <a:ext uri="{91240B29-F687-4f45-9708-019B960494DF}">
-                <a14:hiddenLine xmlns:a14="http://schemas.microsoft.com/office/drawing/2010/main" xmlns:dgm="http://schemas.openxmlformats.org/drawingml/2006/diagram" xmlns:p14="http://schemas.microsoft.com/office/powerpoint/2010/main" xmlns:a16="http://schemas.microsoft.com/office/drawing/2014/main" xmlns="" w="9525">
+                <a14:hiddenLine xmlns="" xmlns:a16="http://schemas.microsoft.com/office/drawing/2014/main" xmlns:p14="http://schemas.microsoft.com/office/powerpoint/2010/main" xmlns:dgm="http://schemas.openxmlformats.org/drawingml/2006/diagram" xmlns:a14="http://schemas.microsoft.com/office/drawing/2010/main" w="9525">
                   <a:solidFill>
                     <a:srgbClr val="000000"/>
                   </a:solidFill>
@@ -34938,7 +35387,7 @@
             </a:ln>
             <a:extLst>
               <a:ext uri="{91240B29-F687-4f45-9708-019B960494DF}">
-                <a14:hiddenLine xmlns:a14="http://schemas.microsoft.com/office/drawing/2010/main" xmlns:dgm="http://schemas.openxmlformats.org/drawingml/2006/diagram" xmlns:p14="http://schemas.microsoft.com/office/powerpoint/2010/main" xmlns:a16="http://schemas.microsoft.com/office/drawing/2014/main" xmlns="" w="9525">
+                <a14:hiddenLine xmlns="" xmlns:a16="http://schemas.microsoft.com/office/drawing/2014/main" xmlns:p14="http://schemas.microsoft.com/office/powerpoint/2010/main" xmlns:dgm="http://schemas.openxmlformats.org/drawingml/2006/diagram" xmlns:a14="http://schemas.microsoft.com/office/drawing/2010/main" w="9525">
                   <a:solidFill>
                     <a:srgbClr val="000000"/>
                   </a:solidFill>
@@ -35043,7 +35492,7 @@
             </a:ln>
             <a:extLst>
               <a:ext uri="{91240B29-F687-4f45-9708-019B960494DF}">
-                <a14:hiddenLine xmlns:a14="http://schemas.microsoft.com/office/drawing/2010/main" xmlns:dgm="http://schemas.openxmlformats.org/drawingml/2006/diagram" xmlns:p14="http://schemas.microsoft.com/office/powerpoint/2010/main" xmlns:a16="http://schemas.microsoft.com/office/drawing/2014/main" xmlns="" w="9525">
+                <a14:hiddenLine xmlns="" xmlns:a16="http://schemas.microsoft.com/office/drawing/2014/main" xmlns:p14="http://schemas.microsoft.com/office/powerpoint/2010/main" xmlns:dgm="http://schemas.openxmlformats.org/drawingml/2006/diagram" xmlns:a14="http://schemas.microsoft.com/office/drawing/2010/main" w="9525">
                   <a:solidFill>
                     <a:srgbClr val="000000"/>
                   </a:solidFill>
@@ -35148,7 +35597,7 @@
             </a:ln>
             <a:extLst>
               <a:ext uri="{91240B29-F687-4f45-9708-019B960494DF}">
-                <a14:hiddenLine xmlns:a14="http://schemas.microsoft.com/office/drawing/2010/main" xmlns:dgm="http://schemas.openxmlformats.org/drawingml/2006/diagram" xmlns:p14="http://schemas.microsoft.com/office/powerpoint/2010/main" xmlns:a16="http://schemas.microsoft.com/office/drawing/2014/main" xmlns="" w="9525">
+                <a14:hiddenLine xmlns="" xmlns:a16="http://schemas.microsoft.com/office/drawing/2014/main" xmlns:p14="http://schemas.microsoft.com/office/powerpoint/2010/main" xmlns:dgm="http://schemas.openxmlformats.org/drawingml/2006/diagram" xmlns:a14="http://schemas.microsoft.com/office/drawing/2010/main" w="9525">
                   <a:solidFill>
                     <a:srgbClr val="000000"/>
                   </a:solidFill>
@@ -35228,7 +35677,7 @@
             </a:ln>
             <a:extLst>
               <a:ext uri="{91240B29-F687-4f45-9708-019B960494DF}">
-                <a14:hiddenLine xmlns:a14="http://schemas.microsoft.com/office/drawing/2010/main" xmlns:dgm="http://schemas.openxmlformats.org/drawingml/2006/diagram" xmlns:p14="http://schemas.microsoft.com/office/powerpoint/2010/main" xmlns:a16="http://schemas.microsoft.com/office/drawing/2014/main" xmlns="" w="9525">
+                <a14:hiddenLine xmlns="" xmlns:a16="http://schemas.microsoft.com/office/drawing/2014/main" xmlns:p14="http://schemas.microsoft.com/office/powerpoint/2010/main" xmlns:dgm="http://schemas.openxmlformats.org/drawingml/2006/diagram" xmlns:a14="http://schemas.microsoft.com/office/drawing/2010/main" w="9525">
                   <a:solidFill>
                     <a:srgbClr val="000000"/>
                   </a:solidFill>
@@ -35363,7 +35812,7 @@
             </a:ln>
             <a:extLst>
               <a:ext uri="{91240B29-F687-4f45-9708-019B960494DF}">
-                <a14:hiddenLine xmlns:a14="http://schemas.microsoft.com/office/drawing/2010/main" xmlns:dgm="http://schemas.openxmlformats.org/drawingml/2006/diagram" xmlns:p14="http://schemas.microsoft.com/office/powerpoint/2010/main" xmlns:a16="http://schemas.microsoft.com/office/drawing/2014/main" xmlns="" w="9525">
+                <a14:hiddenLine xmlns="" xmlns:a16="http://schemas.microsoft.com/office/drawing/2014/main" xmlns:p14="http://schemas.microsoft.com/office/powerpoint/2010/main" xmlns:dgm="http://schemas.openxmlformats.org/drawingml/2006/diagram" xmlns:a14="http://schemas.microsoft.com/office/drawing/2010/main" w="9525">
                   <a:solidFill>
                     <a:srgbClr val="000000"/>
                   </a:solidFill>
@@ -35607,7 +36056,7 @@
             </a:ln>
             <a:extLst>
               <a:ext uri="{91240B29-F687-4f45-9708-019B960494DF}">
-                <a14:hiddenLine xmlns:a14="http://schemas.microsoft.com/office/drawing/2010/main" xmlns:dgm="http://schemas.openxmlformats.org/drawingml/2006/diagram" xmlns:p14="http://schemas.microsoft.com/office/powerpoint/2010/main" xmlns:a16="http://schemas.microsoft.com/office/drawing/2014/main" xmlns="" w="9525">
+                <a14:hiddenLine xmlns="" xmlns:a16="http://schemas.microsoft.com/office/drawing/2014/main" xmlns:p14="http://schemas.microsoft.com/office/powerpoint/2010/main" xmlns:dgm="http://schemas.openxmlformats.org/drawingml/2006/diagram" xmlns:a14="http://schemas.microsoft.com/office/drawing/2010/main" w="9525">
                   <a:solidFill>
                     <a:srgbClr val="000000"/>
                   </a:solidFill>
@@ -35737,7 +36186,7 @@
             </a:ln>
             <a:extLst>
               <a:ext uri="{91240B29-F687-4f45-9708-019B960494DF}">
-                <a14:hiddenLine xmlns:a14="http://schemas.microsoft.com/office/drawing/2010/main" xmlns:dgm="http://schemas.openxmlformats.org/drawingml/2006/diagram" xmlns:p14="http://schemas.microsoft.com/office/powerpoint/2010/main" xmlns:a16="http://schemas.microsoft.com/office/drawing/2014/main" xmlns="" w="9525">
+                <a14:hiddenLine xmlns="" xmlns:a16="http://schemas.microsoft.com/office/drawing/2014/main" xmlns:p14="http://schemas.microsoft.com/office/powerpoint/2010/main" xmlns:dgm="http://schemas.openxmlformats.org/drawingml/2006/diagram" xmlns:a14="http://schemas.microsoft.com/office/drawing/2010/main" w="9525">
                   <a:solidFill>
                     <a:srgbClr val="000000"/>
                   </a:solidFill>
@@ -35842,7 +36291,7 @@
             </a:ln>
             <a:extLst>
               <a:ext uri="{91240B29-F687-4f45-9708-019B960494DF}">
-                <a14:hiddenLine xmlns:a14="http://schemas.microsoft.com/office/drawing/2010/main" xmlns:dgm="http://schemas.openxmlformats.org/drawingml/2006/diagram" xmlns:p14="http://schemas.microsoft.com/office/powerpoint/2010/main" xmlns:a16="http://schemas.microsoft.com/office/drawing/2014/main" xmlns="" w="9525">
+                <a14:hiddenLine xmlns="" xmlns:a16="http://schemas.microsoft.com/office/drawing/2014/main" xmlns:p14="http://schemas.microsoft.com/office/powerpoint/2010/main" xmlns:dgm="http://schemas.openxmlformats.org/drawingml/2006/diagram" xmlns:a14="http://schemas.microsoft.com/office/drawing/2010/main" w="9525">
                   <a:solidFill>
                     <a:srgbClr val="000000"/>
                   </a:solidFill>
@@ -35922,7 +36371,7 @@
             </a:ln>
             <a:extLst>
               <a:ext uri="{91240B29-F687-4f45-9708-019B960494DF}">
-                <a14:hiddenLine xmlns:a14="http://schemas.microsoft.com/office/drawing/2010/main" xmlns:dgm="http://schemas.openxmlformats.org/drawingml/2006/diagram" xmlns:p14="http://schemas.microsoft.com/office/powerpoint/2010/main" xmlns:a16="http://schemas.microsoft.com/office/drawing/2014/main" xmlns="" w="9525">
+                <a14:hiddenLine xmlns="" xmlns:a16="http://schemas.microsoft.com/office/drawing/2014/main" xmlns:p14="http://schemas.microsoft.com/office/powerpoint/2010/main" xmlns:dgm="http://schemas.openxmlformats.org/drawingml/2006/diagram" xmlns:a14="http://schemas.microsoft.com/office/drawing/2010/main" w="9525">
                   <a:solidFill>
                     <a:srgbClr val="000000"/>
                   </a:solidFill>
@@ -36027,7 +36476,7 @@
             </a:ln>
             <a:extLst>
               <a:ext uri="{91240B29-F687-4f45-9708-019B960494DF}">
-                <a14:hiddenLine xmlns:a14="http://schemas.microsoft.com/office/drawing/2010/main" xmlns:dgm="http://schemas.openxmlformats.org/drawingml/2006/diagram" xmlns:p14="http://schemas.microsoft.com/office/powerpoint/2010/main" xmlns:a16="http://schemas.microsoft.com/office/drawing/2014/main" xmlns="" w="9525">
+                <a14:hiddenLine xmlns="" xmlns:a16="http://schemas.microsoft.com/office/drawing/2014/main" xmlns:p14="http://schemas.microsoft.com/office/powerpoint/2010/main" xmlns:dgm="http://schemas.openxmlformats.org/drawingml/2006/diagram" xmlns:a14="http://schemas.microsoft.com/office/drawing/2010/main" w="9525">
                   <a:solidFill>
                     <a:srgbClr val="000000"/>
                   </a:solidFill>
@@ -36110,7 +36559,7 @@
             </a:ln>
             <a:extLst>
               <a:ext uri="{91240B29-F687-4f45-9708-019B960494DF}">
-                <a14:hiddenLine xmlns:a14="http://schemas.microsoft.com/office/drawing/2010/main" xmlns:dgm="http://schemas.openxmlformats.org/drawingml/2006/diagram" xmlns:p14="http://schemas.microsoft.com/office/powerpoint/2010/main" xmlns:a16="http://schemas.microsoft.com/office/drawing/2014/main" xmlns="" w="9525">
+                <a14:hiddenLine xmlns="" xmlns:a16="http://schemas.microsoft.com/office/drawing/2014/main" xmlns:p14="http://schemas.microsoft.com/office/powerpoint/2010/main" xmlns:dgm="http://schemas.openxmlformats.org/drawingml/2006/diagram" xmlns:a14="http://schemas.microsoft.com/office/drawing/2010/main" w="9525">
                   <a:solidFill>
                     <a:srgbClr val="000000"/>
                   </a:solidFill>
@@ -36215,7 +36664,7 @@
             </a:ln>
             <a:extLst>
               <a:ext uri="{91240B29-F687-4f45-9708-019B960494DF}">
-                <a14:hiddenLine xmlns:a14="http://schemas.microsoft.com/office/drawing/2010/main" xmlns:dgm="http://schemas.openxmlformats.org/drawingml/2006/diagram" xmlns:p14="http://schemas.microsoft.com/office/powerpoint/2010/main" xmlns:a16="http://schemas.microsoft.com/office/drawing/2014/main" xmlns="" w="9525">
+                <a14:hiddenLine xmlns="" xmlns:a16="http://schemas.microsoft.com/office/drawing/2014/main" xmlns:p14="http://schemas.microsoft.com/office/powerpoint/2010/main" xmlns:dgm="http://schemas.openxmlformats.org/drawingml/2006/diagram" xmlns:a14="http://schemas.microsoft.com/office/drawing/2010/main" w="9525">
                   <a:solidFill>
                     <a:srgbClr val="000000"/>
                   </a:solidFill>
@@ -36298,7 +36747,7 @@
             </a:ln>
             <a:extLst>
               <a:ext uri="{91240B29-F687-4f45-9708-019B960494DF}">
-                <a14:hiddenLine xmlns:a14="http://schemas.microsoft.com/office/drawing/2010/main" xmlns:dgm="http://schemas.openxmlformats.org/drawingml/2006/diagram" xmlns:p14="http://schemas.microsoft.com/office/powerpoint/2010/main" xmlns:a16="http://schemas.microsoft.com/office/drawing/2014/main" xmlns="" w="9525">
+                <a14:hiddenLine xmlns="" xmlns:a16="http://schemas.microsoft.com/office/drawing/2014/main" xmlns:p14="http://schemas.microsoft.com/office/powerpoint/2010/main" xmlns:dgm="http://schemas.openxmlformats.org/drawingml/2006/diagram" xmlns:a14="http://schemas.microsoft.com/office/drawing/2010/main" w="9525">
                   <a:solidFill>
                     <a:srgbClr val="000000"/>
                   </a:solidFill>
@@ -36403,7 +36852,7 @@
             </a:ln>
             <a:extLst>
               <a:ext uri="{91240B29-F687-4f45-9708-019B960494DF}">
-                <a14:hiddenLine xmlns:a14="http://schemas.microsoft.com/office/drawing/2010/main" xmlns:dgm="http://schemas.openxmlformats.org/drawingml/2006/diagram" xmlns:p14="http://schemas.microsoft.com/office/powerpoint/2010/main" xmlns:a16="http://schemas.microsoft.com/office/drawing/2014/main" xmlns="" w="9525">
+                <a14:hiddenLine xmlns="" xmlns:a16="http://schemas.microsoft.com/office/drawing/2014/main" xmlns:p14="http://schemas.microsoft.com/office/powerpoint/2010/main" xmlns:dgm="http://schemas.openxmlformats.org/drawingml/2006/diagram" xmlns:a14="http://schemas.microsoft.com/office/drawing/2010/main" w="9525">
                   <a:solidFill>
                     <a:srgbClr val="000000"/>
                   </a:solidFill>
@@ -36452,7 +36901,7 @@
             </a:ln>
             <a:extLst>
               <a:ext uri="{91240B29-F687-4f45-9708-019B960494DF}">
-                <a14:hiddenLine xmlns:a14="http://schemas.microsoft.com/office/drawing/2010/main" xmlns:dgm="http://schemas.openxmlformats.org/drawingml/2006/diagram" xmlns:p14="http://schemas.microsoft.com/office/powerpoint/2010/main" xmlns:a16="http://schemas.microsoft.com/office/drawing/2014/main" xmlns="" w="9525">
+                <a14:hiddenLine xmlns="" xmlns:a16="http://schemas.microsoft.com/office/drawing/2014/main" xmlns:p14="http://schemas.microsoft.com/office/powerpoint/2010/main" xmlns:dgm="http://schemas.openxmlformats.org/drawingml/2006/diagram" xmlns:a14="http://schemas.microsoft.com/office/drawing/2010/main" w="9525">
                   <a:solidFill>
                     <a:srgbClr val="000000"/>
                   </a:solidFill>
@@ -36509,7 +36958,7 @@
 </p:sld>
 </file>
 
-<file path=ppt/slides/slide6.xml><?xml version="1.0" encoding="utf-8"?>
+<file path=ppt/slides/slide7.xml><?xml version="1.0" encoding="utf-8"?>
 <p:sld xmlns:a="http://schemas.openxmlformats.org/drawingml/2006/main" xmlns:r="http://schemas.openxmlformats.org/officeDocument/2006/relationships" xmlns:p="http://schemas.openxmlformats.org/presentationml/2006/main">
   <p:cSld>
     <p:bg>
@@ -36649,7 +37098,7 @@
           <a:noFill/>
           <a:extLst>
             <a:ext uri="{909E8E84-426E-40dd-AFC4-6F175D3DCCD1}">
-              <a14:hiddenFill xmlns:a14="http://schemas.microsoft.com/office/drawing/2010/main" xmlns:dgm="http://schemas.openxmlformats.org/drawingml/2006/diagram" xmlns:p14="http://schemas.microsoft.com/office/powerpoint/2010/main" xmlns:a16="http://schemas.microsoft.com/office/drawing/2014/main" xmlns="">
+              <a14:hiddenFill xmlns="" xmlns:a16="http://schemas.microsoft.com/office/drawing/2014/main" xmlns:p14="http://schemas.microsoft.com/office/powerpoint/2010/main" xmlns:dgm="http://schemas.openxmlformats.org/drawingml/2006/diagram" xmlns:a14="http://schemas.microsoft.com/office/drawing/2010/main">
                 <a:solidFill>
                   <a:srgbClr val="FFFFFF"/>
                 </a:solidFill>
@@ -36741,7 +37190,7 @@
             </a:ln>
             <a:extLst>
               <a:ext uri="{91240B29-F687-4f45-9708-019B960494DF}">
-                <a14:hiddenLine xmlns:a14="http://schemas.microsoft.com/office/drawing/2010/main" xmlns:dgm="http://schemas.openxmlformats.org/drawingml/2006/diagram" xmlns:p14="http://schemas.microsoft.com/office/powerpoint/2010/main" xmlns:a16="http://schemas.microsoft.com/office/drawing/2014/main" xmlns="" w="9525">
+                <a14:hiddenLine xmlns="" xmlns:a16="http://schemas.microsoft.com/office/drawing/2014/main" xmlns:p14="http://schemas.microsoft.com/office/powerpoint/2010/main" xmlns:dgm="http://schemas.openxmlformats.org/drawingml/2006/diagram" xmlns:a14="http://schemas.microsoft.com/office/drawing/2010/main" w="9525">
                   <a:solidFill>
                     <a:srgbClr val="000000"/>
                   </a:solidFill>
@@ -36846,7 +37295,7 @@
             </a:ln>
             <a:extLst>
               <a:ext uri="{91240B29-F687-4f45-9708-019B960494DF}">
-                <a14:hiddenLine xmlns:a14="http://schemas.microsoft.com/office/drawing/2010/main" xmlns:dgm="http://schemas.openxmlformats.org/drawingml/2006/diagram" xmlns:p14="http://schemas.microsoft.com/office/powerpoint/2010/main" xmlns:a16="http://schemas.microsoft.com/office/drawing/2014/main" xmlns="" w="9525">
+                <a14:hiddenLine xmlns="" xmlns:a16="http://schemas.microsoft.com/office/drawing/2014/main" xmlns:p14="http://schemas.microsoft.com/office/powerpoint/2010/main" xmlns:dgm="http://schemas.openxmlformats.org/drawingml/2006/diagram" xmlns:a14="http://schemas.microsoft.com/office/drawing/2010/main" w="9525">
                   <a:solidFill>
                     <a:srgbClr val="000000"/>
                   </a:solidFill>
@@ -36951,7 +37400,7 @@
             </a:ln>
             <a:extLst>
               <a:ext uri="{91240B29-F687-4f45-9708-019B960494DF}">
-                <a14:hiddenLine xmlns:a14="http://schemas.microsoft.com/office/drawing/2010/main" xmlns:dgm="http://schemas.openxmlformats.org/drawingml/2006/diagram" xmlns:p14="http://schemas.microsoft.com/office/powerpoint/2010/main" xmlns:a16="http://schemas.microsoft.com/office/drawing/2014/main" xmlns="" w="9525">
+                <a14:hiddenLine xmlns="" xmlns:a16="http://schemas.microsoft.com/office/drawing/2014/main" xmlns:p14="http://schemas.microsoft.com/office/powerpoint/2010/main" xmlns:dgm="http://schemas.openxmlformats.org/drawingml/2006/diagram" xmlns:a14="http://schemas.microsoft.com/office/drawing/2010/main" w="9525">
                   <a:solidFill>
                     <a:srgbClr val="000000"/>
                   </a:solidFill>
@@ -37028,7 +37477,7 @@
             </a:ln>
             <a:extLst>
               <a:ext uri="{91240B29-F687-4f45-9708-019B960494DF}">
-                <a14:hiddenLine xmlns:a14="http://schemas.microsoft.com/office/drawing/2010/main" xmlns:dgm="http://schemas.openxmlformats.org/drawingml/2006/diagram" xmlns:p14="http://schemas.microsoft.com/office/powerpoint/2010/main" xmlns:a16="http://schemas.microsoft.com/office/drawing/2014/main" xmlns="" w="9525">
+                <a14:hiddenLine xmlns="" xmlns:a16="http://schemas.microsoft.com/office/drawing/2014/main" xmlns:p14="http://schemas.microsoft.com/office/powerpoint/2010/main" xmlns:dgm="http://schemas.openxmlformats.org/drawingml/2006/diagram" xmlns:a14="http://schemas.microsoft.com/office/drawing/2010/main" w="9525">
                   <a:solidFill>
                     <a:srgbClr val="000000"/>
                   </a:solidFill>
@@ -37133,7 +37582,7 @@
             </a:ln>
             <a:extLst>
               <a:ext uri="{91240B29-F687-4f45-9708-019B960494DF}">
-                <a14:hiddenLine xmlns:a14="http://schemas.microsoft.com/office/drawing/2010/main" xmlns:dgm="http://schemas.openxmlformats.org/drawingml/2006/diagram" xmlns:p14="http://schemas.microsoft.com/office/powerpoint/2010/main" xmlns:a16="http://schemas.microsoft.com/office/drawing/2014/main" xmlns="" w="9525">
+                <a14:hiddenLine xmlns="" xmlns:a16="http://schemas.microsoft.com/office/drawing/2014/main" xmlns:p14="http://schemas.microsoft.com/office/powerpoint/2010/main" xmlns:dgm="http://schemas.openxmlformats.org/drawingml/2006/diagram" xmlns:a14="http://schemas.microsoft.com/office/drawing/2010/main" w="9525">
                   <a:solidFill>
                     <a:srgbClr val="000000"/>
                   </a:solidFill>
@@ -37210,7 +37659,7 @@
             </a:ln>
             <a:extLst>
               <a:ext uri="{91240B29-F687-4f45-9708-019B960494DF}">
-                <a14:hiddenLine xmlns:a14="http://schemas.microsoft.com/office/drawing/2010/main" xmlns:dgm="http://schemas.openxmlformats.org/drawingml/2006/diagram" xmlns:p14="http://schemas.microsoft.com/office/powerpoint/2010/main" xmlns:a16="http://schemas.microsoft.com/office/drawing/2014/main" xmlns="" w="9525">
+                <a14:hiddenLine xmlns="" xmlns:a16="http://schemas.microsoft.com/office/drawing/2014/main" xmlns:p14="http://schemas.microsoft.com/office/powerpoint/2010/main" xmlns:dgm="http://schemas.openxmlformats.org/drawingml/2006/diagram" xmlns:a14="http://schemas.microsoft.com/office/drawing/2010/main" w="9525">
                   <a:solidFill>
                     <a:srgbClr val="000000"/>
                   </a:solidFill>
@@ -37287,7 +37736,7 @@
             </a:ln>
             <a:extLst>
               <a:ext uri="{91240B29-F687-4f45-9708-019B960494DF}">
-                <a14:hiddenLine xmlns:a14="http://schemas.microsoft.com/office/drawing/2010/main" xmlns:dgm="http://schemas.openxmlformats.org/drawingml/2006/diagram" xmlns:p14="http://schemas.microsoft.com/office/powerpoint/2010/main" xmlns:a16="http://schemas.microsoft.com/office/drawing/2014/main" xmlns="" w="9525">
+                <a14:hiddenLine xmlns="" xmlns:a16="http://schemas.microsoft.com/office/drawing/2014/main" xmlns:p14="http://schemas.microsoft.com/office/powerpoint/2010/main" xmlns:dgm="http://schemas.openxmlformats.org/drawingml/2006/diagram" xmlns:a14="http://schemas.microsoft.com/office/drawing/2010/main" w="9525">
                   <a:solidFill>
                     <a:srgbClr val="000000"/>
                   </a:solidFill>
@@ -37392,7 +37841,7 @@
             </a:ln>
             <a:extLst>
               <a:ext uri="{91240B29-F687-4f45-9708-019B960494DF}">
-                <a14:hiddenLine xmlns:a14="http://schemas.microsoft.com/office/drawing/2010/main" xmlns:dgm="http://schemas.openxmlformats.org/drawingml/2006/diagram" xmlns:p14="http://schemas.microsoft.com/office/powerpoint/2010/main" xmlns:a16="http://schemas.microsoft.com/office/drawing/2014/main" xmlns="" w="9525">
+                <a14:hiddenLine xmlns="" xmlns:a16="http://schemas.microsoft.com/office/drawing/2014/main" xmlns:p14="http://schemas.microsoft.com/office/powerpoint/2010/main" xmlns:dgm="http://schemas.openxmlformats.org/drawingml/2006/diagram" xmlns:a14="http://schemas.microsoft.com/office/drawing/2010/main" w="9525">
                   <a:solidFill>
                     <a:srgbClr val="000000"/>
                   </a:solidFill>
@@ -37497,7 +37946,7 @@
             </a:ln>
             <a:extLst>
               <a:ext uri="{91240B29-F687-4f45-9708-019B960494DF}">
-                <a14:hiddenLine xmlns:a14="http://schemas.microsoft.com/office/drawing/2010/main" xmlns:dgm="http://schemas.openxmlformats.org/drawingml/2006/diagram" xmlns:p14="http://schemas.microsoft.com/office/powerpoint/2010/main" xmlns:a16="http://schemas.microsoft.com/office/drawing/2014/main" xmlns="" w="9525">
+                <a14:hiddenLine xmlns="" xmlns:a16="http://schemas.microsoft.com/office/drawing/2014/main" xmlns:p14="http://schemas.microsoft.com/office/powerpoint/2010/main" xmlns:dgm="http://schemas.openxmlformats.org/drawingml/2006/diagram" xmlns:a14="http://schemas.microsoft.com/office/drawing/2010/main" w="9525">
                   <a:solidFill>
                     <a:srgbClr val="000000"/>
                   </a:solidFill>
@@ -37574,7 +38023,7 @@
             </a:ln>
             <a:extLst>
               <a:ext uri="{91240B29-F687-4f45-9708-019B960494DF}">
-                <a14:hiddenLine xmlns:a14="http://schemas.microsoft.com/office/drawing/2010/main" xmlns:dgm="http://schemas.openxmlformats.org/drawingml/2006/diagram" xmlns:p14="http://schemas.microsoft.com/office/powerpoint/2010/main" xmlns:a16="http://schemas.microsoft.com/office/drawing/2014/main" xmlns="" w="9525">
+                <a14:hiddenLine xmlns="" xmlns:a16="http://schemas.microsoft.com/office/drawing/2014/main" xmlns:p14="http://schemas.microsoft.com/office/powerpoint/2010/main" xmlns:dgm="http://schemas.openxmlformats.org/drawingml/2006/diagram" xmlns:a14="http://schemas.microsoft.com/office/drawing/2010/main" w="9525">
                   <a:solidFill>
                     <a:srgbClr val="000000"/>
                   </a:solidFill>
@@ -37699,7 +38148,7 @@
             </a:ln>
             <a:extLst>
               <a:ext uri="{91240B29-F687-4f45-9708-019B960494DF}">
-                <a14:hiddenLine xmlns:a14="http://schemas.microsoft.com/office/drawing/2010/main" xmlns:dgm="http://schemas.openxmlformats.org/drawingml/2006/diagram" xmlns:p14="http://schemas.microsoft.com/office/powerpoint/2010/main" xmlns:a16="http://schemas.microsoft.com/office/drawing/2014/main" xmlns="" w="9525">
+                <a14:hiddenLine xmlns="" xmlns:a16="http://schemas.microsoft.com/office/drawing/2014/main" xmlns:p14="http://schemas.microsoft.com/office/powerpoint/2010/main" xmlns:dgm="http://schemas.openxmlformats.org/drawingml/2006/diagram" xmlns:a14="http://schemas.microsoft.com/office/drawing/2010/main" w="9525">
                   <a:solidFill>
                     <a:srgbClr val="000000"/>
                   </a:solidFill>
@@ -37813,7 +38262,7 @@
             </a:ln>
             <a:extLst>
               <a:ext uri="{91240B29-F687-4f45-9708-019B960494DF}">
-                <a14:hiddenLine xmlns:a14="http://schemas.microsoft.com/office/drawing/2010/main" xmlns:dgm="http://schemas.openxmlformats.org/drawingml/2006/diagram" xmlns:p14="http://schemas.microsoft.com/office/powerpoint/2010/main" xmlns:a16="http://schemas.microsoft.com/office/drawing/2014/main" xmlns="" w="9525">
+                <a14:hiddenLine xmlns="" xmlns:a16="http://schemas.microsoft.com/office/drawing/2014/main" xmlns:p14="http://schemas.microsoft.com/office/powerpoint/2010/main" xmlns:dgm="http://schemas.openxmlformats.org/drawingml/2006/diagram" xmlns:a14="http://schemas.microsoft.com/office/drawing/2010/main" w="9525">
                   <a:solidFill>
                     <a:srgbClr val="000000"/>
                   </a:solidFill>
@@ -37890,7 +38339,7 @@
             </a:ln>
             <a:extLst>
               <a:ext uri="{91240B29-F687-4f45-9708-019B960494DF}">
-                <a14:hiddenLine xmlns:a14="http://schemas.microsoft.com/office/drawing/2010/main" xmlns:dgm="http://schemas.openxmlformats.org/drawingml/2006/diagram" xmlns:p14="http://schemas.microsoft.com/office/powerpoint/2010/main" xmlns:a16="http://schemas.microsoft.com/office/drawing/2014/main" xmlns="" w="9525">
+                <a14:hiddenLine xmlns="" xmlns:a16="http://schemas.microsoft.com/office/drawing/2014/main" xmlns:p14="http://schemas.microsoft.com/office/powerpoint/2010/main" xmlns:dgm="http://schemas.openxmlformats.org/drawingml/2006/diagram" xmlns:a14="http://schemas.microsoft.com/office/drawing/2010/main" w="9525">
                   <a:solidFill>
                     <a:srgbClr val="000000"/>
                   </a:solidFill>
@@ -37967,7 +38416,7 @@
             </a:ln>
             <a:extLst>
               <a:ext uri="{91240B29-F687-4f45-9708-019B960494DF}">
-                <a14:hiddenLine xmlns:a14="http://schemas.microsoft.com/office/drawing/2010/main" xmlns:dgm="http://schemas.openxmlformats.org/drawingml/2006/diagram" xmlns:p14="http://schemas.microsoft.com/office/powerpoint/2010/main" xmlns:a16="http://schemas.microsoft.com/office/drawing/2014/main" xmlns="" w="9525">
+                <a14:hiddenLine xmlns="" xmlns:a16="http://schemas.microsoft.com/office/drawing/2014/main" xmlns:p14="http://schemas.microsoft.com/office/powerpoint/2010/main" xmlns:dgm="http://schemas.openxmlformats.org/drawingml/2006/diagram" xmlns:a14="http://schemas.microsoft.com/office/drawing/2010/main" w="9525">
                   <a:solidFill>
                     <a:srgbClr val="000000"/>
                   </a:solidFill>
@@ -38072,7 +38521,7 @@
             </a:ln>
             <a:extLst>
               <a:ext uri="{91240B29-F687-4f45-9708-019B960494DF}">
-                <a14:hiddenLine xmlns:a14="http://schemas.microsoft.com/office/drawing/2010/main" xmlns:dgm="http://schemas.openxmlformats.org/drawingml/2006/diagram" xmlns:p14="http://schemas.microsoft.com/office/powerpoint/2010/main" xmlns:a16="http://schemas.microsoft.com/office/drawing/2014/main" xmlns="" w="9525">
+                <a14:hiddenLine xmlns="" xmlns:a16="http://schemas.microsoft.com/office/drawing/2014/main" xmlns:p14="http://schemas.microsoft.com/office/powerpoint/2010/main" xmlns:dgm="http://schemas.openxmlformats.org/drawingml/2006/diagram" xmlns:a14="http://schemas.microsoft.com/office/drawing/2010/main" w="9525">
                   <a:solidFill>
                     <a:srgbClr val="000000"/>
                   </a:solidFill>
@@ -38121,7 +38570,7 @@
             </a:ln>
             <a:extLst>
               <a:ext uri="{91240B29-F687-4f45-9708-019B960494DF}">
-                <a14:hiddenLine xmlns:a14="http://schemas.microsoft.com/office/drawing/2010/main" xmlns:dgm="http://schemas.openxmlformats.org/drawingml/2006/diagram" xmlns:p14="http://schemas.microsoft.com/office/powerpoint/2010/main" xmlns:a16="http://schemas.microsoft.com/office/drawing/2014/main" xmlns="" w="9525">
+                <a14:hiddenLine xmlns="" xmlns:a16="http://schemas.microsoft.com/office/drawing/2014/main" xmlns:p14="http://schemas.microsoft.com/office/powerpoint/2010/main" xmlns:dgm="http://schemas.openxmlformats.org/drawingml/2006/diagram" xmlns:a14="http://schemas.microsoft.com/office/drawing/2010/main" w="9525">
                   <a:solidFill>
                     <a:srgbClr val="000000"/>
                   </a:solidFill>
@@ -38201,7 +38650,7 @@
             </a:ln>
             <a:extLst>
               <a:ext uri="{91240B29-F687-4f45-9708-019B960494DF}">
-                <a14:hiddenLine xmlns:a14="http://schemas.microsoft.com/office/drawing/2010/main" xmlns:dgm="http://schemas.openxmlformats.org/drawingml/2006/diagram" xmlns:p14="http://schemas.microsoft.com/office/powerpoint/2010/main" xmlns:a16="http://schemas.microsoft.com/office/drawing/2014/main" xmlns="" w="9525">
+                <a14:hiddenLine xmlns="" xmlns:a16="http://schemas.microsoft.com/office/drawing/2014/main" xmlns:p14="http://schemas.microsoft.com/office/powerpoint/2010/main" xmlns:dgm="http://schemas.openxmlformats.org/drawingml/2006/diagram" xmlns:a14="http://schemas.microsoft.com/office/drawing/2010/main" w="9525">
                   <a:solidFill>
                     <a:srgbClr val="000000"/>
                   </a:solidFill>
@@ -38306,7 +38755,7 @@
             </a:ln>
             <a:extLst>
               <a:ext uri="{91240B29-F687-4f45-9708-019B960494DF}">
-                <a14:hiddenLine xmlns:a14="http://schemas.microsoft.com/office/drawing/2010/main" xmlns:dgm="http://schemas.openxmlformats.org/drawingml/2006/diagram" xmlns:p14="http://schemas.microsoft.com/office/powerpoint/2010/main" xmlns:a16="http://schemas.microsoft.com/office/drawing/2014/main" xmlns="" w="9525">
+                <a14:hiddenLine xmlns="" xmlns:a16="http://schemas.microsoft.com/office/drawing/2014/main" xmlns:p14="http://schemas.microsoft.com/office/powerpoint/2010/main" xmlns:dgm="http://schemas.openxmlformats.org/drawingml/2006/diagram" xmlns:a14="http://schemas.microsoft.com/office/drawing/2010/main" w="9525">
                   <a:solidFill>
                     <a:srgbClr val="000000"/>
                   </a:solidFill>
@@ -38383,7 +38832,7 @@
             </a:ln>
             <a:extLst>
               <a:ext uri="{91240B29-F687-4f45-9708-019B960494DF}">
-                <a14:hiddenLine xmlns:a14="http://schemas.microsoft.com/office/drawing/2010/main" xmlns:dgm="http://schemas.openxmlformats.org/drawingml/2006/diagram" xmlns:p14="http://schemas.microsoft.com/office/powerpoint/2010/main" xmlns:a16="http://schemas.microsoft.com/office/drawing/2014/main" xmlns="" w="9525">
+                <a14:hiddenLine xmlns="" xmlns:a16="http://schemas.microsoft.com/office/drawing/2014/main" xmlns:p14="http://schemas.microsoft.com/office/powerpoint/2010/main" xmlns:dgm="http://schemas.openxmlformats.org/drawingml/2006/diagram" xmlns:a14="http://schemas.microsoft.com/office/drawing/2010/main" w="9525">
                   <a:solidFill>
                     <a:srgbClr val="000000"/>
                   </a:solidFill>
@@ -38488,7 +38937,7 @@
             </a:ln>
             <a:extLst>
               <a:ext uri="{91240B29-F687-4f45-9708-019B960494DF}">
-                <a14:hiddenLine xmlns:a14="http://schemas.microsoft.com/office/drawing/2010/main" xmlns:dgm="http://schemas.openxmlformats.org/drawingml/2006/diagram" xmlns:p14="http://schemas.microsoft.com/office/powerpoint/2010/main" xmlns:a16="http://schemas.microsoft.com/office/drawing/2014/main" xmlns="" w="9525">
+                <a14:hiddenLine xmlns="" xmlns:a16="http://schemas.microsoft.com/office/drawing/2014/main" xmlns:p14="http://schemas.microsoft.com/office/powerpoint/2010/main" xmlns:dgm="http://schemas.openxmlformats.org/drawingml/2006/diagram" xmlns:a14="http://schemas.microsoft.com/office/drawing/2010/main" w="9525">
                   <a:solidFill>
                     <a:srgbClr val="000000"/>
                   </a:solidFill>
@@ -38568,7 +39017,7 @@
             </a:ln>
             <a:extLst>
               <a:ext uri="{91240B29-F687-4f45-9708-019B960494DF}">
-                <a14:hiddenLine xmlns:a14="http://schemas.microsoft.com/office/drawing/2010/main" xmlns:dgm="http://schemas.openxmlformats.org/drawingml/2006/diagram" xmlns:p14="http://schemas.microsoft.com/office/powerpoint/2010/main" xmlns:a16="http://schemas.microsoft.com/office/drawing/2014/main" xmlns="" w="9525">
+                <a14:hiddenLine xmlns="" xmlns:a16="http://schemas.microsoft.com/office/drawing/2014/main" xmlns:p14="http://schemas.microsoft.com/office/powerpoint/2010/main" xmlns:dgm="http://schemas.openxmlformats.org/drawingml/2006/diagram" xmlns:a14="http://schemas.microsoft.com/office/drawing/2010/main" w="9525">
                   <a:solidFill>
                     <a:srgbClr val="000000"/>
                   </a:solidFill>
@@ -38645,7 +39094,7 @@
             </a:ln>
             <a:extLst>
               <a:ext uri="{91240B29-F687-4f45-9708-019B960494DF}">
-                <a14:hiddenLine xmlns:a14="http://schemas.microsoft.com/office/drawing/2010/main" xmlns:dgm="http://schemas.openxmlformats.org/drawingml/2006/diagram" xmlns:p14="http://schemas.microsoft.com/office/powerpoint/2010/main" xmlns:a16="http://schemas.microsoft.com/office/drawing/2014/main" xmlns="" w="9525">
+                <a14:hiddenLine xmlns="" xmlns:a16="http://schemas.microsoft.com/office/drawing/2014/main" xmlns:p14="http://schemas.microsoft.com/office/powerpoint/2010/main" xmlns:dgm="http://schemas.openxmlformats.org/drawingml/2006/diagram" xmlns:a14="http://schemas.microsoft.com/office/drawing/2010/main" w="9525">
                   <a:solidFill>
                     <a:srgbClr val="000000"/>
                   </a:solidFill>
@@ -38750,7 +39199,7 @@
             </a:ln>
             <a:extLst>
               <a:ext uri="{91240B29-F687-4f45-9708-019B960494DF}">
-                <a14:hiddenLine xmlns:a14="http://schemas.microsoft.com/office/drawing/2010/main" xmlns:dgm="http://schemas.openxmlformats.org/drawingml/2006/diagram" xmlns:p14="http://schemas.microsoft.com/office/powerpoint/2010/main" xmlns:a16="http://schemas.microsoft.com/office/drawing/2014/main" xmlns="" w="9525">
+                <a14:hiddenLine xmlns="" xmlns:a16="http://schemas.microsoft.com/office/drawing/2014/main" xmlns:p14="http://schemas.microsoft.com/office/powerpoint/2010/main" xmlns:dgm="http://schemas.openxmlformats.org/drawingml/2006/diagram" xmlns:a14="http://schemas.microsoft.com/office/drawing/2010/main" w="9525">
                   <a:solidFill>
                     <a:srgbClr val="000000"/>
                   </a:solidFill>
@@ -38855,7 +39304,7 @@
             </a:ln>
             <a:extLst>
               <a:ext uri="{91240B29-F687-4f45-9708-019B960494DF}">
-                <a14:hiddenLine xmlns:a14="http://schemas.microsoft.com/office/drawing/2010/main" xmlns:dgm="http://schemas.openxmlformats.org/drawingml/2006/diagram" xmlns:p14="http://schemas.microsoft.com/office/powerpoint/2010/main" xmlns:a16="http://schemas.microsoft.com/office/drawing/2014/main" xmlns="" w="9525">
+                <a14:hiddenLine xmlns="" xmlns:a16="http://schemas.microsoft.com/office/drawing/2014/main" xmlns:p14="http://schemas.microsoft.com/office/powerpoint/2010/main" xmlns:dgm="http://schemas.openxmlformats.org/drawingml/2006/diagram" xmlns:a14="http://schemas.microsoft.com/office/drawing/2010/main" w="9525">
                   <a:solidFill>
                     <a:srgbClr val="000000"/>
                   </a:solidFill>
@@ -38935,7 +39384,7 @@
             </a:ln>
             <a:extLst>
               <a:ext uri="{91240B29-F687-4f45-9708-019B960494DF}">
-                <a14:hiddenLine xmlns:a14="http://schemas.microsoft.com/office/drawing/2010/main" xmlns:dgm="http://schemas.openxmlformats.org/drawingml/2006/diagram" xmlns:p14="http://schemas.microsoft.com/office/powerpoint/2010/main" xmlns:a16="http://schemas.microsoft.com/office/drawing/2014/main" xmlns="" w="9525">
+                <a14:hiddenLine xmlns="" xmlns:a16="http://schemas.microsoft.com/office/drawing/2014/main" xmlns:p14="http://schemas.microsoft.com/office/powerpoint/2010/main" xmlns:dgm="http://schemas.openxmlformats.org/drawingml/2006/diagram" xmlns:a14="http://schemas.microsoft.com/office/drawing/2010/main" w="9525">
                   <a:solidFill>
                     <a:srgbClr val="000000"/>
                   </a:solidFill>
@@ -39070,7 +39519,7 @@
             </a:ln>
             <a:extLst>
               <a:ext uri="{91240B29-F687-4f45-9708-019B960494DF}">
-                <a14:hiddenLine xmlns:a14="http://schemas.microsoft.com/office/drawing/2010/main" xmlns:dgm="http://schemas.openxmlformats.org/drawingml/2006/diagram" xmlns:p14="http://schemas.microsoft.com/office/powerpoint/2010/main" xmlns:a16="http://schemas.microsoft.com/office/drawing/2014/main" xmlns="" w="9525">
+                <a14:hiddenLine xmlns="" xmlns:a16="http://schemas.microsoft.com/office/drawing/2014/main" xmlns:p14="http://schemas.microsoft.com/office/powerpoint/2010/main" xmlns:dgm="http://schemas.openxmlformats.org/drawingml/2006/diagram" xmlns:a14="http://schemas.microsoft.com/office/drawing/2010/main" w="9525">
                   <a:solidFill>
                     <a:srgbClr val="000000"/>
                   </a:solidFill>
@@ -39314,7 +39763,7 @@
             </a:ln>
             <a:extLst>
               <a:ext uri="{91240B29-F687-4f45-9708-019B960494DF}">
-                <a14:hiddenLine xmlns:a14="http://schemas.microsoft.com/office/drawing/2010/main" xmlns:dgm="http://schemas.openxmlformats.org/drawingml/2006/diagram" xmlns:p14="http://schemas.microsoft.com/office/powerpoint/2010/main" xmlns:a16="http://schemas.microsoft.com/office/drawing/2014/main" xmlns="" w="9525">
+                <a14:hiddenLine xmlns="" xmlns:a16="http://schemas.microsoft.com/office/drawing/2014/main" xmlns:p14="http://schemas.microsoft.com/office/powerpoint/2010/main" xmlns:dgm="http://schemas.openxmlformats.org/drawingml/2006/diagram" xmlns:a14="http://schemas.microsoft.com/office/drawing/2010/main" w="9525">
                   <a:solidFill>
                     <a:srgbClr val="000000"/>
                   </a:solidFill>
@@ -39444,7 +39893,7 @@
             </a:ln>
             <a:extLst>
               <a:ext uri="{91240B29-F687-4f45-9708-019B960494DF}">
-                <a14:hiddenLine xmlns:a14="http://schemas.microsoft.com/office/drawing/2010/main" xmlns:dgm="http://schemas.openxmlformats.org/drawingml/2006/diagram" xmlns:p14="http://schemas.microsoft.com/office/powerpoint/2010/main" xmlns:a16="http://schemas.microsoft.com/office/drawing/2014/main" xmlns="" w="9525">
+                <a14:hiddenLine xmlns="" xmlns:a16="http://schemas.microsoft.com/office/drawing/2014/main" xmlns:p14="http://schemas.microsoft.com/office/powerpoint/2010/main" xmlns:dgm="http://schemas.openxmlformats.org/drawingml/2006/diagram" xmlns:a14="http://schemas.microsoft.com/office/drawing/2010/main" w="9525">
                   <a:solidFill>
                     <a:srgbClr val="000000"/>
                   </a:solidFill>
@@ -39549,7 +39998,7 @@
             </a:ln>
             <a:extLst>
               <a:ext uri="{91240B29-F687-4f45-9708-019B960494DF}">
-                <a14:hiddenLine xmlns:a14="http://schemas.microsoft.com/office/drawing/2010/main" xmlns:dgm="http://schemas.openxmlformats.org/drawingml/2006/diagram" xmlns:p14="http://schemas.microsoft.com/office/powerpoint/2010/main" xmlns:a16="http://schemas.microsoft.com/office/drawing/2014/main" xmlns="" w="9525">
+                <a14:hiddenLine xmlns="" xmlns:a16="http://schemas.microsoft.com/office/drawing/2014/main" xmlns:p14="http://schemas.microsoft.com/office/powerpoint/2010/main" xmlns:dgm="http://schemas.openxmlformats.org/drawingml/2006/diagram" xmlns:a14="http://schemas.microsoft.com/office/drawing/2010/main" w="9525">
                   <a:solidFill>
                     <a:srgbClr val="000000"/>
                   </a:solidFill>
@@ -39629,7 +40078,7 @@
             </a:ln>
             <a:extLst>
               <a:ext uri="{91240B29-F687-4f45-9708-019B960494DF}">
-                <a14:hiddenLine xmlns:a14="http://schemas.microsoft.com/office/drawing/2010/main" xmlns:dgm="http://schemas.openxmlformats.org/drawingml/2006/diagram" xmlns:p14="http://schemas.microsoft.com/office/powerpoint/2010/main" xmlns:a16="http://schemas.microsoft.com/office/drawing/2014/main" xmlns="" w="9525">
+                <a14:hiddenLine xmlns="" xmlns:a16="http://schemas.microsoft.com/office/drawing/2014/main" xmlns:p14="http://schemas.microsoft.com/office/powerpoint/2010/main" xmlns:dgm="http://schemas.openxmlformats.org/drawingml/2006/diagram" xmlns:a14="http://schemas.microsoft.com/office/drawing/2010/main" w="9525">
                   <a:solidFill>
                     <a:srgbClr val="000000"/>
                   </a:solidFill>
@@ -39734,7 +40183,7 @@
             </a:ln>
             <a:extLst>
               <a:ext uri="{91240B29-F687-4f45-9708-019B960494DF}">
-                <a14:hiddenLine xmlns:a14="http://schemas.microsoft.com/office/drawing/2010/main" xmlns:dgm="http://schemas.openxmlformats.org/drawingml/2006/diagram" xmlns:p14="http://schemas.microsoft.com/office/powerpoint/2010/main" xmlns:a16="http://schemas.microsoft.com/office/drawing/2014/main" xmlns="" w="9525">
+                <a14:hiddenLine xmlns="" xmlns:a16="http://schemas.microsoft.com/office/drawing/2014/main" xmlns:p14="http://schemas.microsoft.com/office/powerpoint/2010/main" xmlns:dgm="http://schemas.openxmlformats.org/drawingml/2006/diagram" xmlns:a14="http://schemas.microsoft.com/office/drawing/2010/main" w="9525">
                   <a:solidFill>
                     <a:srgbClr val="000000"/>
                   </a:solidFill>
@@ -39817,7 +40266,7 @@
             </a:ln>
             <a:extLst>
               <a:ext uri="{91240B29-F687-4f45-9708-019B960494DF}">
-                <a14:hiddenLine xmlns:a14="http://schemas.microsoft.com/office/drawing/2010/main" xmlns:dgm="http://schemas.openxmlformats.org/drawingml/2006/diagram" xmlns:p14="http://schemas.microsoft.com/office/powerpoint/2010/main" xmlns:a16="http://schemas.microsoft.com/office/drawing/2014/main" xmlns="" w="9525">
+                <a14:hiddenLine xmlns="" xmlns:a16="http://schemas.microsoft.com/office/drawing/2014/main" xmlns:p14="http://schemas.microsoft.com/office/powerpoint/2010/main" xmlns:dgm="http://schemas.openxmlformats.org/drawingml/2006/diagram" xmlns:a14="http://schemas.microsoft.com/office/drawing/2010/main" w="9525">
                   <a:solidFill>
                     <a:srgbClr val="000000"/>
                   </a:solidFill>
@@ -39922,7 +40371,7 @@
             </a:ln>
             <a:extLst>
               <a:ext uri="{91240B29-F687-4f45-9708-019B960494DF}">
-                <a14:hiddenLine xmlns:a14="http://schemas.microsoft.com/office/drawing/2010/main" xmlns:dgm="http://schemas.openxmlformats.org/drawingml/2006/diagram" xmlns:p14="http://schemas.microsoft.com/office/powerpoint/2010/main" xmlns:a16="http://schemas.microsoft.com/office/drawing/2014/main" xmlns="" w="9525">
+                <a14:hiddenLine xmlns="" xmlns:a16="http://schemas.microsoft.com/office/drawing/2014/main" xmlns:p14="http://schemas.microsoft.com/office/powerpoint/2010/main" xmlns:dgm="http://schemas.openxmlformats.org/drawingml/2006/diagram" xmlns:a14="http://schemas.microsoft.com/office/drawing/2010/main" w="9525">
                   <a:solidFill>
                     <a:srgbClr val="000000"/>
                   </a:solidFill>
@@ -40005,7 +40454,7 @@
             </a:ln>
             <a:extLst>
               <a:ext uri="{91240B29-F687-4f45-9708-019B960494DF}">
-                <a14:hiddenLine xmlns:a14="http://schemas.microsoft.com/office/drawing/2010/main" xmlns:dgm="http://schemas.openxmlformats.org/drawingml/2006/diagram" xmlns:p14="http://schemas.microsoft.com/office/powerpoint/2010/main" xmlns:a16="http://schemas.microsoft.com/office/drawing/2014/main" xmlns="" w="9525">
+                <a14:hiddenLine xmlns="" xmlns:a16="http://schemas.microsoft.com/office/drawing/2014/main" xmlns:p14="http://schemas.microsoft.com/office/powerpoint/2010/main" xmlns:dgm="http://schemas.openxmlformats.org/drawingml/2006/diagram" xmlns:a14="http://schemas.microsoft.com/office/drawing/2010/main" w="9525">
                   <a:solidFill>
                     <a:srgbClr val="000000"/>
                   </a:solidFill>
@@ -40110,7 +40559,7 @@
             </a:ln>
             <a:extLst>
               <a:ext uri="{91240B29-F687-4f45-9708-019B960494DF}">
-                <a14:hiddenLine xmlns:a14="http://schemas.microsoft.com/office/drawing/2010/main" xmlns:dgm="http://schemas.openxmlformats.org/drawingml/2006/diagram" xmlns:p14="http://schemas.microsoft.com/office/powerpoint/2010/main" xmlns:a16="http://schemas.microsoft.com/office/drawing/2014/main" xmlns="" w="9525">
+                <a14:hiddenLine xmlns="" xmlns:a16="http://schemas.microsoft.com/office/drawing/2014/main" xmlns:p14="http://schemas.microsoft.com/office/powerpoint/2010/main" xmlns:dgm="http://schemas.openxmlformats.org/drawingml/2006/diagram" xmlns:a14="http://schemas.microsoft.com/office/drawing/2010/main" w="9525">
                   <a:solidFill>
                     <a:srgbClr val="000000"/>
                   </a:solidFill>
@@ -40159,7 +40608,7 @@
             </a:ln>
             <a:extLst>
               <a:ext uri="{91240B29-F687-4f45-9708-019B960494DF}">
-                <a14:hiddenLine xmlns:a14="http://schemas.microsoft.com/office/drawing/2010/main" xmlns:dgm="http://schemas.openxmlformats.org/drawingml/2006/diagram" xmlns:p14="http://schemas.microsoft.com/office/powerpoint/2010/main" xmlns:a16="http://schemas.microsoft.com/office/drawing/2014/main" xmlns="" w="9525">
+                <a14:hiddenLine xmlns="" xmlns:a16="http://schemas.microsoft.com/office/drawing/2014/main" xmlns:p14="http://schemas.microsoft.com/office/powerpoint/2010/main" xmlns:dgm="http://schemas.openxmlformats.org/drawingml/2006/diagram" xmlns:a14="http://schemas.microsoft.com/office/drawing/2010/main" w="9525">
                   <a:solidFill>
                     <a:srgbClr val="000000"/>
                   </a:solidFill>
@@ -40216,7 +40665,7 @@
 </p:sld>
 </file>
 
-<file path=ppt/slides/slide7.xml><?xml version="1.0" encoding="utf-8"?>
+<file path=ppt/slides/slide8.xml><?xml version="1.0" encoding="utf-8"?>
 <p:sld xmlns:a="http://schemas.openxmlformats.org/drawingml/2006/main" xmlns:r="http://schemas.openxmlformats.org/officeDocument/2006/relationships" xmlns:p="http://schemas.openxmlformats.org/presentationml/2006/main">
   <p:cSld>
     <p:spTree>
@@ -40294,7 +40743,7 @@
         </p:blipFill>
         <p:spPr>
           <a:xfrm>
-            <a:off x="6528685" y="2686404"/>
+            <a:off x="6481274" y="2563826"/>
             <a:ext cx="1730347" cy="1730347"/>
           </a:xfrm>
           <a:prstGeom prst="rect">
@@ -40346,7 +40795,7 @@
         </p:nvSpPr>
         <p:spPr>
           <a:xfrm>
-            <a:off x="3502053" y="4522024"/>
+            <a:off x="3502053" y="4473726"/>
             <a:ext cx="2217210" cy="430887"/>
           </a:xfrm>
           <a:prstGeom prst="rect">
@@ -40382,7 +40831,7 @@
         </p:nvSpPr>
         <p:spPr>
           <a:xfrm>
-            <a:off x="7123591" y="4577960"/>
+            <a:off x="7076180" y="4473727"/>
             <a:ext cx="540533" cy="430887"/>
           </a:xfrm>
           <a:prstGeom prst="rect">
@@ -40416,7 +40865,7 @@
 </p:sld>
 </file>
 
-<file path=ppt/slides/slide8.xml><?xml version="1.0" encoding="utf-8"?>
+<file path=ppt/slides/slide9.xml><?xml version="1.0" encoding="utf-8"?>
 <p:sld xmlns:a="http://schemas.openxmlformats.org/drawingml/2006/main" xmlns:r="http://schemas.openxmlformats.org/officeDocument/2006/relationships" xmlns:p="http://schemas.openxmlformats.org/presentationml/2006/main">
   <p:cSld>
     <p:bg>
@@ -40601,7 +41050,7 @@
             <a:noFill/>
             <a:extLst>
               <a:ext uri="{909E8E84-426E-40dd-AFC4-6F175D3DCCD1}">
-                <a14:hiddenFill xmlns:p14="http://schemas.microsoft.com/office/powerpoint/2010/main" xmlns:a14="http://schemas.microsoft.com/office/drawing/2010/main" xmlns:a16="http://schemas.microsoft.com/office/drawing/2014/main" xmlns="">
+                <a14:hiddenFill xmlns="" xmlns:a16="http://schemas.microsoft.com/office/drawing/2014/main" xmlns:a14="http://schemas.microsoft.com/office/drawing/2010/main" xmlns:p14="http://schemas.microsoft.com/office/powerpoint/2010/main">
                   <a:solidFill>
                     <a:srgbClr val="FFFFFF"/>
                   </a:solidFill>
@@ -40749,7 +41198,7 @@
             </a:ln>
             <a:extLst>
               <a:ext uri="{91240B29-F687-4f45-9708-019B960494DF}">
-                <a14:hiddenLine xmlns:p14="http://schemas.microsoft.com/office/powerpoint/2010/main" xmlns:a14="http://schemas.microsoft.com/office/drawing/2010/main" xmlns:a16="http://schemas.microsoft.com/office/drawing/2014/main" xmlns="" w="9525">
+                <a14:hiddenLine xmlns="" xmlns:a16="http://schemas.microsoft.com/office/drawing/2014/main" xmlns:a14="http://schemas.microsoft.com/office/drawing/2010/main" xmlns:p14="http://schemas.microsoft.com/office/powerpoint/2010/main" w="9525">
                   <a:solidFill>
                     <a:srgbClr val="000000"/>
                   </a:solidFill>
@@ -40854,7 +41303,7 @@
             </a:ln>
             <a:extLst>
               <a:ext uri="{91240B29-F687-4f45-9708-019B960494DF}">
-                <a14:hiddenLine xmlns:p14="http://schemas.microsoft.com/office/powerpoint/2010/main" xmlns:a14="http://schemas.microsoft.com/office/drawing/2010/main" xmlns:a16="http://schemas.microsoft.com/office/drawing/2014/main" xmlns="" w="9525">
+                <a14:hiddenLine xmlns="" xmlns:a16="http://schemas.microsoft.com/office/drawing/2014/main" xmlns:a14="http://schemas.microsoft.com/office/drawing/2010/main" xmlns:p14="http://schemas.microsoft.com/office/powerpoint/2010/main" w="9525">
                   <a:solidFill>
                     <a:srgbClr val="000000"/>
                   </a:solidFill>
@@ -40959,7 +41408,7 @@
             </a:ln>
             <a:extLst>
               <a:ext uri="{91240B29-F687-4f45-9708-019B960494DF}">
-                <a14:hiddenLine xmlns:p14="http://schemas.microsoft.com/office/powerpoint/2010/main" xmlns:a14="http://schemas.microsoft.com/office/drawing/2010/main" xmlns:a16="http://schemas.microsoft.com/office/drawing/2014/main" xmlns="" w="9525">
+                <a14:hiddenLine xmlns="" xmlns:a16="http://schemas.microsoft.com/office/drawing/2014/main" xmlns:a14="http://schemas.microsoft.com/office/drawing/2010/main" xmlns:p14="http://schemas.microsoft.com/office/powerpoint/2010/main" w="9525">
                   <a:solidFill>
                     <a:srgbClr val="000000"/>
                   </a:solidFill>
@@ -41008,7 +41457,7 @@
             </a:ln>
             <a:extLst>
               <a:ext uri="{91240B29-F687-4f45-9708-019B960494DF}">
-                <a14:hiddenLine xmlns:p14="http://schemas.microsoft.com/office/powerpoint/2010/main" xmlns:a14="http://schemas.microsoft.com/office/drawing/2010/main" xmlns:a16="http://schemas.microsoft.com/office/drawing/2014/main" xmlns="" w="9525">
+                <a14:hiddenLine xmlns="" xmlns:a16="http://schemas.microsoft.com/office/drawing/2014/main" xmlns:a14="http://schemas.microsoft.com/office/drawing/2010/main" xmlns:p14="http://schemas.microsoft.com/office/powerpoint/2010/main" w="9525">
                   <a:solidFill>
                     <a:srgbClr val="000000"/>
                   </a:solidFill>
@@ -41113,7 +41562,7 @@
             </a:ln>
             <a:extLst>
               <a:ext uri="{91240B29-F687-4f45-9708-019B960494DF}">
-                <a14:hiddenLine xmlns:p14="http://schemas.microsoft.com/office/powerpoint/2010/main" xmlns:a14="http://schemas.microsoft.com/office/drawing/2010/main" xmlns:a16="http://schemas.microsoft.com/office/drawing/2014/main" xmlns="" w="9525">
+                <a14:hiddenLine xmlns="" xmlns:a16="http://schemas.microsoft.com/office/drawing/2014/main" xmlns:a14="http://schemas.microsoft.com/office/drawing/2010/main" xmlns:p14="http://schemas.microsoft.com/office/powerpoint/2010/main" w="9525">
                   <a:solidFill>
                     <a:srgbClr val="000000"/>
                   </a:solidFill>
@@ -41190,7 +41639,7 @@
             </a:ln>
             <a:extLst>
               <a:ext uri="{91240B29-F687-4f45-9708-019B960494DF}">
-                <a14:hiddenLine xmlns:p14="http://schemas.microsoft.com/office/powerpoint/2010/main" xmlns:a14="http://schemas.microsoft.com/office/drawing/2010/main" xmlns:a16="http://schemas.microsoft.com/office/drawing/2014/main" xmlns="" w="9525">
+                <a14:hiddenLine xmlns="" xmlns:a16="http://schemas.microsoft.com/office/drawing/2014/main" xmlns:a14="http://schemas.microsoft.com/office/drawing/2010/main" xmlns:p14="http://schemas.microsoft.com/office/powerpoint/2010/main" w="9525">
                   <a:solidFill>
                     <a:srgbClr val="000000"/>
                   </a:solidFill>
@@ -41267,7 +41716,7 @@
             </a:ln>
             <a:extLst>
               <a:ext uri="{91240B29-F687-4f45-9708-019B960494DF}">
-                <a14:hiddenLine xmlns:p14="http://schemas.microsoft.com/office/powerpoint/2010/main" xmlns:a14="http://schemas.microsoft.com/office/drawing/2010/main" xmlns:a16="http://schemas.microsoft.com/office/drawing/2014/main" xmlns="" w="9525">
+                <a14:hiddenLine xmlns="" xmlns:a16="http://schemas.microsoft.com/office/drawing/2014/main" xmlns:a14="http://schemas.microsoft.com/office/drawing/2010/main" xmlns:p14="http://schemas.microsoft.com/office/powerpoint/2010/main" w="9525">
                   <a:solidFill>
                     <a:srgbClr val="000000"/>
                   </a:solidFill>
@@ -41372,7 +41821,7 @@
             </a:ln>
             <a:extLst>
               <a:ext uri="{91240B29-F687-4f45-9708-019B960494DF}">
-                <a14:hiddenLine xmlns:p14="http://schemas.microsoft.com/office/powerpoint/2010/main" xmlns:a14="http://schemas.microsoft.com/office/drawing/2010/main" xmlns:a16="http://schemas.microsoft.com/office/drawing/2014/main" xmlns="" w="9525">
+                <a14:hiddenLine xmlns="" xmlns:a16="http://schemas.microsoft.com/office/drawing/2014/main" xmlns:a14="http://schemas.microsoft.com/office/drawing/2010/main" xmlns:p14="http://schemas.microsoft.com/office/powerpoint/2010/main" w="9525">
                   <a:solidFill>
                     <a:srgbClr val="000000"/>
                   </a:solidFill>
@@ -41449,7 +41898,7 @@
             </a:ln>
             <a:extLst>
               <a:ext uri="{91240B29-F687-4f45-9708-019B960494DF}">
-                <a14:hiddenLine xmlns:p14="http://schemas.microsoft.com/office/powerpoint/2010/main" xmlns:a14="http://schemas.microsoft.com/office/drawing/2010/main" xmlns:a16="http://schemas.microsoft.com/office/drawing/2014/main" xmlns="" w="9525">
+                <a14:hiddenLine xmlns="" xmlns:a16="http://schemas.microsoft.com/office/drawing/2014/main" xmlns:a14="http://schemas.microsoft.com/office/drawing/2010/main" xmlns:p14="http://schemas.microsoft.com/office/powerpoint/2010/main" w="9525">
                   <a:solidFill>
                     <a:srgbClr val="000000"/>
                   </a:solidFill>
@@ -41526,7 +41975,7 @@
             </a:ln>
             <a:extLst>
               <a:ext uri="{91240B29-F687-4f45-9708-019B960494DF}">
-                <a14:hiddenLine xmlns:p14="http://schemas.microsoft.com/office/powerpoint/2010/main" xmlns:a14="http://schemas.microsoft.com/office/drawing/2010/main" xmlns:a16="http://schemas.microsoft.com/office/drawing/2014/main" xmlns="" w="9525">
+                <a14:hiddenLine xmlns="" xmlns:a16="http://schemas.microsoft.com/office/drawing/2014/main" xmlns:a14="http://schemas.microsoft.com/office/drawing/2010/main" xmlns:p14="http://schemas.microsoft.com/office/powerpoint/2010/main" w="9525">
                   <a:solidFill>
                     <a:srgbClr val="000000"/>
                   </a:solidFill>
@@ -41631,7 +42080,7 @@
             </a:ln>
             <a:extLst>
               <a:ext uri="{91240B29-F687-4f45-9708-019B960494DF}">
-                <a14:hiddenLine xmlns:p14="http://schemas.microsoft.com/office/powerpoint/2010/main" xmlns:a14="http://schemas.microsoft.com/office/drawing/2010/main" xmlns:a16="http://schemas.microsoft.com/office/drawing/2014/main" xmlns="" w="9525">
+                <a14:hiddenLine xmlns="" xmlns:a16="http://schemas.microsoft.com/office/drawing/2014/main" xmlns:a14="http://schemas.microsoft.com/office/drawing/2010/main" xmlns:p14="http://schemas.microsoft.com/office/powerpoint/2010/main" w="9525">
                   <a:solidFill>
                     <a:srgbClr val="000000"/>
                   </a:solidFill>
@@ -41736,7 +42185,7 @@
             </a:ln>
             <a:extLst>
               <a:ext uri="{91240B29-F687-4f45-9708-019B960494DF}">
-                <a14:hiddenLine xmlns:p14="http://schemas.microsoft.com/office/powerpoint/2010/main" xmlns:a14="http://schemas.microsoft.com/office/drawing/2010/main" xmlns:a16="http://schemas.microsoft.com/office/drawing/2014/main" xmlns="" w="9525">
+                <a14:hiddenLine xmlns="" xmlns:a16="http://schemas.microsoft.com/office/drawing/2014/main" xmlns:a14="http://schemas.microsoft.com/office/drawing/2010/main" xmlns:p14="http://schemas.microsoft.com/office/powerpoint/2010/main" w="9525">
                   <a:solidFill>
                     <a:srgbClr val="000000"/>
                   </a:solidFill>
@@ -41813,7 +42262,7 @@
             </a:ln>
             <a:extLst>
               <a:ext uri="{91240B29-F687-4f45-9708-019B960494DF}">
-                <a14:hiddenLine xmlns:p14="http://schemas.microsoft.com/office/powerpoint/2010/main" xmlns:a14="http://schemas.microsoft.com/office/drawing/2010/main" xmlns:a16="http://schemas.microsoft.com/office/drawing/2014/main" xmlns="" w="9525">
+                <a14:hiddenLine xmlns="" xmlns:a16="http://schemas.microsoft.com/office/drawing/2014/main" xmlns:a14="http://schemas.microsoft.com/office/drawing/2010/main" xmlns:p14="http://schemas.microsoft.com/office/powerpoint/2010/main" w="9525">
                   <a:solidFill>
                     <a:srgbClr val="000000"/>
                   </a:solidFill>
@@ -41938,7 +42387,7 @@
             </a:ln>
             <a:extLst>
               <a:ext uri="{91240B29-F687-4f45-9708-019B960494DF}">
-                <a14:hiddenLine xmlns:p14="http://schemas.microsoft.com/office/powerpoint/2010/main" xmlns:a14="http://schemas.microsoft.com/office/drawing/2010/main" xmlns:a16="http://schemas.microsoft.com/office/drawing/2014/main" xmlns="" w="9525">
+                <a14:hiddenLine xmlns="" xmlns:a16="http://schemas.microsoft.com/office/drawing/2014/main" xmlns:a14="http://schemas.microsoft.com/office/drawing/2010/main" xmlns:p14="http://schemas.microsoft.com/office/powerpoint/2010/main" w="9525">
                   <a:solidFill>
                     <a:srgbClr val="000000"/>
                   </a:solidFill>
@@ -42015,7 +42464,7 @@
             </a:ln>
             <a:extLst>
               <a:ext uri="{91240B29-F687-4f45-9708-019B960494DF}">
-                <a14:hiddenLine xmlns:p14="http://schemas.microsoft.com/office/powerpoint/2010/main" xmlns:a14="http://schemas.microsoft.com/office/drawing/2010/main" xmlns:a16="http://schemas.microsoft.com/office/drawing/2014/main" xmlns="" w="9525">
+                <a14:hiddenLine xmlns="" xmlns:a16="http://schemas.microsoft.com/office/drawing/2014/main" xmlns:a14="http://schemas.microsoft.com/office/drawing/2010/main" xmlns:p14="http://schemas.microsoft.com/office/powerpoint/2010/main" w="9525">
                   <a:solidFill>
                     <a:srgbClr val="000000"/>
                   </a:solidFill>
@@ -42120,7 +42569,7 @@
             </a:ln>
             <a:extLst>
               <a:ext uri="{91240B29-F687-4f45-9708-019B960494DF}">
-                <a14:hiddenLine xmlns:p14="http://schemas.microsoft.com/office/powerpoint/2010/main" xmlns:a14="http://schemas.microsoft.com/office/drawing/2010/main" xmlns:a16="http://schemas.microsoft.com/office/drawing/2014/main" xmlns="" w="9525">
+                <a14:hiddenLine xmlns="" xmlns:a16="http://schemas.microsoft.com/office/drawing/2014/main" xmlns:a14="http://schemas.microsoft.com/office/drawing/2010/main" xmlns:p14="http://schemas.microsoft.com/office/powerpoint/2010/main" w="9525">
                   <a:solidFill>
                     <a:srgbClr val="000000"/>
                   </a:solidFill>
@@ -42225,7 +42674,7 @@
             </a:ln>
             <a:extLst>
               <a:ext uri="{91240B29-F687-4f45-9708-019B960494DF}">
-                <a14:hiddenLine xmlns:p14="http://schemas.microsoft.com/office/powerpoint/2010/main" xmlns:a14="http://schemas.microsoft.com/office/drawing/2010/main" xmlns:a16="http://schemas.microsoft.com/office/drawing/2014/main" xmlns="" w="9525">
+                <a14:hiddenLine xmlns="" xmlns:a16="http://schemas.microsoft.com/office/drawing/2014/main" xmlns:a14="http://schemas.microsoft.com/office/drawing/2010/main" xmlns:p14="http://schemas.microsoft.com/office/powerpoint/2010/main" w="9525">
                   <a:solidFill>
                     <a:srgbClr val="000000"/>
                   </a:solidFill>
@@ -42302,7 +42751,7 @@
             </a:ln>
             <a:extLst>
               <a:ext uri="{91240B29-F687-4f45-9708-019B960494DF}">
-                <a14:hiddenLine xmlns:p14="http://schemas.microsoft.com/office/powerpoint/2010/main" xmlns:a14="http://schemas.microsoft.com/office/drawing/2010/main" xmlns:a16="http://schemas.microsoft.com/office/drawing/2014/main" xmlns="" w="9525">
+                <a14:hiddenLine xmlns="" xmlns:a16="http://schemas.microsoft.com/office/drawing/2014/main" xmlns:a14="http://schemas.microsoft.com/office/drawing/2010/main" xmlns:p14="http://schemas.microsoft.com/office/powerpoint/2010/main" w="9525">
                   <a:solidFill>
                     <a:srgbClr val="000000"/>
                   </a:solidFill>
@@ -42407,7 +42856,7 @@
             </a:ln>
             <a:extLst>
               <a:ext uri="{91240B29-F687-4f45-9708-019B960494DF}">
-                <a14:hiddenLine xmlns:p14="http://schemas.microsoft.com/office/powerpoint/2010/main" xmlns:a14="http://schemas.microsoft.com/office/drawing/2010/main" xmlns:a16="http://schemas.microsoft.com/office/drawing/2014/main" xmlns="" w="9525">
+                <a14:hiddenLine xmlns="" xmlns:a16="http://schemas.microsoft.com/office/drawing/2014/main" xmlns:a14="http://schemas.microsoft.com/office/drawing/2010/main" xmlns:p14="http://schemas.microsoft.com/office/powerpoint/2010/main" w="9525">
                   <a:solidFill>
                     <a:srgbClr val="000000"/>
                   </a:solidFill>
@@ -42512,7 +42961,7 @@
             </a:ln>
             <a:extLst>
               <a:ext uri="{91240B29-F687-4f45-9708-019B960494DF}">
-                <a14:hiddenLine xmlns:p14="http://schemas.microsoft.com/office/powerpoint/2010/main" xmlns:a14="http://schemas.microsoft.com/office/drawing/2010/main" xmlns:a16="http://schemas.microsoft.com/office/drawing/2014/main" xmlns="" w="9525">
+                <a14:hiddenLine xmlns="" xmlns:a16="http://schemas.microsoft.com/office/drawing/2014/main" xmlns:a14="http://schemas.microsoft.com/office/drawing/2010/main" xmlns:p14="http://schemas.microsoft.com/office/powerpoint/2010/main" w="9525">
                   <a:solidFill>
                     <a:srgbClr val="000000"/>
                   </a:solidFill>
@@ -42583,7 +43032,7 @@
             </a:ln>
             <a:extLst>
               <a:ext uri="{91240B29-F687-4f45-9708-019B960494DF}">
-                <a14:hiddenLine xmlns:p14="http://schemas.microsoft.com/office/powerpoint/2010/main" xmlns:a14="http://schemas.microsoft.com/office/drawing/2010/main" xmlns:a16="http://schemas.microsoft.com/office/drawing/2014/main" xmlns="" w="9525">
+                <a14:hiddenLine xmlns="" xmlns:a16="http://schemas.microsoft.com/office/drawing/2014/main" xmlns:a14="http://schemas.microsoft.com/office/drawing/2010/main" xmlns:p14="http://schemas.microsoft.com/office/powerpoint/2010/main" w="9525">
                   <a:solidFill>
                     <a:srgbClr val="000000"/>
                   </a:solidFill>
@@ -42688,7 +43137,7 @@
             </a:ln>
             <a:extLst>
               <a:ext uri="{91240B29-F687-4f45-9708-019B960494DF}">
-                <a14:hiddenLine xmlns:p14="http://schemas.microsoft.com/office/powerpoint/2010/main" xmlns:a14="http://schemas.microsoft.com/office/drawing/2010/main" xmlns:a16="http://schemas.microsoft.com/office/drawing/2014/main" xmlns="" w="9525">
+                <a14:hiddenLine xmlns="" xmlns:a16="http://schemas.microsoft.com/office/drawing/2014/main" xmlns:a14="http://schemas.microsoft.com/office/drawing/2010/main" xmlns:p14="http://schemas.microsoft.com/office/powerpoint/2010/main" w="9525">
                   <a:solidFill>
                     <a:srgbClr val="000000"/>
                   </a:solidFill>
@@ -42759,7 +43208,7 @@
             </a:ln>
             <a:extLst>
               <a:ext uri="{91240B29-F687-4f45-9708-019B960494DF}">
-                <a14:hiddenLine xmlns:p14="http://schemas.microsoft.com/office/powerpoint/2010/main" xmlns:a14="http://schemas.microsoft.com/office/drawing/2010/main" xmlns:a16="http://schemas.microsoft.com/office/drawing/2014/main" xmlns="" w="9525">
+                <a14:hiddenLine xmlns="" xmlns:a16="http://schemas.microsoft.com/office/drawing/2014/main" xmlns:a14="http://schemas.microsoft.com/office/drawing/2010/main" xmlns:p14="http://schemas.microsoft.com/office/powerpoint/2010/main" w="9525">
                   <a:solidFill>
                     <a:srgbClr val="000000"/>
                   </a:solidFill>
@@ -42864,7 +43313,7 @@
             </a:ln>
             <a:extLst>
               <a:ext uri="{91240B29-F687-4f45-9708-019B960494DF}">
-                <a14:hiddenLine xmlns:p14="http://schemas.microsoft.com/office/powerpoint/2010/main" xmlns:a14="http://schemas.microsoft.com/office/drawing/2010/main" xmlns:a16="http://schemas.microsoft.com/office/drawing/2014/main" xmlns="" w="9525">
+                <a14:hiddenLine xmlns="" xmlns:a16="http://schemas.microsoft.com/office/drawing/2014/main" xmlns:a14="http://schemas.microsoft.com/office/drawing/2010/main" xmlns:p14="http://schemas.microsoft.com/office/powerpoint/2010/main" w="9525">
                   <a:solidFill>
                     <a:srgbClr val="000000"/>
                   </a:solidFill>
@@ -42947,7 +43396,7 @@
             </a:ln>
             <a:extLst>
               <a:ext uri="{91240B29-F687-4f45-9708-019B960494DF}">
-                <a14:hiddenLine xmlns:p14="http://schemas.microsoft.com/office/powerpoint/2010/main" xmlns:a14="http://schemas.microsoft.com/office/drawing/2010/main" xmlns:a16="http://schemas.microsoft.com/office/drawing/2014/main" xmlns="" w="9525">
+                <a14:hiddenLine xmlns="" xmlns:a16="http://schemas.microsoft.com/office/drawing/2014/main" xmlns:a14="http://schemas.microsoft.com/office/drawing/2010/main" xmlns:p14="http://schemas.microsoft.com/office/powerpoint/2010/main" w="9525">
                   <a:solidFill>
                     <a:srgbClr val="000000"/>
                   </a:solidFill>
@@ -43052,7 +43501,7 @@
             </a:ln>
             <a:extLst>
               <a:ext uri="{91240B29-F687-4f45-9708-019B960494DF}">
-                <a14:hiddenLine xmlns:p14="http://schemas.microsoft.com/office/powerpoint/2010/main" xmlns:a14="http://schemas.microsoft.com/office/drawing/2010/main" xmlns:a16="http://schemas.microsoft.com/office/drawing/2014/main" xmlns="" w="9525">
+                <a14:hiddenLine xmlns="" xmlns:a16="http://schemas.microsoft.com/office/drawing/2014/main" xmlns:a14="http://schemas.microsoft.com/office/drawing/2010/main" xmlns:p14="http://schemas.microsoft.com/office/powerpoint/2010/main" w="9525">
                   <a:solidFill>
                     <a:srgbClr val="000000"/>
                   </a:solidFill>
@@ -43135,7 +43584,7 @@
             </a:ln>
             <a:extLst>
               <a:ext uri="{91240B29-F687-4f45-9708-019B960494DF}">
-                <a14:hiddenLine xmlns:p14="http://schemas.microsoft.com/office/powerpoint/2010/main" xmlns:a14="http://schemas.microsoft.com/office/drawing/2010/main" xmlns:a16="http://schemas.microsoft.com/office/drawing/2014/main" xmlns="" w="9525">
+                <a14:hiddenLine xmlns="" xmlns:a16="http://schemas.microsoft.com/office/drawing/2014/main" xmlns:a14="http://schemas.microsoft.com/office/drawing/2010/main" xmlns:p14="http://schemas.microsoft.com/office/powerpoint/2010/main" w="9525">
                   <a:solidFill>
                     <a:srgbClr val="000000"/>
                   </a:solidFill>
@@ -43240,7 +43689,7 @@
             </a:ln>
             <a:extLst>
               <a:ext uri="{91240B29-F687-4f45-9708-019B960494DF}">
-                <a14:hiddenLine xmlns:p14="http://schemas.microsoft.com/office/powerpoint/2010/main" xmlns:a14="http://schemas.microsoft.com/office/drawing/2010/main" xmlns:a16="http://schemas.microsoft.com/office/drawing/2014/main" xmlns="" w="9525">
+                <a14:hiddenLine xmlns="" xmlns:a16="http://schemas.microsoft.com/office/drawing/2014/main" xmlns:a14="http://schemas.microsoft.com/office/drawing/2010/main" xmlns:p14="http://schemas.microsoft.com/office/powerpoint/2010/main" w="9525">
                   <a:solidFill>
                     <a:srgbClr val="000000"/>
                   </a:solidFill>
@@ -43289,7 +43738,7 @@
             </a:ln>
             <a:extLst>
               <a:ext uri="{91240B29-F687-4f45-9708-019B960494DF}">
-                <a14:hiddenLine xmlns:p14="http://schemas.microsoft.com/office/powerpoint/2010/main" xmlns:a14="http://schemas.microsoft.com/office/drawing/2010/main" xmlns:a16="http://schemas.microsoft.com/office/drawing/2014/main" xmlns="" w="9525">
+                <a14:hiddenLine xmlns="" xmlns:a16="http://schemas.microsoft.com/office/drawing/2014/main" xmlns:a14="http://schemas.microsoft.com/office/drawing/2010/main" xmlns:p14="http://schemas.microsoft.com/office/powerpoint/2010/main" w="9525">
                   <a:solidFill>
                     <a:srgbClr val="000000"/>
                   </a:solidFill>
@@ -43394,7 +43843,7 @@
             </a:ln>
             <a:extLst>
               <a:ext uri="{91240B29-F687-4f45-9708-019B960494DF}">
-                <a14:hiddenLine xmlns:p14="http://schemas.microsoft.com/office/powerpoint/2010/main" xmlns:a14="http://schemas.microsoft.com/office/drawing/2010/main" xmlns:a16="http://schemas.microsoft.com/office/drawing/2014/main" xmlns="" w="9525">
+                <a14:hiddenLine xmlns="" xmlns:a16="http://schemas.microsoft.com/office/drawing/2014/main" xmlns:a14="http://schemas.microsoft.com/office/drawing/2010/main" xmlns:p14="http://schemas.microsoft.com/office/powerpoint/2010/main" w="9525">
                   <a:solidFill>
                     <a:srgbClr val="000000"/>
                   </a:solidFill>
@@ -43471,7 +43920,7 @@
             </a:ln>
             <a:extLst>
               <a:ext uri="{91240B29-F687-4f45-9708-019B960494DF}">
-                <a14:hiddenLine xmlns:p14="http://schemas.microsoft.com/office/powerpoint/2010/main" xmlns:a14="http://schemas.microsoft.com/office/drawing/2010/main" xmlns:a16="http://schemas.microsoft.com/office/drawing/2014/main" xmlns="" w="9525">
+                <a14:hiddenLine xmlns="" xmlns:a16="http://schemas.microsoft.com/office/drawing/2014/main" xmlns:a14="http://schemas.microsoft.com/office/drawing/2010/main" xmlns:p14="http://schemas.microsoft.com/office/powerpoint/2010/main" w="9525">
                   <a:solidFill>
                     <a:srgbClr val="000000"/>
                   </a:solidFill>
@@ -43548,7 +43997,7 @@
             </a:ln>
             <a:extLst>
               <a:ext uri="{91240B29-F687-4f45-9708-019B960494DF}">
-                <a14:hiddenLine xmlns:p14="http://schemas.microsoft.com/office/powerpoint/2010/main" xmlns:a14="http://schemas.microsoft.com/office/drawing/2010/main" xmlns:a16="http://schemas.microsoft.com/office/drawing/2014/main" xmlns="" w="9525">
+                <a14:hiddenLine xmlns="" xmlns:a16="http://schemas.microsoft.com/office/drawing/2014/main" xmlns:a14="http://schemas.microsoft.com/office/drawing/2010/main" xmlns:p14="http://schemas.microsoft.com/office/powerpoint/2010/main" w="9525">
                   <a:solidFill>
                     <a:srgbClr val="000000"/>
                   </a:solidFill>
@@ -43653,7 +44102,7 @@
             </a:ln>
             <a:extLst>
               <a:ext uri="{91240B29-F687-4f45-9708-019B960494DF}">
-                <a14:hiddenLine xmlns:p14="http://schemas.microsoft.com/office/powerpoint/2010/main" xmlns:a14="http://schemas.microsoft.com/office/drawing/2010/main" xmlns:a16="http://schemas.microsoft.com/office/drawing/2014/main" xmlns="" w="9525">
+                <a14:hiddenLine xmlns="" xmlns:a16="http://schemas.microsoft.com/office/drawing/2014/main" xmlns:a14="http://schemas.microsoft.com/office/drawing/2010/main" xmlns:p14="http://schemas.microsoft.com/office/powerpoint/2010/main" w="9525">
                   <a:solidFill>
                     <a:srgbClr val="000000"/>
                   </a:solidFill>
@@ -43736,7 +44185,7 @@
             </a:ln>
             <a:extLst>
               <a:ext uri="{91240B29-F687-4f45-9708-019B960494DF}">
-                <a14:hiddenLine xmlns:p14="http://schemas.microsoft.com/office/powerpoint/2010/main" xmlns:a14="http://schemas.microsoft.com/office/drawing/2010/main" xmlns:a16="http://schemas.microsoft.com/office/drawing/2014/main" xmlns="" w="9525">
+                <a14:hiddenLine xmlns="" xmlns:a16="http://schemas.microsoft.com/office/drawing/2014/main" xmlns:a14="http://schemas.microsoft.com/office/drawing/2010/main" xmlns:p14="http://schemas.microsoft.com/office/powerpoint/2010/main" w="9525">
                   <a:solidFill>
                     <a:srgbClr val="000000"/>
                   </a:solidFill>
@@ -43813,7 +44262,7 @@
             </a:ln>
             <a:extLst>
               <a:ext uri="{91240B29-F687-4f45-9708-019B960494DF}">
-                <a14:hiddenLine xmlns:p14="http://schemas.microsoft.com/office/powerpoint/2010/main" xmlns:a14="http://schemas.microsoft.com/office/drawing/2010/main" xmlns:a16="http://schemas.microsoft.com/office/drawing/2014/main" xmlns="" w="9525">
+                <a14:hiddenLine xmlns="" xmlns:a16="http://schemas.microsoft.com/office/drawing/2014/main" xmlns:a14="http://schemas.microsoft.com/office/drawing/2010/main" xmlns:p14="http://schemas.microsoft.com/office/powerpoint/2010/main" w="9525">
                   <a:solidFill>
                     <a:srgbClr val="000000"/>
                   </a:solidFill>
@@ -43918,7 +44367,7 @@
             </a:ln>
             <a:extLst>
               <a:ext uri="{91240B29-F687-4f45-9708-019B960494DF}">
-                <a14:hiddenLine xmlns:p14="http://schemas.microsoft.com/office/powerpoint/2010/main" xmlns:a14="http://schemas.microsoft.com/office/drawing/2010/main" xmlns:a16="http://schemas.microsoft.com/office/drawing/2014/main" xmlns="" w="9525">
+                <a14:hiddenLine xmlns="" xmlns:a16="http://schemas.microsoft.com/office/drawing/2014/main" xmlns:a14="http://schemas.microsoft.com/office/drawing/2010/main" xmlns:p14="http://schemas.microsoft.com/office/powerpoint/2010/main" w="9525">
                   <a:solidFill>
                     <a:srgbClr val="000000"/>
                   </a:solidFill>
@@ -43995,7 +44444,7 @@
             </a:ln>
             <a:extLst>
               <a:ext uri="{91240B29-F687-4f45-9708-019B960494DF}">
-                <a14:hiddenLine xmlns:p14="http://schemas.microsoft.com/office/powerpoint/2010/main" xmlns:a14="http://schemas.microsoft.com/office/drawing/2010/main" xmlns:a16="http://schemas.microsoft.com/office/drawing/2014/main" xmlns="" w="9525">
+                <a14:hiddenLine xmlns="" xmlns:a16="http://schemas.microsoft.com/office/drawing/2014/main" xmlns:a14="http://schemas.microsoft.com/office/drawing/2010/main" xmlns:p14="http://schemas.microsoft.com/office/powerpoint/2010/main" w="9525">
                   <a:solidFill>
                     <a:srgbClr val="000000"/>
                   </a:solidFill>
@@ -44100,7 +44549,7 @@
             </a:ln>
             <a:extLst>
               <a:ext uri="{91240B29-F687-4f45-9708-019B960494DF}">
-                <a14:hiddenLine xmlns:p14="http://schemas.microsoft.com/office/powerpoint/2010/main" xmlns:a14="http://schemas.microsoft.com/office/drawing/2010/main" xmlns:a16="http://schemas.microsoft.com/office/drawing/2014/main" xmlns="" w="9525">
+                <a14:hiddenLine xmlns="" xmlns:a16="http://schemas.microsoft.com/office/drawing/2014/main" xmlns:a14="http://schemas.microsoft.com/office/drawing/2010/main" xmlns:p14="http://schemas.microsoft.com/office/powerpoint/2010/main" w="9525">
                   <a:solidFill>
                     <a:srgbClr val="000000"/>
                   </a:solidFill>
@@ -44177,7 +44626,7 @@
             </a:ln>
             <a:extLst>
               <a:ext uri="{91240B29-F687-4f45-9708-019B960494DF}">
-                <a14:hiddenLine xmlns:p14="http://schemas.microsoft.com/office/powerpoint/2010/main" xmlns:a14="http://schemas.microsoft.com/office/drawing/2010/main" xmlns:a16="http://schemas.microsoft.com/office/drawing/2014/main" xmlns="" w="9525">
+                <a14:hiddenLine xmlns="" xmlns:a16="http://schemas.microsoft.com/office/drawing/2014/main" xmlns:a14="http://schemas.microsoft.com/office/drawing/2010/main" xmlns:p14="http://schemas.microsoft.com/office/powerpoint/2010/main" w="9525">
                   <a:solidFill>
                     <a:srgbClr val="000000"/>
                   </a:solidFill>
@@ -44282,7 +44731,7 @@
             </a:ln>
             <a:extLst>
               <a:ext uri="{91240B29-F687-4f45-9708-019B960494DF}">
-                <a14:hiddenLine xmlns:p14="http://schemas.microsoft.com/office/powerpoint/2010/main" xmlns:a14="http://schemas.microsoft.com/office/drawing/2010/main" xmlns:a16="http://schemas.microsoft.com/office/drawing/2014/main" xmlns="" w="9525">
+                <a14:hiddenLine xmlns="" xmlns:a16="http://schemas.microsoft.com/office/drawing/2014/main" xmlns:a14="http://schemas.microsoft.com/office/drawing/2010/main" xmlns:p14="http://schemas.microsoft.com/office/powerpoint/2010/main" w="9525">
                   <a:solidFill>
                     <a:srgbClr val="000000"/>
                   </a:solidFill>
@@ -44331,7 +44780,7 @@
             </a:ln>
             <a:extLst>
               <a:ext uri="{91240B29-F687-4f45-9708-019B960494DF}">
-                <a14:hiddenLine xmlns:p14="http://schemas.microsoft.com/office/powerpoint/2010/main" xmlns:a14="http://schemas.microsoft.com/office/drawing/2010/main" xmlns:a16="http://schemas.microsoft.com/office/drawing/2014/main" xmlns="" w="9525">
+                <a14:hiddenLine xmlns="" xmlns:a16="http://schemas.microsoft.com/office/drawing/2014/main" xmlns:a14="http://schemas.microsoft.com/office/drawing/2010/main" xmlns:p14="http://schemas.microsoft.com/office/powerpoint/2010/main" w="9525">
                   <a:solidFill>
                     <a:srgbClr val="000000"/>
                   </a:solidFill>
@@ -44411,7 +44860,7 @@
             </a:ln>
             <a:extLst>
               <a:ext uri="{91240B29-F687-4f45-9708-019B960494DF}">
-                <a14:hiddenLine xmlns:p14="http://schemas.microsoft.com/office/powerpoint/2010/main" xmlns:a14="http://schemas.microsoft.com/office/drawing/2010/main" xmlns:a16="http://schemas.microsoft.com/office/drawing/2014/main" xmlns="" w="9525">
+                <a14:hiddenLine xmlns="" xmlns:a16="http://schemas.microsoft.com/office/drawing/2014/main" xmlns:a14="http://schemas.microsoft.com/office/drawing/2010/main" xmlns:p14="http://schemas.microsoft.com/office/powerpoint/2010/main" w="9525">
                   <a:solidFill>
                     <a:srgbClr val="000000"/>
                   </a:solidFill>
@@ -44516,7 +44965,7 @@
             </a:ln>
             <a:extLst>
               <a:ext uri="{91240B29-F687-4f45-9708-019B960494DF}">
-                <a14:hiddenLine xmlns:p14="http://schemas.microsoft.com/office/powerpoint/2010/main" xmlns:a14="http://schemas.microsoft.com/office/drawing/2010/main" xmlns:a16="http://schemas.microsoft.com/office/drawing/2014/main" xmlns="" w="9525">
+                <a14:hiddenLine xmlns="" xmlns:a16="http://schemas.microsoft.com/office/drawing/2014/main" xmlns:a14="http://schemas.microsoft.com/office/drawing/2010/main" xmlns:p14="http://schemas.microsoft.com/office/powerpoint/2010/main" w="9525">
                   <a:solidFill>
                     <a:srgbClr val="000000"/>
                   </a:solidFill>
@@ -44593,7 +45042,7 @@
             </a:ln>
             <a:extLst>
               <a:ext uri="{91240B29-F687-4f45-9708-019B960494DF}">
-                <a14:hiddenLine xmlns:p14="http://schemas.microsoft.com/office/powerpoint/2010/main" xmlns:a14="http://schemas.microsoft.com/office/drawing/2010/main" xmlns:a16="http://schemas.microsoft.com/office/drawing/2014/main" xmlns="" w="9525">
+                <a14:hiddenLine xmlns="" xmlns:a16="http://schemas.microsoft.com/office/drawing/2014/main" xmlns:a14="http://schemas.microsoft.com/office/drawing/2010/main" xmlns:p14="http://schemas.microsoft.com/office/powerpoint/2010/main" w="9525">
                   <a:solidFill>
                     <a:srgbClr val="000000"/>
                   </a:solidFill>
@@ -44698,7 +45147,7 @@
             </a:ln>
             <a:extLst>
               <a:ext uri="{91240B29-F687-4f45-9708-019B960494DF}">
-                <a14:hiddenLine xmlns:p14="http://schemas.microsoft.com/office/powerpoint/2010/main" xmlns:a14="http://schemas.microsoft.com/office/drawing/2010/main" xmlns:a16="http://schemas.microsoft.com/office/drawing/2014/main" xmlns="" w="9525">
+                <a14:hiddenLine xmlns="" xmlns:a16="http://schemas.microsoft.com/office/drawing/2014/main" xmlns:a14="http://schemas.microsoft.com/office/drawing/2010/main" xmlns:p14="http://schemas.microsoft.com/office/powerpoint/2010/main" w="9525">
                   <a:solidFill>
                     <a:srgbClr val="000000"/>
                   </a:solidFill>
@@ -44803,7 +45252,7 @@
             </a:ln>
             <a:extLst>
               <a:ext uri="{91240B29-F687-4f45-9708-019B960494DF}">
-                <a14:hiddenLine xmlns:p14="http://schemas.microsoft.com/office/powerpoint/2010/main" xmlns:a14="http://schemas.microsoft.com/office/drawing/2010/main" xmlns:a16="http://schemas.microsoft.com/office/drawing/2014/main" xmlns="" w="9525">
+                <a14:hiddenLine xmlns="" xmlns:a16="http://schemas.microsoft.com/office/drawing/2014/main" xmlns:a14="http://schemas.microsoft.com/office/drawing/2010/main" xmlns:p14="http://schemas.microsoft.com/office/powerpoint/2010/main" w="9525">
                   <a:solidFill>
                     <a:srgbClr val="000000"/>
                   </a:solidFill>
@@ -44883,7 +45332,7 @@
             </a:ln>
             <a:extLst>
               <a:ext uri="{91240B29-F687-4f45-9708-019B960494DF}">
-                <a14:hiddenLine xmlns:p14="http://schemas.microsoft.com/office/powerpoint/2010/main" xmlns:a14="http://schemas.microsoft.com/office/drawing/2010/main" xmlns:a16="http://schemas.microsoft.com/office/drawing/2014/main" xmlns="" w="9525">
+                <a14:hiddenLine xmlns="" xmlns:a16="http://schemas.microsoft.com/office/drawing/2014/main" xmlns:a14="http://schemas.microsoft.com/office/drawing/2010/main" xmlns:p14="http://schemas.microsoft.com/office/powerpoint/2010/main" w="9525">
                   <a:solidFill>
                     <a:srgbClr val="000000"/>
                   </a:solidFill>
@@ -44960,7 +45409,7 @@
             </a:ln>
             <a:extLst>
               <a:ext uri="{91240B29-F687-4f45-9708-019B960494DF}">
-                <a14:hiddenLine xmlns:p14="http://schemas.microsoft.com/office/powerpoint/2010/main" xmlns:a14="http://schemas.microsoft.com/office/drawing/2010/main" xmlns:a16="http://schemas.microsoft.com/office/drawing/2014/main" xmlns="" w="9525">
+                <a14:hiddenLine xmlns="" xmlns:a16="http://schemas.microsoft.com/office/drawing/2014/main" xmlns:a14="http://schemas.microsoft.com/office/drawing/2010/main" xmlns:p14="http://schemas.microsoft.com/office/powerpoint/2010/main" w="9525">
                   <a:solidFill>
                     <a:srgbClr val="000000"/>
                   </a:solidFill>
@@ -45065,7 +45514,7 @@
             </a:ln>
             <a:extLst>
               <a:ext uri="{91240B29-F687-4f45-9708-019B960494DF}">
-                <a14:hiddenLine xmlns:p14="http://schemas.microsoft.com/office/powerpoint/2010/main" xmlns:a14="http://schemas.microsoft.com/office/drawing/2010/main" xmlns:a16="http://schemas.microsoft.com/office/drawing/2014/main" xmlns="" w="9525">
+                <a14:hiddenLine xmlns="" xmlns:a16="http://schemas.microsoft.com/office/drawing/2014/main" xmlns:a14="http://schemas.microsoft.com/office/drawing/2010/main" xmlns:p14="http://schemas.microsoft.com/office/powerpoint/2010/main" w="9525">
                   <a:solidFill>
                     <a:srgbClr val="000000"/>
                   </a:solidFill>
@@ -45170,7 +45619,7 @@
             </a:ln>
             <a:extLst>
               <a:ext uri="{91240B29-F687-4f45-9708-019B960494DF}">
-                <a14:hiddenLine xmlns:p14="http://schemas.microsoft.com/office/powerpoint/2010/main" xmlns:a14="http://schemas.microsoft.com/office/drawing/2010/main" xmlns:a16="http://schemas.microsoft.com/office/drawing/2014/main" xmlns="" w="9525">
+                <a14:hiddenLine xmlns="" xmlns:a16="http://schemas.microsoft.com/office/drawing/2014/main" xmlns:a14="http://schemas.microsoft.com/office/drawing/2010/main" xmlns:p14="http://schemas.microsoft.com/office/powerpoint/2010/main" w="9525">
                   <a:solidFill>
                     <a:srgbClr val="000000"/>
                   </a:solidFill>
@@ -45247,7 +45696,7 @@
             </a:ln>
             <a:extLst>
               <a:ext uri="{91240B29-F687-4f45-9708-019B960494DF}">
-                <a14:hiddenLine xmlns:p14="http://schemas.microsoft.com/office/powerpoint/2010/main" xmlns:a14="http://schemas.microsoft.com/office/drawing/2010/main" xmlns:a16="http://schemas.microsoft.com/office/drawing/2014/main" xmlns="" w="9525">
+                <a14:hiddenLine xmlns="" xmlns:a16="http://schemas.microsoft.com/office/drawing/2014/main" xmlns:a14="http://schemas.microsoft.com/office/drawing/2010/main" xmlns:p14="http://schemas.microsoft.com/office/powerpoint/2010/main" w="9525">
                   <a:solidFill>
                     <a:srgbClr val="000000"/>
                   </a:solidFill>
@@ -45382,7 +45831,7 @@
             </a:ln>
             <a:extLst>
               <a:ext uri="{91240B29-F687-4f45-9708-019B960494DF}">
-                <a14:hiddenLine xmlns:p14="http://schemas.microsoft.com/office/powerpoint/2010/main" xmlns:a14="http://schemas.microsoft.com/office/drawing/2010/main" xmlns:a16="http://schemas.microsoft.com/office/drawing/2014/main" xmlns="" w="9525">
+                <a14:hiddenLine xmlns="" xmlns:a16="http://schemas.microsoft.com/office/drawing/2014/main" xmlns:a14="http://schemas.microsoft.com/office/drawing/2010/main" xmlns:p14="http://schemas.microsoft.com/office/powerpoint/2010/main" w="9525">
                   <a:solidFill>
                     <a:srgbClr val="000000"/>
                   </a:solidFill>
@@ -45465,7 +45914,7 @@
             </a:ln>
             <a:extLst>
               <a:ext uri="{91240B29-F687-4f45-9708-019B960494DF}">
-                <a14:hiddenLine xmlns:p14="http://schemas.microsoft.com/office/powerpoint/2010/main" xmlns:a14="http://schemas.microsoft.com/office/drawing/2010/main" xmlns:a16="http://schemas.microsoft.com/office/drawing/2014/main" xmlns="" w="9525">
+                <a14:hiddenLine xmlns="" xmlns:a16="http://schemas.microsoft.com/office/drawing/2014/main" xmlns:a14="http://schemas.microsoft.com/office/drawing/2010/main" xmlns:p14="http://schemas.microsoft.com/office/powerpoint/2010/main" w="9525">
                   <a:solidFill>
                     <a:srgbClr val="000000"/>
                   </a:solidFill>
@@ -45570,7 +46019,7 @@
             </a:ln>
             <a:extLst>
               <a:ext uri="{91240B29-F687-4f45-9708-019B960494DF}">
-                <a14:hiddenLine xmlns:p14="http://schemas.microsoft.com/office/powerpoint/2010/main" xmlns:a14="http://schemas.microsoft.com/office/drawing/2010/main" xmlns:a16="http://schemas.microsoft.com/office/drawing/2014/main" xmlns="" w="9525">
+                <a14:hiddenLine xmlns="" xmlns:a16="http://schemas.microsoft.com/office/drawing/2014/main" xmlns:a14="http://schemas.microsoft.com/office/drawing/2010/main" xmlns:p14="http://schemas.microsoft.com/office/powerpoint/2010/main" w="9525">
                   <a:solidFill>
                     <a:srgbClr val="000000"/>
                   </a:solidFill>
@@ -45587,107 +46036,6 @@
     <p:extLst>
       <p:ext uri="{BB962C8B-B14F-4D97-AF65-F5344CB8AC3E}">
         <p14:creationId xmlns:p14="http://schemas.microsoft.com/office/powerpoint/2010/main" val="2227915886"/>
-      </p:ext>
-    </p:extLst>
-  </p:cSld>
-  <p:clrMapOvr>
-    <a:masterClrMapping/>
-  </p:clrMapOvr>
-</p:sld>
-</file>
-
-<file path=ppt/slides/slide9.xml><?xml version="1.0" encoding="utf-8"?>
-<p:sld xmlns:a="http://schemas.openxmlformats.org/drawingml/2006/main" xmlns:r="http://schemas.openxmlformats.org/officeDocument/2006/relationships" xmlns:p="http://schemas.openxmlformats.org/presentationml/2006/main">
-  <p:cSld>
-    <p:spTree>
-      <p:nvGrpSpPr>
-        <p:cNvPr id="1" name=""/>
-        <p:cNvGrpSpPr/>
-        <p:nvPr/>
-      </p:nvGrpSpPr>
-      <p:grpSpPr>
-        <a:xfrm>
-          <a:off x="0" y="0"/>
-          <a:ext cx="0" cy="0"/>
-          <a:chOff x="0" y="0"/>
-          <a:chExt cx="0" cy="0"/>
-        </a:xfrm>
-      </p:grpSpPr>
-      <p:sp>
-        <p:nvSpPr>
-          <p:cNvPr id="2" name="Title 1">
-            <a:extLst>
-              <a:ext uri="{FF2B5EF4-FFF2-40B4-BE49-F238E27FC236}">
-                <a16:creationId xmlns:a16="http://schemas.microsoft.com/office/drawing/2014/main" id="{B091CE1F-BA13-46A0-824F-80AD7EB130C8}"/>
-              </a:ext>
-            </a:extLst>
-          </p:cNvPr>
-          <p:cNvSpPr>
-            <a:spLocks noGrp="1"/>
-          </p:cNvSpPr>
-          <p:nvPr>
-            <p:ph type="title"/>
-          </p:nvPr>
-        </p:nvSpPr>
-        <p:spPr/>
-        <p:txBody>
-          <a:bodyPr/>
-          <a:lstStyle/>
-          <a:p>
-            <a:r>
-              <a:rPr lang="de-DE" dirty="0"/>
-              <a:t>Reflexion/Fazit</a:t>
-            </a:r>
-          </a:p>
-        </p:txBody>
-      </p:sp>
-      <p:sp>
-        <p:nvSpPr>
-          <p:cNvPr id="3" name="Content Placeholder 2">
-            <a:extLst>
-              <a:ext uri="{FF2B5EF4-FFF2-40B4-BE49-F238E27FC236}">
-                <a16:creationId xmlns:a16="http://schemas.microsoft.com/office/drawing/2014/main" id="{2F44F14B-C6DE-2882-1471-F7F1251CA084}"/>
-              </a:ext>
-            </a:extLst>
-          </p:cNvPr>
-          <p:cNvSpPr>
-            <a:spLocks noGrp="1"/>
-          </p:cNvSpPr>
-          <p:nvPr>
-            <p:ph idx="1"/>
-          </p:nvPr>
-        </p:nvSpPr>
-        <p:spPr/>
-        <p:txBody>
-          <a:bodyPr/>
-          <a:lstStyle/>
-          <a:p>
-            <a:r>
-              <a:rPr lang="de-DE" dirty="0"/>
-              <a:t>Hauptanforderungen erfüllt (WPF, Logik, Zusatzfeatures)</a:t>
-            </a:r>
-          </a:p>
-          <a:p>
-            <a:r>
-              <a:rPr lang="de-DE" dirty="0"/>
-              <a:t>Programm ist lauffähig</a:t>
-            </a:r>
-          </a:p>
-          <a:p>
-            <a:r>
-              <a:rPr lang="de-DE" dirty="0"/>
-              <a:t>Viel über WPF, Data/Command Binding und C# gelernt</a:t>
-            </a:r>
-          </a:p>
-          <a:p>
-            <a:endParaRPr lang="de-DE" dirty="0"/>
-          </a:p>
-        </p:txBody>
-      </p:sp>
-    </p:spTree>
-    <p:extLst>
-      <p:ext uri="{BB962C8B-B14F-4D97-AF65-F5344CB8AC3E}">
-        <p14:creationId xmlns:p14="http://schemas.microsoft.com/office/powerpoint/2010/main" val="2574416453"/>
       </p:ext>
     </p:extLst>
   </p:cSld>
